--- a/supports/P6_presentation_final.pptx
+++ b/supports/P6_presentation_final.pptx
@@ -5,10 +5,10 @@
     <p:sldMasterId id="2147483648" r:id="rId1"/>
   </p:sldMasterIdLst>
   <p:notesMasterIdLst>
-    <p:notesMasterId r:id="rId19"/>
+    <p:notesMasterId r:id="rId21"/>
   </p:notesMasterIdLst>
   <p:handoutMasterIdLst>
-    <p:handoutMasterId r:id="rId20"/>
+    <p:handoutMasterId r:id="rId22"/>
   </p:handoutMasterIdLst>
   <p:sldIdLst>
     <p:sldId id="368" r:id="rId2"/>
@@ -23,11 +23,13 @@
     <p:sldId id="643" r:id="rId11"/>
     <p:sldId id="594" r:id="rId12"/>
     <p:sldId id="644" r:id="rId13"/>
-    <p:sldId id="610" r:id="rId14"/>
-    <p:sldId id="612" r:id="rId15"/>
-    <p:sldId id="534" r:id="rId16"/>
-    <p:sldId id="535" r:id="rId17"/>
-    <p:sldId id="633" r:id="rId18"/>
+    <p:sldId id="647" r:id="rId14"/>
+    <p:sldId id="645" r:id="rId15"/>
+    <p:sldId id="610" r:id="rId16"/>
+    <p:sldId id="612" r:id="rId17"/>
+    <p:sldId id="534" r:id="rId18"/>
+    <p:sldId id="535" r:id="rId19"/>
+    <p:sldId id="633" r:id="rId20"/>
   </p:sldIdLst>
   <p:sldSz cx="12192000" cy="6858000"/>
   <p:notesSz cx="6858000" cy="9144000"/>
@@ -228,7 +230,7 @@
           <a:p>
             <a:fld id="{081908C2-F1FA-4AA1-810C-31F86594FA86}" type="datetimeFigureOut">
               <a:rPr lang="en-US" smtClean="0"/>
-              <a:t>11/25/2021</a:t>
+              <a:t>11/27/2021</a:t>
             </a:fld>
             <a:endParaRPr lang="en-US"/>
           </a:p>
@@ -393,7 +395,7 @@
           <a:p>
             <a:fld id="{56E8D31E-EEDD-42CA-A79A-B9539977145E}" type="datetimeFigureOut">
               <a:rPr lang="en-US" smtClean="0"/>
-              <a:t>11/25/2021</a:t>
+              <a:t>11/27/2021</a:t>
             </a:fld>
             <a:endParaRPr lang="en-US"/>
           </a:p>
@@ -1067,6 +1069,10 @@
           <a:bodyPr/>
           <a:lstStyle/>
           <a:p>
+            <a:pPr marL="171450" indent="-171450">
+              <a:buFontTx/>
+              <a:buChar char="-"/>
+            </a:pPr>
             <a:endParaRPr lang="fr-FR" dirty="0"/>
           </a:p>
         </p:txBody>
@@ -1097,7 +1103,7 @@
     </p:spTree>
     <p:extLst>
       <p:ext uri="{BB962C8B-B14F-4D97-AF65-F5344CB8AC3E}">
-        <p14:creationId xmlns:p14="http://schemas.microsoft.com/office/powerpoint/2010/main" val="2672249202"/>
+        <p14:creationId xmlns:p14="http://schemas.microsoft.com/office/powerpoint/2010/main" val="1959800500"/>
       </p:ext>
     </p:extLst>
   </p:cSld>
@@ -1185,7 +1191,7 @@
     </p:spTree>
     <p:extLst>
       <p:ext uri="{BB962C8B-B14F-4D97-AF65-F5344CB8AC3E}">
-        <p14:creationId xmlns:p14="http://schemas.microsoft.com/office/powerpoint/2010/main" val="2429461889"/>
+        <p14:creationId xmlns:p14="http://schemas.microsoft.com/office/powerpoint/2010/main" val="1870367243"/>
       </p:ext>
     </p:extLst>
   </p:cSld>
@@ -1239,172 +1245,6 @@
           <a:bodyPr/>
           <a:lstStyle/>
           <a:p>
-            <a:pPr marL="171450" indent="-171450">
-              <a:buFont typeface="Wingdings" panose="05000000000000000000" pitchFamily="2" charset="2"/>
-              <a:buChar char="§"/>
-            </a:pPr>
-            <a:r>
-              <a:rPr lang="es-ES" b="1" dirty="0" err="1"/>
-              <a:t>Kmeans</a:t>
-            </a:r>
-            <a:r>
-              <a:rPr lang="es-ES" b="1" dirty="0"/>
-              <a:t> : </a:t>
-            </a:r>
-            <a:r>
-              <a:rPr lang="es-ES" sz="1200" kern="1200" dirty="0" err="1">
-                <a:solidFill>
-                  <a:schemeClr val="tx1"/>
-                </a:solidFill>
-                <a:latin typeface="+mn-lt"/>
-                <a:ea typeface="+mn-ea"/>
-                <a:cs typeface="+mn-cs"/>
-              </a:rPr>
-              <a:t>minimiser</a:t>
-            </a:r>
-            <a:r>
-              <a:rPr lang="es-ES" sz="1200" kern="1200" dirty="0">
-                <a:solidFill>
-                  <a:schemeClr val="tx1"/>
-                </a:solidFill>
-                <a:latin typeface="+mn-lt"/>
-                <a:ea typeface="+mn-ea"/>
-                <a:cs typeface="+mn-cs"/>
-              </a:rPr>
-              <a:t> la </a:t>
-            </a:r>
-            <a:r>
-              <a:rPr lang="es-ES" sz="1200" kern="1200" dirty="0" err="1">
-                <a:solidFill>
-                  <a:schemeClr val="tx1"/>
-                </a:solidFill>
-                <a:latin typeface="+mn-lt"/>
-                <a:ea typeface="+mn-ea"/>
-                <a:cs typeface="+mn-cs"/>
-              </a:rPr>
-              <a:t>variance</a:t>
-            </a:r>
-            <a:r>
-              <a:rPr lang="es-ES" sz="1200" kern="1200" dirty="0">
-                <a:solidFill>
-                  <a:schemeClr val="tx1"/>
-                </a:solidFill>
-                <a:latin typeface="+mn-lt"/>
-                <a:ea typeface="+mn-ea"/>
-                <a:cs typeface="+mn-cs"/>
-              </a:rPr>
-              <a:t> des </a:t>
-            </a:r>
-            <a:r>
-              <a:rPr lang="es-ES" sz="1200" kern="1200" dirty="0" err="1">
-                <a:solidFill>
-                  <a:schemeClr val="tx1"/>
-                </a:solidFill>
-                <a:latin typeface="+mn-lt"/>
-                <a:ea typeface="+mn-ea"/>
-                <a:cs typeface="+mn-cs"/>
-              </a:rPr>
-              <a:t>clusters</a:t>
-            </a:r>
-            <a:endParaRPr lang="es-ES" sz="1200" b="0" kern="1200" dirty="0">
-              <a:solidFill>
-                <a:schemeClr val="tx1"/>
-              </a:solidFill>
-              <a:latin typeface="+mn-lt"/>
-              <a:ea typeface="+mn-ea"/>
-              <a:cs typeface="+mn-cs"/>
-            </a:endParaRPr>
-          </a:p>
-          <a:p>
-            <a:pPr marL="171450" indent="-171450">
-              <a:buFont typeface="Wingdings" panose="05000000000000000000" pitchFamily="2" charset="2"/>
-              <a:buChar char="§"/>
-            </a:pPr>
-            <a:r>
-              <a:rPr lang="fr-FR" b="1" dirty="0"/>
-              <a:t>Le méthode du </a:t>
-            </a:r>
-            <a:r>
-              <a:rPr lang="fr-FR" b="1" dirty="0" err="1"/>
-              <a:t>codeu</a:t>
-            </a:r>
-            <a:r>
-              <a:rPr lang="fr-FR" b="1" dirty="0"/>
-              <a:t> : </a:t>
-            </a:r>
-            <a:r>
-              <a:rPr lang="fr-FR" dirty="0"/>
-              <a:t>La somme de la distance au carré entre chaque point et le centroïde dans un cluster. </a:t>
-            </a:r>
-            <a:br>
-              <a:rPr lang="fr-FR" dirty="0"/>
-            </a:br>
-            <a:r>
-              <a:rPr lang="fr-FR" dirty="0"/>
-              <a:t>Lorsque nous analysons le graphique on peut voir que la courbe a changé rapidement de direction en faisant une forme de coude.</a:t>
-            </a:r>
-          </a:p>
-          <a:p>
-            <a:pPr marL="171450" indent="-171450">
-              <a:buFont typeface="Wingdings" panose="05000000000000000000" pitchFamily="2" charset="2"/>
-              <a:buChar char="§"/>
-            </a:pPr>
-            <a:r>
-              <a:rPr lang="fr-FR" b="1" dirty="0"/>
-              <a:t>L’indice de Davies-</a:t>
-            </a:r>
-            <a:r>
-              <a:rPr lang="fr-FR" b="1" dirty="0" err="1"/>
-              <a:t>Bouldin</a:t>
-            </a:r>
-            <a:r>
-              <a:rPr lang="fr-FR" b="1" dirty="0"/>
-              <a:t> : </a:t>
-            </a:r>
-            <a:r>
-              <a:rPr lang="fr-FR" b="0" dirty="0"/>
-              <a:t>comparer les distances intra-clusters (homogénéité) qu’on veut qu’il soit faible, aux distance inter-cluster que l’on veut grandes.</a:t>
-            </a:r>
-          </a:p>
-          <a:p>
-            <a:pPr marL="171450" indent="-171450">
-              <a:buFont typeface="Wingdings" panose="05000000000000000000" pitchFamily="2" charset="2"/>
-              <a:buChar char="§"/>
-            </a:pPr>
-            <a:r>
-              <a:rPr lang="fr-FR" b="1" i="0" dirty="0">
-                <a:effectLst/>
-                <a:latin typeface="Montserrat" panose="00000500000000000000" pitchFamily="2" charset="0"/>
-              </a:rPr>
-              <a:t>Le coefficient de silhouette : </a:t>
-            </a:r>
-            <a:r>
-              <a:rPr lang="fr-FR" b="0" i="0" dirty="0">
-                <a:effectLst/>
-                <a:latin typeface="Montserrat" panose="00000500000000000000" pitchFamily="2" charset="0"/>
-              </a:rPr>
-              <a:t>pour mesurer la similarité d’un point à son propre cluster (cohésion / homogénéité) par rapport à d’autres cluster (séparation). </a:t>
-            </a:r>
-            <a:br>
-              <a:rPr lang="fr-FR" b="0" i="0" dirty="0">
-                <a:effectLst/>
-                <a:latin typeface="Montserrat" panose="00000500000000000000" pitchFamily="2" charset="0"/>
-              </a:rPr>
-            </a:br>
-            <a:r>
-              <a:rPr lang="fr-FR" b="0" i="0" dirty="0">
-                <a:effectLst/>
-                <a:latin typeface="Montserrat" panose="00000500000000000000" pitchFamily="2" charset="0"/>
-              </a:rPr>
-              <a:t>Pour analyser cela, on calcule la distance moyenne d’un point à d’autres du même cluster et également par rapport à des points d’un autre cluster. </a:t>
-            </a:r>
-            <a:endParaRPr lang="fr-FR" dirty="0"/>
-          </a:p>
-          <a:p>
-            <a:pPr marL="171450" indent="-171450">
-              <a:buFont typeface="Wingdings" panose="05000000000000000000" pitchFamily="2" charset="2"/>
-              <a:buChar char="§"/>
-            </a:pPr>
             <a:endParaRPr lang="fr-FR" dirty="0"/>
           </a:p>
         </p:txBody>
@@ -1435,7 +1275,7 @@
     </p:spTree>
     <p:extLst>
       <p:ext uri="{BB962C8B-B14F-4D97-AF65-F5344CB8AC3E}">
-        <p14:creationId xmlns:p14="http://schemas.microsoft.com/office/powerpoint/2010/main" val="3436986321"/>
+        <p14:creationId xmlns:p14="http://schemas.microsoft.com/office/powerpoint/2010/main" val="2672249202"/>
       </p:ext>
     </p:extLst>
   </p:cSld>
@@ -1489,6 +1329,344 @@
           <a:bodyPr/>
           <a:lstStyle/>
           <a:p>
+            <a:pPr marL="171450" indent="-171450">
+              <a:buFontTx/>
+              <a:buChar char="-"/>
+            </a:pPr>
+            <a:endParaRPr lang="fr-FR" dirty="0"/>
+          </a:p>
+        </p:txBody>
+      </p:sp>
+      <p:sp>
+        <p:nvSpPr>
+          <p:cNvPr id="4" name="Espace réservé du numéro de diapositive 3"/>
+          <p:cNvSpPr>
+            <a:spLocks noGrp="1"/>
+          </p:cNvSpPr>
+          <p:nvPr>
+            <p:ph type="sldNum" sz="quarter" idx="5"/>
+          </p:nvPr>
+        </p:nvSpPr>
+        <p:spPr/>
+        <p:txBody>
+          <a:bodyPr/>
+          <a:lstStyle/>
+          <a:p>
+            <a:fld id="{B2BE2823-3393-479C-B299-87C7B63AEB2B}" type="slidenum">
+              <a:rPr lang="en-US" smtClean="0"/>
+              <a:t>16</a:t>
+            </a:fld>
+            <a:endParaRPr lang="en-US"/>
+          </a:p>
+        </p:txBody>
+      </p:sp>
+    </p:spTree>
+    <p:extLst>
+      <p:ext uri="{BB962C8B-B14F-4D97-AF65-F5344CB8AC3E}">
+        <p14:creationId xmlns:p14="http://schemas.microsoft.com/office/powerpoint/2010/main" val="2429461889"/>
+      </p:ext>
+    </p:extLst>
+  </p:cSld>
+  <p:clrMapOvr>
+    <a:masterClrMapping/>
+  </p:clrMapOvr>
+</p:notes>
+</file>
+
+<file path=ppt/notesSlides/notesSlide16.xml><?xml version="1.0" encoding="utf-8"?>
+<p:notes xmlns:a="http://schemas.openxmlformats.org/drawingml/2006/main" xmlns:r="http://schemas.openxmlformats.org/officeDocument/2006/relationships" xmlns:p="http://schemas.openxmlformats.org/presentationml/2006/main">
+  <p:cSld>
+    <p:spTree>
+      <p:nvGrpSpPr>
+        <p:cNvPr id="1" name=""/>
+        <p:cNvGrpSpPr/>
+        <p:nvPr/>
+      </p:nvGrpSpPr>
+      <p:grpSpPr>
+        <a:xfrm>
+          <a:off x="0" y="0"/>
+          <a:ext cx="0" cy="0"/>
+          <a:chOff x="0" y="0"/>
+          <a:chExt cx="0" cy="0"/>
+        </a:xfrm>
+      </p:grpSpPr>
+      <p:sp>
+        <p:nvSpPr>
+          <p:cNvPr id="2" name="Espace réservé de l'image des diapositives 1"/>
+          <p:cNvSpPr>
+            <a:spLocks noGrp="1" noRot="1" noChangeAspect="1"/>
+          </p:cNvSpPr>
+          <p:nvPr>
+            <p:ph type="sldImg"/>
+          </p:nvPr>
+        </p:nvSpPr>
+        <p:spPr/>
+      </p:sp>
+      <p:sp>
+        <p:nvSpPr>
+          <p:cNvPr id="3" name="Espace réservé des notes 2"/>
+          <p:cNvSpPr>
+            <a:spLocks noGrp="1"/>
+          </p:cNvSpPr>
+          <p:nvPr>
+            <p:ph type="body" idx="1"/>
+          </p:nvPr>
+        </p:nvSpPr>
+        <p:spPr/>
+        <p:txBody>
+          <a:bodyPr/>
+          <a:lstStyle/>
+          <a:p>
+            <a:pPr marL="171450" indent="-171450">
+              <a:buFont typeface="Wingdings" panose="05000000000000000000" pitchFamily="2" charset="2"/>
+              <a:buChar char="§"/>
+            </a:pPr>
+            <a:r>
+              <a:rPr lang="es-ES" b="1" dirty="0" err="1"/>
+              <a:t>Kmeans</a:t>
+            </a:r>
+            <a:r>
+              <a:rPr lang="es-ES" b="1" dirty="0"/>
+              <a:t> : </a:t>
+            </a:r>
+            <a:r>
+              <a:rPr lang="es-ES" sz="1200" kern="1200" dirty="0" err="1">
+                <a:solidFill>
+                  <a:schemeClr val="tx1"/>
+                </a:solidFill>
+                <a:latin typeface="+mn-lt"/>
+                <a:ea typeface="+mn-ea"/>
+                <a:cs typeface="+mn-cs"/>
+              </a:rPr>
+              <a:t>minimiser</a:t>
+            </a:r>
+            <a:r>
+              <a:rPr lang="es-ES" sz="1200" kern="1200" dirty="0">
+                <a:solidFill>
+                  <a:schemeClr val="tx1"/>
+                </a:solidFill>
+                <a:latin typeface="+mn-lt"/>
+                <a:ea typeface="+mn-ea"/>
+                <a:cs typeface="+mn-cs"/>
+              </a:rPr>
+              <a:t> la </a:t>
+            </a:r>
+            <a:r>
+              <a:rPr lang="es-ES" sz="1200" kern="1200" dirty="0" err="1">
+                <a:solidFill>
+                  <a:schemeClr val="tx1"/>
+                </a:solidFill>
+                <a:latin typeface="+mn-lt"/>
+                <a:ea typeface="+mn-ea"/>
+                <a:cs typeface="+mn-cs"/>
+              </a:rPr>
+              <a:t>variance</a:t>
+            </a:r>
+            <a:r>
+              <a:rPr lang="es-ES" sz="1200" kern="1200" dirty="0">
+                <a:solidFill>
+                  <a:schemeClr val="tx1"/>
+                </a:solidFill>
+                <a:latin typeface="+mn-lt"/>
+                <a:ea typeface="+mn-ea"/>
+                <a:cs typeface="+mn-cs"/>
+              </a:rPr>
+              <a:t> des </a:t>
+            </a:r>
+            <a:r>
+              <a:rPr lang="es-ES" sz="1200" kern="1200" dirty="0" err="1">
+                <a:solidFill>
+                  <a:schemeClr val="tx1"/>
+                </a:solidFill>
+                <a:latin typeface="+mn-lt"/>
+                <a:ea typeface="+mn-ea"/>
+                <a:cs typeface="+mn-cs"/>
+              </a:rPr>
+              <a:t>clusters</a:t>
+            </a:r>
+            <a:endParaRPr lang="es-ES" sz="1200" b="0" kern="1200" dirty="0">
+              <a:solidFill>
+                <a:schemeClr val="tx1"/>
+              </a:solidFill>
+              <a:latin typeface="+mn-lt"/>
+              <a:ea typeface="+mn-ea"/>
+              <a:cs typeface="+mn-cs"/>
+            </a:endParaRPr>
+          </a:p>
+          <a:p>
+            <a:pPr marL="171450" indent="-171450">
+              <a:buFont typeface="Wingdings" panose="05000000000000000000" pitchFamily="2" charset="2"/>
+              <a:buChar char="§"/>
+            </a:pPr>
+            <a:r>
+              <a:rPr lang="fr-FR" b="1" dirty="0"/>
+              <a:t>Le méthode du </a:t>
+            </a:r>
+            <a:r>
+              <a:rPr lang="fr-FR" b="1" dirty="0" err="1"/>
+              <a:t>codeu</a:t>
+            </a:r>
+            <a:r>
+              <a:rPr lang="fr-FR" b="1" dirty="0"/>
+              <a:t> : </a:t>
+            </a:r>
+            <a:r>
+              <a:rPr lang="fr-FR" dirty="0"/>
+              <a:t>La somme de la distance au carré entre chaque point et le centroïde dans un cluster. </a:t>
+            </a:r>
+            <a:br>
+              <a:rPr lang="fr-FR" dirty="0"/>
+            </a:br>
+            <a:r>
+              <a:rPr lang="fr-FR" dirty="0"/>
+              <a:t>Lorsque nous analysons le graphique on peut voir que la courbe a changé rapidement de direction en faisant une forme de coude.</a:t>
+            </a:r>
+          </a:p>
+          <a:p>
+            <a:pPr marL="171450" indent="-171450">
+              <a:buFont typeface="Wingdings" panose="05000000000000000000" pitchFamily="2" charset="2"/>
+              <a:buChar char="§"/>
+            </a:pPr>
+            <a:r>
+              <a:rPr lang="fr-FR" b="1" dirty="0"/>
+              <a:t>L’indice de Davies-</a:t>
+            </a:r>
+            <a:r>
+              <a:rPr lang="fr-FR" b="1" dirty="0" err="1"/>
+              <a:t>Bouldin</a:t>
+            </a:r>
+            <a:r>
+              <a:rPr lang="fr-FR" b="1" dirty="0"/>
+              <a:t> : </a:t>
+            </a:r>
+            <a:r>
+              <a:rPr lang="fr-FR" b="0" dirty="0"/>
+              <a:t>comparer les distances intra-clusters (homogénéité) qu’on veut qu’il soit faible, aux distance inter-cluster que l’on veut grandes.</a:t>
+            </a:r>
+          </a:p>
+          <a:p>
+            <a:pPr marL="171450" indent="-171450">
+              <a:buFont typeface="Wingdings" panose="05000000000000000000" pitchFamily="2" charset="2"/>
+              <a:buChar char="§"/>
+            </a:pPr>
+            <a:r>
+              <a:rPr lang="fr-FR" b="1" i="0" dirty="0">
+                <a:effectLst/>
+                <a:latin typeface="Montserrat" panose="00000500000000000000" pitchFamily="2" charset="0"/>
+              </a:rPr>
+              <a:t>Le coefficient de silhouette : </a:t>
+            </a:r>
+            <a:r>
+              <a:rPr lang="fr-FR" b="0" i="0" dirty="0">
+                <a:effectLst/>
+                <a:latin typeface="Montserrat" panose="00000500000000000000" pitchFamily="2" charset="0"/>
+              </a:rPr>
+              <a:t>pour mesurer la similarité d’un point à son propre cluster (cohésion / homogénéité) par rapport à d’autres cluster (séparation). </a:t>
+            </a:r>
+            <a:br>
+              <a:rPr lang="fr-FR" b="0" i="0" dirty="0">
+                <a:effectLst/>
+                <a:latin typeface="Montserrat" panose="00000500000000000000" pitchFamily="2" charset="0"/>
+              </a:rPr>
+            </a:br>
+            <a:r>
+              <a:rPr lang="fr-FR" b="0" i="0" dirty="0">
+                <a:effectLst/>
+                <a:latin typeface="Montserrat" panose="00000500000000000000" pitchFamily="2" charset="0"/>
+              </a:rPr>
+              <a:t>Pour analyser cela, on calcule la distance moyenne d’un point à d’autres du même cluster et également par rapport à des points d’un autre cluster. </a:t>
+            </a:r>
+            <a:endParaRPr lang="fr-FR" dirty="0"/>
+          </a:p>
+          <a:p>
+            <a:pPr marL="171450" indent="-171450">
+              <a:buFont typeface="Wingdings" panose="05000000000000000000" pitchFamily="2" charset="2"/>
+              <a:buChar char="§"/>
+            </a:pPr>
+            <a:endParaRPr lang="fr-FR" dirty="0"/>
+          </a:p>
+        </p:txBody>
+      </p:sp>
+      <p:sp>
+        <p:nvSpPr>
+          <p:cNvPr id="4" name="Espace réservé du numéro de diapositive 3"/>
+          <p:cNvSpPr>
+            <a:spLocks noGrp="1"/>
+          </p:cNvSpPr>
+          <p:nvPr>
+            <p:ph type="sldNum" sz="quarter" idx="5"/>
+          </p:nvPr>
+        </p:nvSpPr>
+        <p:spPr/>
+        <p:txBody>
+          <a:bodyPr/>
+          <a:lstStyle/>
+          <a:p>
+            <a:fld id="{B2BE2823-3393-479C-B299-87C7B63AEB2B}" type="slidenum">
+              <a:rPr lang="en-US" smtClean="0"/>
+              <a:t>17</a:t>
+            </a:fld>
+            <a:endParaRPr lang="en-US"/>
+          </a:p>
+        </p:txBody>
+      </p:sp>
+    </p:spTree>
+    <p:extLst>
+      <p:ext uri="{BB962C8B-B14F-4D97-AF65-F5344CB8AC3E}">
+        <p14:creationId xmlns:p14="http://schemas.microsoft.com/office/powerpoint/2010/main" val="3436986321"/>
+      </p:ext>
+    </p:extLst>
+  </p:cSld>
+  <p:clrMapOvr>
+    <a:masterClrMapping/>
+  </p:clrMapOvr>
+</p:notes>
+</file>
+
+<file path=ppt/notesSlides/notesSlide17.xml><?xml version="1.0" encoding="utf-8"?>
+<p:notes xmlns:a="http://schemas.openxmlformats.org/drawingml/2006/main" xmlns:r="http://schemas.openxmlformats.org/officeDocument/2006/relationships" xmlns:p="http://schemas.openxmlformats.org/presentationml/2006/main">
+  <p:cSld>
+    <p:spTree>
+      <p:nvGrpSpPr>
+        <p:cNvPr id="1" name=""/>
+        <p:cNvGrpSpPr/>
+        <p:nvPr/>
+      </p:nvGrpSpPr>
+      <p:grpSpPr>
+        <a:xfrm>
+          <a:off x="0" y="0"/>
+          <a:ext cx="0" cy="0"/>
+          <a:chOff x="0" y="0"/>
+          <a:chExt cx="0" cy="0"/>
+        </a:xfrm>
+      </p:grpSpPr>
+      <p:sp>
+        <p:nvSpPr>
+          <p:cNvPr id="2" name="Espace réservé de l'image des diapositives 1"/>
+          <p:cNvSpPr>
+            <a:spLocks noGrp="1" noRot="1" noChangeAspect="1"/>
+          </p:cNvSpPr>
+          <p:nvPr>
+            <p:ph type="sldImg"/>
+          </p:nvPr>
+        </p:nvSpPr>
+        <p:spPr/>
+      </p:sp>
+      <p:sp>
+        <p:nvSpPr>
+          <p:cNvPr id="3" name="Espace réservé des notes 2"/>
+          <p:cNvSpPr>
+            <a:spLocks noGrp="1"/>
+          </p:cNvSpPr>
+          <p:nvPr>
+            <p:ph type="body" idx="1"/>
+          </p:nvPr>
+        </p:nvSpPr>
+        <p:spPr/>
+        <p:txBody>
+          <a:bodyPr/>
+          <a:lstStyle/>
+          <a:p>
             <a:pPr marL="0" marR="0" lvl="0" indent="0" algn="l" defTabSz="914400" rtl="0" eaLnBrk="1" fontAlgn="auto" latinLnBrk="0" hangingPunct="1">
               <a:lnSpc>
                 <a:spcPct val="100000"/>
@@ -1533,7 +1711,7 @@
           <a:p>
             <a:fld id="{B2BE2823-3393-479C-B299-87C7B63AEB2B}" type="slidenum">
               <a:rPr lang="en-US" smtClean="0"/>
-              <a:t>17</a:t>
+              <a:t>19</a:t>
             </a:fld>
             <a:endParaRPr lang="en-US"/>
           </a:p>
@@ -2441,7 +2619,7 @@
           <a:p>
             <a:fld id="{E1DCD729-31D5-4480-98D7-69012EF3B7DD}" type="datetimeFigureOut">
               <a:rPr lang="en-US" smtClean="0"/>
-              <a:t>11/25/2021</a:t>
+              <a:t>11/27/2021</a:t>
             </a:fld>
             <a:endParaRPr lang="en-US"/>
           </a:p>
@@ -2639,7 +2817,7 @@
           <a:p>
             <a:fld id="{E1DCD729-31D5-4480-98D7-69012EF3B7DD}" type="datetimeFigureOut">
               <a:rPr lang="en-US" smtClean="0"/>
-              <a:t>11/25/2021</a:t>
+              <a:t>11/27/2021</a:t>
             </a:fld>
             <a:endParaRPr lang="en-US"/>
           </a:p>
@@ -2847,7 +3025,7 @@
           <a:p>
             <a:fld id="{E1DCD729-31D5-4480-98D7-69012EF3B7DD}" type="datetimeFigureOut">
               <a:rPr lang="en-US" smtClean="0"/>
-              <a:t>11/25/2021</a:t>
+              <a:t>11/27/2021</a:t>
             </a:fld>
             <a:endParaRPr lang="en-US"/>
           </a:p>
@@ -3045,7 +3223,7 @@
           <a:p>
             <a:fld id="{E1DCD729-31D5-4480-98D7-69012EF3B7DD}" type="datetimeFigureOut">
               <a:rPr lang="en-US" smtClean="0"/>
-              <a:t>11/25/2021</a:t>
+              <a:t>11/27/2021</a:t>
             </a:fld>
             <a:endParaRPr lang="en-US"/>
           </a:p>
@@ -3320,7 +3498,7 @@
           <a:p>
             <a:fld id="{E1DCD729-31D5-4480-98D7-69012EF3B7DD}" type="datetimeFigureOut">
               <a:rPr lang="en-US" smtClean="0"/>
-              <a:t>11/25/2021</a:t>
+              <a:t>11/27/2021</a:t>
             </a:fld>
             <a:endParaRPr lang="en-US"/>
           </a:p>
@@ -3585,7 +3763,7 @@
           <a:p>
             <a:fld id="{E1DCD729-31D5-4480-98D7-69012EF3B7DD}" type="datetimeFigureOut">
               <a:rPr lang="en-US" smtClean="0"/>
-              <a:t>11/25/2021</a:t>
+              <a:t>11/27/2021</a:t>
             </a:fld>
             <a:endParaRPr lang="en-US"/>
           </a:p>
@@ -3997,7 +4175,7 @@
           <a:p>
             <a:fld id="{E1DCD729-31D5-4480-98D7-69012EF3B7DD}" type="datetimeFigureOut">
               <a:rPr lang="en-US" smtClean="0"/>
-              <a:t>11/25/2021</a:t>
+              <a:t>11/27/2021</a:t>
             </a:fld>
             <a:endParaRPr lang="en-US"/>
           </a:p>
@@ -4138,7 +4316,7 @@
           <a:p>
             <a:fld id="{E1DCD729-31D5-4480-98D7-69012EF3B7DD}" type="datetimeFigureOut">
               <a:rPr lang="en-US" smtClean="0"/>
-              <a:t>11/25/2021</a:t>
+              <a:t>11/27/2021</a:t>
             </a:fld>
             <a:endParaRPr lang="en-US"/>
           </a:p>
@@ -4251,7 +4429,7 @@
           <a:p>
             <a:fld id="{E1DCD729-31D5-4480-98D7-69012EF3B7DD}" type="datetimeFigureOut">
               <a:rPr lang="en-US" smtClean="0"/>
-              <a:t>11/25/2021</a:t>
+              <a:t>11/27/2021</a:t>
             </a:fld>
             <a:endParaRPr lang="en-US"/>
           </a:p>
@@ -4562,7 +4740,7 @@
           <a:p>
             <a:fld id="{E1DCD729-31D5-4480-98D7-69012EF3B7DD}" type="datetimeFigureOut">
               <a:rPr lang="en-US" smtClean="0"/>
-              <a:t>11/25/2021</a:t>
+              <a:t>11/27/2021</a:t>
             </a:fld>
             <a:endParaRPr lang="en-US"/>
           </a:p>
@@ -4850,7 +5028,7 @@
           <a:p>
             <a:fld id="{E1DCD729-31D5-4480-98D7-69012EF3B7DD}" type="datetimeFigureOut">
               <a:rPr lang="en-US" smtClean="0"/>
-              <a:t>11/25/2021</a:t>
+              <a:t>11/27/2021</a:t>
             </a:fld>
             <a:endParaRPr lang="en-US"/>
           </a:p>
@@ -5100,7 +5278,7 @@
           <a:p>
             <a:fld id="{E1DCD729-31D5-4480-98D7-69012EF3B7DD}" type="datetimeFigureOut">
               <a:rPr lang="en-US" smtClean="0"/>
-              <a:t>11/25/2021</a:t>
+              <a:t>11/27/2021</a:t>
             </a:fld>
             <a:endParaRPr lang="en-US"/>
           </a:p>
@@ -8411,8 +8589,8 @@
         </p:nvSpPr>
         <p:spPr>
           <a:xfrm>
-            <a:off x="279917" y="432794"/>
-            <a:ext cx="10553183" cy="696438"/>
+            <a:off x="312268" y="432794"/>
+            <a:ext cx="5985169" cy="696438"/>
           </a:xfrm>
           <a:prstGeom prst="rect">
             <a:avLst/>
@@ -8606,8 +8784,8 @@
         </p:nvSpPr>
         <p:spPr>
           <a:xfrm>
-            <a:off x="1484615" y="3702284"/>
-            <a:ext cx="8859061" cy="2195433"/>
+            <a:off x="1160765" y="3692759"/>
+            <a:ext cx="9597335" cy="2195433"/>
           </a:xfrm>
           <a:prstGeom prst="rect">
             <a:avLst/>
@@ -8666,8 +8844,8 @@
         </p:nvSpPr>
         <p:spPr>
           <a:xfrm>
-            <a:off x="1484615" y="1489404"/>
-            <a:ext cx="8859061" cy="2195433"/>
+            <a:off x="1160765" y="1489404"/>
+            <a:ext cx="9597335" cy="2195433"/>
           </a:xfrm>
           <a:prstGeom prst="rect">
             <a:avLst/>
@@ -8726,7 +8904,7 @@
         </p:nvSpPr>
         <p:spPr>
           <a:xfrm rot="16200000">
-            <a:off x="715489" y="2402453"/>
+            <a:off x="391639" y="2402453"/>
             <a:ext cx="2195432" cy="369332"/>
           </a:xfrm>
           <a:prstGeom prst="rect">
@@ -8768,7 +8946,7 @@
               <a:t>T</a:t>
             </a:r>
             <a:r>
-              <a:rPr lang="fr-FR" b="1" dirty="0">
+              <a:rPr lang="fr-FR" b="1" dirty="0" err="1">
                 <a:ln>
                   <a:solidFill>
                     <a:schemeClr val="accent4">
@@ -8783,7 +8961,7 @@
                 </a:solidFill>
                 <a:latin typeface="Google Sans"/>
               </a:rPr>
-              <a:t>textuelles</a:t>
+              <a:t>extuelles</a:t>
             </a:r>
             <a:endParaRPr lang="fr-FR" sz="1800" b="1" dirty="0">
               <a:ln>
@@ -8817,7 +8995,7 @@
         </p:nvSpPr>
         <p:spPr>
           <a:xfrm rot="16200000">
-            <a:off x="716060" y="4608306"/>
+            <a:off x="392210" y="4608306"/>
             <a:ext cx="2193989" cy="369332"/>
           </a:xfrm>
           <a:prstGeom prst="rect">
@@ -8861,6 +9039,2637 @@
           </a:p>
         </p:txBody>
       </p:sp>
+      <p:sp>
+        <p:nvSpPr>
+          <p:cNvPr id="18" name="Google Shape;189;p19">
+            <a:extLst>
+              <a:ext uri="{FF2B5EF4-FFF2-40B4-BE49-F238E27FC236}">
+                <a16:creationId xmlns:a16="http://schemas.microsoft.com/office/drawing/2014/main" id="{0EE75342-537A-438B-A014-B203FB9D0BE8}"/>
+              </a:ext>
+            </a:extLst>
+          </p:cNvPr>
+          <p:cNvSpPr/>
+          <p:nvPr/>
+        </p:nvSpPr>
+        <p:spPr>
+          <a:xfrm>
+            <a:off x="1901165" y="1949937"/>
+            <a:ext cx="2227800" cy="856800"/>
+          </a:xfrm>
+          <a:prstGeom prst="chevron">
+            <a:avLst>
+              <a:gd name="adj" fmla="val 50000"/>
+            </a:avLst>
+          </a:prstGeom>
+          <a:solidFill>
+            <a:srgbClr val="548235"/>
+          </a:solidFill>
+          <a:ln>
+            <a:solidFill>
+              <a:srgbClr val="548235"/>
+            </a:solidFill>
+          </a:ln>
+        </p:spPr>
+        <p:txBody>
+          <a:bodyPr spcFirstLastPara="1" wrap="square" lIns="91425" tIns="91425" rIns="91425" bIns="91425" anchor="ctr" anchorCtr="0">
+            <a:noAutofit/>
+          </a:bodyPr>
+          <a:lstStyle/>
+          <a:p>
+            <a:pPr marL="0" lvl="0" indent="0" algn="l" rtl="0">
+              <a:spcBef>
+                <a:spcPts val="0"/>
+              </a:spcBef>
+              <a:spcAft>
+                <a:spcPts val="0"/>
+              </a:spcAft>
+              <a:buNone/>
+            </a:pPr>
+            <a:endParaRPr dirty="0"/>
+          </a:p>
+        </p:txBody>
+      </p:sp>
+      <p:sp>
+        <p:nvSpPr>
+          <p:cNvPr id="19" name="Google Shape;193;p19">
+            <a:extLst>
+              <a:ext uri="{FF2B5EF4-FFF2-40B4-BE49-F238E27FC236}">
+                <a16:creationId xmlns:a16="http://schemas.microsoft.com/office/drawing/2014/main" id="{A67AC840-837F-469B-B0A9-ED0AD3CC0C26}"/>
+              </a:ext>
+            </a:extLst>
+          </p:cNvPr>
+          <p:cNvSpPr txBox="1"/>
+          <p:nvPr/>
+        </p:nvSpPr>
+        <p:spPr>
+          <a:xfrm>
+            <a:off x="2296343" y="2147399"/>
+            <a:ext cx="1285909" cy="464551"/>
+          </a:xfrm>
+          <a:prstGeom prst="rect">
+            <a:avLst/>
+          </a:prstGeom>
+          <a:noFill/>
+          <a:ln>
+            <a:noFill/>
+          </a:ln>
+        </p:spPr>
+        <p:txBody>
+          <a:bodyPr spcFirstLastPara="1" wrap="square" lIns="91425" tIns="91425" rIns="91425" bIns="91425" anchor="ctr" anchorCtr="0">
+            <a:noAutofit/>
+          </a:bodyPr>
+          <a:lstStyle/>
+          <a:p>
+            <a:pPr marL="0" lvl="0" indent="0" algn="r" rtl="0">
+              <a:spcBef>
+                <a:spcPts val="0"/>
+              </a:spcBef>
+              <a:spcAft>
+                <a:spcPts val="0"/>
+              </a:spcAft>
+              <a:buNone/>
+            </a:pPr>
+            <a:r>
+              <a:rPr lang="fr-FR" sz="2000" dirty="0">
+                <a:solidFill>
+                  <a:srgbClr val="FFFFFF"/>
+                </a:solidFill>
+                <a:latin typeface="Google Sans"/>
+                <a:ea typeface="Fira Sans Condensed Medium"/>
+                <a:cs typeface="Fira Sans Condensed Medium"/>
+                <a:sym typeface="Fira Sans Condensed Medium"/>
+              </a:rPr>
+              <a:t>Analyser des textes</a:t>
+            </a:r>
+            <a:endParaRPr sz="2000" dirty="0">
+              <a:solidFill>
+                <a:srgbClr val="FFFFFF"/>
+              </a:solidFill>
+              <a:latin typeface="Google Sans"/>
+              <a:ea typeface="Fira Sans Condensed Medium"/>
+              <a:cs typeface="Fira Sans Condensed Medium"/>
+              <a:sym typeface="Fira Sans Condensed Medium"/>
+            </a:endParaRPr>
+          </a:p>
+        </p:txBody>
+      </p:sp>
+      <p:sp>
+        <p:nvSpPr>
+          <p:cNvPr id="22" name="Google Shape;197;p19">
+            <a:extLst>
+              <a:ext uri="{FF2B5EF4-FFF2-40B4-BE49-F238E27FC236}">
+                <a16:creationId xmlns:a16="http://schemas.microsoft.com/office/drawing/2014/main" id="{CB9E6654-8739-4F3A-8924-12991125C0A0}"/>
+              </a:ext>
+            </a:extLst>
+          </p:cNvPr>
+          <p:cNvSpPr/>
+          <p:nvPr/>
+        </p:nvSpPr>
+        <p:spPr>
+          <a:xfrm>
+            <a:off x="3527076" y="2180032"/>
+            <a:ext cx="396600" cy="396600"/>
+          </a:xfrm>
+          <a:prstGeom prst="ellipse">
+            <a:avLst/>
+          </a:prstGeom>
+          <a:solidFill>
+            <a:srgbClr val="FFFFFF"/>
+          </a:solidFill>
+          <a:ln>
+            <a:noFill/>
+          </a:ln>
+        </p:spPr>
+        <p:txBody>
+          <a:bodyPr spcFirstLastPara="1" wrap="square" lIns="91425" tIns="91425" rIns="91425" bIns="91425" anchor="ctr" anchorCtr="0">
+            <a:noAutofit/>
+          </a:bodyPr>
+          <a:lstStyle/>
+          <a:p>
+            <a:pPr marL="0" lvl="0" indent="0" algn="l" rtl="0">
+              <a:spcBef>
+                <a:spcPts val="0"/>
+              </a:spcBef>
+              <a:spcAft>
+                <a:spcPts val="0"/>
+              </a:spcAft>
+              <a:buNone/>
+            </a:pPr>
+            <a:endParaRPr sz="2100">
+              <a:solidFill>
+                <a:schemeClr val="accent1"/>
+              </a:solidFill>
+              <a:latin typeface="Fira Sans Condensed Medium"/>
+              <a:ea typeface="Fira Sans Condensed Medium"/>
+              <a:cs typeface="Fira Sans Condensed Medium"/>
+              <a:sym typeface="Fira Sans Condensed Medium"/>
+            </a:endParaRPr>
+          </a:p>
+        </p:txBody>
+      </p:sp>
+      <p:sp>
+        <p:nvSpPr>
+          <p:cNvPr id="24" name="Google Shape;204;p19">
+            <a:extLst>
+              <a:ext uri="{FF2B5EF4-FFF2-40B4-BE49-F238E27FC236}">
+                <a16:creationId xmlns:a16="http://schemas.microsoft.com/office/drawing/2014/main" id="{3CBF4DD6-A543-4734-82A2-B4C92E5B6723}"/>
+              </a:ext>
+            </a:extLst>
+          </p:cNvPr>
+          <p:cNvSpPr txBox="1"/>
+          <p:nvPr/>
+        </p:nvSpPr>
+        <p:spPr>
+          <a:xfrm>
+            <a:off x="3527577" y="2179901"/>
+            <a:ext cx="396600" cy="396600"/>
+          </a:xfrm>
+          <a:prstGeom prst="rect">
+            <a:avLst/>
+          </a:prstGeom>
+          <a:noFill/>
+          <a:ln>
+            <a:noFill/>
+          </a:ln>
+        </p:spPr>
+        <p:txBody>
+          <a:bodyPr spcFirstLastPara="1" wrap="square" lIns="91425" tIns="91425" rIns="91425" bIns="91425" anchor="ctr" anchorCtr="0">
+            <a:noAutofit/>
+          </a:bodyPr>
+          <a:lstStyle/>
+          <a:p>
+            <a:pPr marL="0" lvl="0" indent="0" algn="ctr" rtl="0">
+              <a:spcBef>
+                <a:spcPts val="0"/>
+              </a:spcBef>
+              <a:spcAft>
+                <a:spcPts val="0"/>
+              </a:spcAft>
+              <a:buNone/>
+            </a:pPr>
+            <a:endParaRPr sz="2000" dirty="0">
+              <a:solidFill>
+                <a:schemeClr val="accent1"/>
+              </a:solidFill>
+              <a:latin typeface="Fira Sans Condensed Medium"/>
+              <a:ea typeface="Fira Sans Condensed Medium"/>
+              <a:cs typeface="Fira Sans Condensed Medium"/>
+              <a:sym typeface="Fira Sans Condensed Medium"/>
+            </a:endParaRPr>
+          </a:p>
+        </p:txBody>
+      </p:sp>
+      <p:sp>
+        <p:nvSpPr>
+          <p:cNvPr id="26" name="Google Shape;189;p19">
+            <a:extLst>
+              <a:ext uri="{FF2B5EF4-FFF2-40B4-BE49-F238E27FC236}">
+                <a16:creationId xmlns:a16="http://schemas.microsoft.com/office/drawing/2014/main" id="{D66DAA3D-B99D-4294-B747-EF88DE6D2F53}"/>
+              </a:ext>
+            </a:extLst>
+          </p:cNvPr>
+          <p:cNvSpPr/>
+          <p:nvPr/>
+        </p:nvSpPr>
+        <p:spPr>
+          <a:xfrm>
+            <a:off x="3896680" y="1949937"/>
+            <a:ext cx="2227800" cy="856800"/>
+          </a:xfrm>
+          <a:prstGeom prst="chevron">
+            <a:avLst>
+              <a:gd name="adj" fmla="val 50000"/>
+            </a:avLst>
+          </a:prstGeom>
+          <a:solidFill>
+            <a:srgbClr val="7F7F7F"/>
+          </a:solidFill>
+          <a:ln>
+            <a:solidFill>
+              <a:srgbClr val="7F7F7F"/>
+            </a:solidFill>
+          </a:ln>
+        </p:spPr>
+        <p:txBody>
+          <a:bodyPr spcFirstLastPara="1" wrap="square" lIns="91425" tIns="91425" rIns="91425" bIns="91425" anchor="ctr" anchorCtr="0">
+            <a:noAutofit/>
+          </a:bodyPr>
+          <a:lstStyle/>
+          <a:p>
+            <a:pPr marL="0" lvl="0" indent="0" algn="l" rtl="0">
+              <a:spcBef>
+                <a:spcPts val="0"/>
+              </a:spcBef>
+              <a:spcAft>
+                <a:spcPts val="0"/>
+              </a:spcAft>
+              <a:buNone/>
+            </a:pPr>
+            <a:endParaRPr dirty="0"/>
+          </a:p>
+        </p:txBody>
+      </p:sp>
+      <p:sp>
+        <p:nvSpPr>
+          <p:cNvPr id="27" name="Google Shape;193;p19">
+            <a:extLst>
+              <a:ext uri="{FF2B5EF4-FFF2-40B4-BE49-F238E27FC236}">
+                <a16:creationId xmlns:a16="http://schemas.microsoft.com/office/drawing/2014/main" id="{24262E05-591B-4618-A0AD-BCDBDC96FE9C}"/>
+              </a:ext>
+            </a:extLst>
+          </p:cNvPr>
+          <p:cNvSpPr txBox="1"/>
+          <p:nvPr/>
+        </p:nvSpPr>
+        <p:spPr>
+          <a:xfrm>
+            <a:off x="4175753" y="2142037"/>
+            <a:ext cx="1435403" cy="464551"/>
+          </a:xfrm>
+          <a:prstGeom prst="rect">
+            <a:avLst/>
+          </a:prstGeom>
+          <a:noFill/>
+          <a:ln>
+            <a:noFill/>
+          </a:ln>
+        </p:spPr>
+        <p:txBody>
+          <a:bodyPr spcFirstLastPara="1" wrap="square" lIns="91425" tIns="91425" rIns="91425" bIns="91425" anchor="ctr" anchorCtr="0">
+            <a:noAutofit/>
+          </a:bodyPr>
+          <a:lstStyle/>
+          <a:p>
+            <a:pPr marL="0" lvl="0" indent="0" algn="r" rtl="0">
+              <a:spcBef>
+                <a:spcPts val="0"/>
+              </a:spcBef>
+              <a:spcAft>
+                <a:spcPts val="0"/>
+              </a:spcAft>
+              <a:buNone/>
+            </a:pPr>
+            <a:r>
+              <a:rPr lang="fr-FR" sz="1900" dirty="0">
+                <a:solidFill>
+                  <a:srgbClr val="FFFFFF"/>
+                </a:solidFill>
+                <a:latin typeface="Google Sans"/>
+                <a:ea typeface="Fira Sans Condensed Medium"/>
+                <a:cs typeface="Fira Sans Condensed Medium"/>
+                <a:sym typeface="Fira Sans Condensed Medium"/>
+              </a:rPr>
+              <a:t>Traitement des textes</a:t>
+            </a:r>
+            <a:endParaRPr sz="1900" dirty="0">
+              <a:solidFill>
+                <a:srgbClr val="FFFFFF"/>
+              </a:solidFill>
+              <a:latin typeface="Google Sans"/>
+              <a:ea typeface="Fira Sans Condensed Medium"/>
+              <a:cs typeface="Fira Sans Condensed Medium"/>
+              <a:sym typeface="Fira Sans Condensed Medium"/>
+            </a:endParaRPr>
+          </a:p>
+        </p:txBody>
+      </p:sp>
+      <p:sp>
+        <p:nvSpPr>
+          <p:cNvPr id="28" name="Google Shape;197;p19">
+            <a:extLst>
+              <a:ext uri="{FF2B5EF4-FFF2-40B4-BE49-F238E27FC236}">
+                <a16:creationId xmlns:a16="http://schemas.microsoft.com/office/drawing/2014/main" id="{22A325C3-6C0D-42E3-A33F-1D0131CFEF51}"/>
+              </a:ext>
+            </a:extLst>
+          </p:cNvPr>
+          <p:cNvSpPr/>
+          <p:nvPr/>
+        </p:nvSpPr>
+        <p:spPr>
+          <a:xfrm>
+            <a:off x="5522591" y="2180032"/>
+            <a:ext cx="396600" cy="396600"/>
+          </a:xfrm>
+          <a:prstGeom prst="ellipse">
+            <a:avLst/>
+          </a:prstGeom>
+          <a:solidFill>
+            <a:srgbClr val="FFFFFF"/>
+          </a:solidFill>
+          <a:ln>
+            <a:noFill/>
+          </a:ln>
+        </p:spPr>
+        <p:txBody>
+          <a:bodyPr spcFirstLastPara="1" wrap="square" lIns="91425" tIns="91425" rIns="91425" bIns="91425" anchor="ctr" anchorCtr="0">
+            <a:noAutofit/>
+          </a:bodyPr>
+          <a:lstStyle/>
+          <a:p>
+            <a:pPr marL="0" lvl="0" indent="0" algn="l" rtl="0">
+              <a:spcBef>
+                <a:spcPts val="0"/>
+              </a:spcBef>
+              <a:spcAft>
+                <a:spcPts val="0"/>
+              </a:spcAft>
+              <a:buNone/>
+            </a:pPr>
+            <a:endParaRPr sz="2100">
+              <a:solidFill>
+                <a:schemeClr val="accent1"/>
+              </a:solidFill>
+              <a:latin typeface="Fira Sans Condensed Medium"/>
+              <a:ea typeface="Fira Sans Condensed Medium"/>
+              <a:cs typeface="Fira Sans Condensed Medium"/>
+              <a:sym typeface="Fira Sans Condensed Medium"/>
+            </a:endParaRPr>
+          </a:p>
+        </p:txBody>
+      </p:sp>
+      <p:sp>
+        <p:nvSpPr>
+          <p:cNvPr id="29" name="Google Shape;204;p19">
+            <a:extLst>
+              <a:ext uri="{FF2B5EF4-FFF2-40B4-BE49-F238E27FC236}">
+                <a16:creationId xmlns:a16="http://schemas.microsoft.com/office/drawing/2014/main" id="{2AA50079-56BB-48BF-B3F8-88658946D817}"/>
+              </a:ext>
+            </a:extLst>
+          </p:cNvPr>
+          <p:cNvSpPr txBox="1"/>
+          <p:nvPr/>
+        </p:nvSpPr>
+        <p:spPr>
+          <a:xfrm>
+            <a:off x="5523092" y="2179901"/>
+            <a:ext cx="396600" cy="396600"/>
+          </a:xfrm>
+          <a:prstGeom prst="rect">
+            <a:avLst/>
+          </a:prstGeom>
+          <a:noFill/>
+          <a:ln>
+            <a:noFill/>
+          </a:ln>
+        </p:spPr>
+        <p:txBody>
+          <a:bodyPr spcFirstLastPara="1" wrap="square" lIns="91425" tIns="91425" rIns="91425" bIns="91425" anchor="ctr" anchorCtr="0">
+            <a:noAutofit/>
+          </a:bodyPr>
+          <a:lstStyle/>
+          <a:p>
+            <a:pPr marL="0" lvl="0" indent="0" algn="ctr" rtl="0">
+              <a:spcBef>
+                <a:spcPts val="0"/>
+              </a:spcBef>
+              <a:spcAft>
+                <a:spcPts val="0"/>
+              </a:spcAft>
+              <a:buNone/>
+            </a:pPr>
+            <a:endParaRPr sz="2000" dirty="0">
+              <a:solidFill>
+                <a:schemeClr val="accent1"/>
+              </a:solidFill>
+              <a:latin typeface="Fira Sans Condensed Medium"/>
+              <a:ea typeface="Fira Sans Condensed Medium"/>
+              <a:cs typeface="Fira Sans Condensed Medium"/>
+              <a:sym typeface="Fira Sans Condensed Medium"/>
+            </a:endParaRPr>
+          </a:p>
+        </p:txBody>
+      </p:sp>
+      <p:sp>
+        <p:nvSpPr>
+          <p:cNvPr id="31" name="Google Shape;189;p19">
+            <a:extLst>
+              <a:ext uri="{FF2B5EF4-FFF2-40B4-BE49-F238E27FC236}">
+                <a16:creationId xmlns:a16="http://schemas.microsoft.com/office/drawing/2014/main" id="{363D92F1-90E4-452B-9171-4BD8083963BD}"/>
+              </a:ext>
+            </a:extLst>
+          </p:cNvPr>
+          <p:cNvSpPr/>
+          <p:nvPr/>
+        </p:nvSpPr>
+        <p:spPr>
+          <a:xfrm>
+            <a:off x="5900346" y="1949937"/>
+            <a:ext cx="2227800" cy="856800"/>
+          </a:xfrm>
+          <a:prstGeom prst="chevron">
+            <a:avLst>
+              <a:gd name="adj" fmla="val 50000"/>
+            </a:avLst>
+          </a:prstGeom>
+          <a:solidFill>
+            <a:srgbClr val="ED7D31"/>
+          </a:solidFill>
+          <a:ln>
+            <a:solidFill>
+              <a:srgbClr val="ED7D31"/>
+            </a:solidFill>
+          </a:ln>
+        </p:spPr>
+        <p:txBody>
+          <a:bodyPr spcFirstLastPara="1" wrap="square" lIns="91425" tIns="91425" rIns="91425" bIns="91425" anchor="ctr" anchorCtr="0">
+            <a:noAutofit/>
+          </a:bodyPr>
+          <a:lstStyle/>
+          <a:p>
+            <a:pPr marL="0" lvl="0" indent="0" algn="l" rtl="0">
+              <a:spcBef>
+                <a:spcPts val="0"/>
+              </a:spcBef>
+              <a:spcAft>
+                <a:spcPts val="0"/>
+              </a:spcAft>
+              <a:buNone/>
+            </a:pPr>
+            <a:endParaRPr dirty="0"/>
+          </a:p>
+        </p:txBody>
+      </p:sp>
+      <p:sp>
+        <p:nvSpPr>
+          <p:cNvPr id="32" name="Google Shape;193;p19">
+            <a:extLst>
+              <a:ext uri="{FF2B5EF4-FFF2-40B4-BE49-F238E27FC236}">
+                <a16:creationId xmlns:a16="http://schemas.microsoft.com/office/drawing/2014/main" id="{9CE5D129-D9E2-4074-B922-D584155874B0}"/>
+              </a:ext>
+            </a:extLst>
+          </p:cNvPr>
+          <p:cNvSpPr txBox="1"/>
+          <p:nvPr/>
+        </p:nvSpPr>
+        <p:spPr>
+          <a:xfrm>
+            <a:off x="5958371" y="2129258"/>
+            <a:ext cx="1657295" cy="464551"/>
+          </a:xfrm>
+          <a:prstGeom prst="rect">
+            <a:avLst/>
+          </a:prstGeom>
+          <a:noFill/>
+          <a:ln>
+            <a:noFill/>
+          </a:ln>
+        </p:spPr>
+        <p:txBody>
+          <a:bodyPr spcFirstLastPara="1" wrap="square" lIns="91425" tIns="91425" rIns="91425" bIns="91425" anchor="ctr" anchorCtr="0">
+            <a:noAutofit/>
+          </a:bodyPr>
+          <a:lstStyle/>
+          <a:p>
+            <a:pPr algn="r"/>
+            <a:r>
+              <a:rPr lang="fr-FR" b="1" i="0" dirty="0" err="1">
+                <a:solidFill>
+                  <a:srgbClr val="FFFFFF"/>
+                </a:solidFill>
+                <a:effectLst/>
+                <a:latin typeface="Google Sans"/>
+              </a:rPr>
+              <a:t>Stemming</a:t>
+            </a:r>
+            <a:r>
+              <a:rPr lang="fr-FR" b="1" i="0" dirty="0">
+                <a:solidFill>
+                  <a:srgbClr val="FFFFFF"/>
+                </a:solidFill>
+                <a:effectLst/>
+                <a:latin typeface="Google Sans"/>
+              </a:rPr>
+              <a:t> </a:t>
+            </a:r>
+            <a:r>
+              <a:rPr lang="fr-FR" sz="1600" b="1" dirty="0" err="1">
+                <a:solidFill>
+                  <a:srgbClr val="FFFFFF"/>
+                </a:solidFill>
+                <a:latin typeface="Google Sans"/>
+              </a:rPr>
+              <a:t>Lemmatization</a:t>
+            </a:r>
+            <a:endParaRPr lang="fr-FR" sz="1600" b="1" i="0" dirty="0">
+              <a:solidFill>
+                <a:srgbClr val="FFFFFF"/>
+              </a:solidFill>
+              <a:effectLst/>
+              <a:latin typeface="Google Sans"/>
+            </a:endParaRPr>
+          </a:p>
+        </p:txBody>
+      </p:sp>
+      <p:sp>
+        <p:nvSpPr>
+          <p:cNvPr id="33" name="Google Shape;197;p19">
+            <a:extLst>
+              <a:ext uri="{FF2B5EF4-FFF2-40B4-BE49-F238E27FC236}">
+                <a16:creationId xmlns:a16="http://schemas.microsoft.com/office/drawing/2014/main" id="{8894E3B7-4ADD-4A84-BDEA-7DE1B9A27CA3}"/>
+              </a:ext>
+            </a:extLst>
+          </p:cNvPr>
+          <p:cNvSpPr/>
+          <p:nvPr/>
+        </p:nvSpPr>
+        <p:spPr>
+          <a:xfrm>
+            <a:off x="7526257" y="2180032"/>
+            <a:ext cx="396600" cy="396600"/>
+          </a:xfrm>
+          <a:prstGeom prst="ellipse">
+            <a:avLst/>
+          </a:prstGeom>
+          <a:solidFill>
+            <a:srgbClr val="FFFFFF"/>
+          </a:solidFill>
+          <a:ln>
+            <a:noFill/>
+          </a:ln>
+        </p:spPr>
+        <p:txBody>
+          <a:bodyPr spcFirstLastPara="1" wrap="square" lIns="91425" tIns="91425" rIns="91425" bIns="91425" anchor="ctr" anchorCtr="0">
+            <a:noAutofit/>
+          </a:bodyPr>
+          <a:lstStyle/>
+          <a:p>
+            <a:pPr marL="0" lvl="0" indent="0" algn="l" rtl="0">
+              <a:spcBef>
+                <a:spcPts val="0"/>
+              </a:spcBef>
+              <a:spcAft>
+                <a:spcPts val="0"/>
+              </a:spcAft>
+              <a:buNone/>
+            </a:pPr>
+            <a:endParaRPr sz="2100">
+              <a:solidFill>
+                <a:schemeClr val="accent1"/>
+              </a:solidFill>
+              <a:latin typeface="Fira Sans Condensed Medium"/>
+              <a:ea typeface="Fira Sans Condensed Medium"/>
+              <a:cs typeface="Fira Sans Condensed Medium"/>
+              <a:sym typeface="Fira Sans Condensed Medium"/>
+            </a:endParaRPr>
+          </a:p>
+        </p:txBody>
+      </p:sp>
+      <p:sp>
+        <p:nvSpPr>
+          <p:cNvPr id="34" name="Google Shape;204;p19">
+            <a:extLst>
+              <a:ext uri="{FF2B5EF4-FFF2-40B4-BE49-F238E27FC236}">
+                <a16:creationId xmlns:a16="http://schemas.microsoft.com/office/drawing/2014/main" id="{863AF158-D437-456F-AFD3-01AC34023795}"/>
+              </a:ext>
+            </a:extLst>
+          </p:cNvPr>
+          <p:cNvSpPr txBox="1"/>
+          <p:nvPr/>
+        </p:nvSpPr>
+        <p:spPr>
+          <a:xfrm>
+            <a:off x="7526758" y="2179901"/>
+            <a:ext cx="396600" cy="396600"/>
+          </a:xfrm>
+          <a:prstGeom prst="rect">
+            <a:avLst/>
+          </a:prstGeom>
+          <a:noFill/>
+          <a:ln>
+            <a:noFill/>
+          </a:ln>
+        </p:spPr>
+        <p:txBody>
+          <a:bodyPr spcFirstLastPara="1" wrap="square" lIns="91425" tIns="91425" rIns="91425" bIns="91425" anchor="ctr" anchorCtr="0">
+            <a:noAutofit/>
+          </a:bodyPr>
+          <a:lstStyle/>
+          <a:p>
+            <a:pPr marL="0" lvl="0" indent="0" algn="ctr" rtl="0">
+              <a:spcBef>
+                <a:spcPts val="0"/>
+              </a:spcBef>
+              <a:spcAft>
+                <a:spcPts val="0"/>
+              </a:spcAft>
+              <a:buNone/>
+            </a:pPr>
+            <a:endParaRPr sz="2000" dirty="0">
+              <a:solidFill>
+                <a:schemeClr val="accent1"/>
+              </a:solidFill>
+              <a:latin typeface="Fira Sans Condensed Medium"/>
+              <a:ea typeface="Fira Sans Condensed Medium"/>
+              <a:cs typeface="Fira Sans Condensed Medium"/>
+              <a:sym typeface="Fira Sans Condensed Medium"/>
+            </a:endParaRPr>
+          </a:p>
+        </p:txBody>
+      </p:sp>
+      <p:cxnSp>
+        <p:nvCxnSpPr>
+          <p:cNvPr id="36" name="Google Shape;87;p14">
+            <a:extLst>
+              <a:ext uri="{FF2B5EF4-FFF2-40B4-BE49-F238E27FC236}">
+                <a16:creationId xmlns:a16="http://schemas.microsoft.com/office/drawing/2014/main" id="{481030FE-2F76-4034-8324-66808EC3B64B}"/>
+              </a:ext>
+            </a:extLst>
+          </p:cNvPr>
+          <p:cNvCxnSpPr>
+            <a:cxnSpLocks/>
+          </p:cNvCxnSpPr>
+          <p:nvPr/>
+        </p:nvCxnSpPr>
+        <p:spPr>
+          <a:xfrm flipV="1">
+            <a:off x="8892692" y="2806751"/>
+            <a:ext cx="61" cy="160716"/>
+          </a:xfrm>
+          <a:prstGeom prst="straightConnector1">
+            <a:avLst/>
+          </a:prstGeom>
+          <a:noFill/>
+          <a:ln w="28575" cap="flat" cmpd="sng">
+            <a:solidFill>
+              <a:srgbClr val="7451EB"/>
+            </a:solidFill>
+            <a:prstDash val="solid"/>
+            <a:round/>
+            <a:headEnd type="none" w="med" len="med"/>
+            <a:tailEnd type="none" w="med" len="med"/>
+          </a:ln>
+        </p:spPr>
+      </p:cxnSp>
+      <p:sp>
+        <p:nvSpPr>
+          <p:cNvPr id="37" name="Google Shape;89;p14">
+            <a:extLst>
+              <a:ext uri="{FF2B5EF4-FFF2-40B4-BE49-F238E27FC236}">
+                <a16:creationId xmlns:a16="http://schemas.microsoft.com/office/drawing/2014/main" id="{FE2A2F19-BBE8-4E81-AD34-EE87D3CAE90F}"/>
+              </a:ext>
+            </a:extLst>
+          </p:cNvPr>
+          <p:cNvSpPr txBox="1"/>
+          <p:nvPr/>
+        </p:nvSpPr>
+        <p:spPr>
+          <a:xfrm>
+            <a:off x="8150066" y="2969648"/>
+            <a:ext cx="1485252" cy="496660"/>
+          </a:xfrm>
+          <a:prstGeom prst="rect">
+            <a:avLst/>
+          </a:prstGeom>
+          <a:noFill/>
+          <a:ln w="28575" cap="flat" cmpd="sng">
+            <a:solidFill>
+              <a:srgbClr val="7451EB"/>
+            </a:solidFill>
+            <a:prstDash val="solid"/>
+            <a:round/>
+            <a:headEnd type="none" w="sm" len="sm"/>
+            <a:tailEnd type="none" w="sm" len="sm"/>
+          </a:ln>
+        </p:spPr>
+        <p:txBody>
+          <a:bodyPr spcFirstLastPara="1" wrap="square" lIns="91425" tIns="91425" rIns="91425" bIns="91425" anchor="ctr" anchorCtr="0">
+            <a:noAutofit/>
+          </a:bodyPr>
+          <a:lstStyle/>
+          <a:p>
+            <a:pPr marL="0" lvl="0" indent="0" algn="ctr" rtl="0">
+              <a:spcBef>
+                <a:spcPts val="0"/>
+              </a:spcBef>
+              <a:spcAft>
+                <a:spcPts val="0"/>
+              </a:spcAft>
+              <a:buNone/>
+            </a:pPr>
+            <a:r>
+              <a:rPr lang="fr-FR" sz="1200" dirty="0" err="1">
+                <a:solidFill>
+                  <a:srgbClr val="252525"/>
+                </a:solidFill>
+                <a:latin typeface="Google Sans"/>
+                <a:ea typeface="Roboto"/>
+                <a:cs typeface="Roboto"/>
+                <a:sym typeface="Roboto"/>
+              </a:rPr>
+              <a:t>BoW</a:t>
+            </a:r>
+            <a:r>
+              <a:rPr lang="fr-FR" sz="1200" dirty="0">
+                <a:solidFill>
+                  <a:srgbClr val="252525"/>
+                </a:solidFill>
+                <a:latin typeface="Google Sans"/>
+                <a:ea typeface="Roboto"/>
+                <a:cs typeface="Roboto"/>
+                <a:sym typeface="Roboto"/>
+              </a:rPr>
+              <a:t> et TF-IDF</a:t>
+            </a:r>
+            <a:endParaRPr lang="fr-FR" sz="1200" b="1" dirty="0">
+              <a:solidFill>
+                <a:srgbClr val="70AD47"/>
+              </a:solidFill>
+              <a:latin typeface="Google Sans"/>
+              <a:ea typeface="Roboto"/>
+              <a:cs typeface="Roboto"/>
+              <a:sym typeface="Roboto"/>
+            </a:endParaRPr>
+          </a:p>
+        </p:txBody>
+      </p:sp>
+      <p:cxnSp>
+        <p:nvCxnSpPr>
+          <p:cNvPr id="39" name="Google Shape;87;p14">
+            <a:extLst>
+              <a:ext uri="{FF2B5EF4-FFF2-40B4-BE49-F238E27FC236}">
+                <a16:creationId xmlns:a16="http://schemas.microsoft.com/office/drawing/2014/main" id="{2640757A-0D7B-4DC6-92CB-BC0EDA56D088}"/>
+              </a:ext>
+            </a:extLst>
+          </p:cNvPr>
+          <p:cNvCxnSpPr>
+            <a:cxnSpLocks/>
+          </p:cNvCxnSpPr>
+          <p:nvPr/>
+        </p:nvCxnSpPr>
+        <p:spPr>
+          <a:xfrm flipV="1">
+            <a:off x="4806382" y="2804742"/>
+            <a:ext cx="61" cy="160716"/>
+          </a:xfrm>
+          <a:prstGeom prst="straightConnector1">
+            <a:avLst/>
+          </a:prstGeom>
+          <a:noFill/>
+          <a:ln w="28575" cap="flat" cmpd="sng">
+            <a:solidFill>
+              <a:srgbClr val="7F7F7F"/>
+            </a:solidFill>
+            <a:prstDash val="solid"/>
+            <a:round/>
+            <a:headEnd type="none" w="med" len="med"/>
+            <a:tailEnd type="none" w="med" len="med"/>
+          </a:ln>
+        </p:spPr>
+      </p:cxnSp>
+      <p:sp>
+        <p:nvSpPr>
+          <p:cNvPr id="40" name="Google Shape;89;p14">
+            <a:extLst>
+              <a:ext uri="{FF2B5EF4-FFF2-40B4-BE49-F238E27FC236}">
+                <a16:creationId xmlns:a16="http://schemas.microsoft.com/office/drawing/2014/main" id="{811C6E98-E2C6-49FC-A798-17B42ED2AF5E}"/>
+              </a:ext>
+            </a:extLst>
+          </p:cNvPr>
+          <p:cNvSpPr txBox="1"/>
+          <p:nvPr/>
+        </p:nvSpPr>
+        <p:spPr>
+          <a:xfrm>
+            <a:off x="3866451" y="2967639"/>
+            <a:ext cx="1883946" cy="496660"/>
+          </a:xfrm>
+          <a:prstGeom prst="rect">
+            <a:avLst/>
+          </a:prstGeom>
+          <a:noFill/>
+          <a:ln w="28575" cap="flat" cmpd="sng">
+            <a:solidFill>
+              <a:srgbClr val="7F7F7F"/>
+            </a:solidFill>
+            <a:prstDash val="solid"/>
+            <a:round/>
+            <a:headEnd type="none" w="sm" len="sm"/>
+            <a:tailEnd type="none" w="sm" len="sm"/>
+          </a:ln>
+        </p:spPr>
+        <p:txBody>
+          <a:bodyPr spcFirstLastPara="1" wrap="square" lIns="91425" tIns="91425" rIns="91425" bIns="91425" anchor="ctr" anchorCtr="0">
+            <a:noAutofit/>
+          </a:bodyPr>
+          <a:lstStyle/>
+          <a:p>
+            <a:pPr lvl="0" algn="ctr"/>
+            <a:r>
+              <a:rPr lang="fr-FR" sz="1200" dirty="0">
+                <a:solidFill>
+                  <a:srgbClr val="252525"/>
+                </a:solidFill>
+                <a:latin typeface="Google Sans"/>
+                <a:ea typeface="Roboto"/>
+                <a:cs typeface="Roboto"/>
+                <a:sym typeface="Roboto"/>
+              </a:rPr>
+              <a:t>Tokenisation, nettoyage, suppressions, etc.</a:t>
+            </a:r>
+            <a:endParaRPr lang="fr-FR" sz="1200" b="1" dirty="0">
+              <a:solidFill>
+                <a:srgbClr val="70AD47"/>
+              </a:solidFill>
+              <a:latin typeface="Google Sans"/>
+              <a:ea typeface="Roboto"/>
+              <a:cs typeface="Roboto"/>
+              <a:sym typeface="Roboto"/>
+            </a:endParaRPr>
+          </a:p>
+        </p:txBody>
+      </p:sp>
+      <p:sp>
+        <p:nvSpPr>
+          <p:cNvPr id="46" name="Google Shape;189;p19">
+            <a:extLst>
+              <a:ext uri="{FF2B5EF4-FFF2-40B4-BE49-F238E27FC236}">
+                <a16:creationId xmlns:a16="http://schemas.microsoft.com/office/drawing/2014/main" id="{DA2F023C-9D00-4092-979B-BAEF87A85906}"/>
+              </a:ext>
+            </a:extLst>
+          </p:cNvPr>
+          <p:cNvSpPr/>
+          <p:nvPr/>
+        </p:nvSpPr>
+        <p:spPr>
+          <a:xfrm>
+            <a:off x="7941992" y="1947942"/>
+            <a:ext cx="2227800" cy="856800"/>
+          </a:xfrm>
+          <a:prstGeom prst="chevron">
+            <a:avLst>
+              <a:gd name="adj" fmla="val 50000"/>
+            </a:avLst>
+          </a:prstGeom>
+          <a:solidFill>
+            <a:srgbClr val="7451EB"/>
+          </a:solidFill>
+          <a:ln>
+            <a:solidFill>
+              <a:srgbClr val="7451EB"/>
+            </a:solidFill>
+          </a:ln>
+        </p:spPr>
+        <p:txBody>
+          <a:bodyPr spcFirstLastPara="1" wrap="square" lIns="91425" tIns="91425" rIns="91425" bIns="91425" anchor="ctr" anchorCtr="0">
+            <a:noAutofit/>
+          </a:bodyPr>
+          <a:lstStyle/>
+          <a:p>
+            <a:pPr marL="0" lvl="0" indent="0" algn="l" rtl="0">
+              <a:spcBef>
+                <a:spcPts val="0"/>
+              </a:spcBef>
+              <a:spcAft>
+                <a:spcPts val="0"/>
+              </a:spcAft>
+              <a:buNone/>
+            </a:pPr>
+            <a:endParaRPr dirty="0"/>
+          </a:p>
+        </p:txBody>
+      </p:sp>
+      <p:sp>
+        <p:nvSpPr>
+          <p:cNvPr id="47" name="Google Shape;193;p19">
+            <a:extLst>
+              <a:ext uri="{FF2B5EF4-FFF2-40B4-BE49-F238E27FC236}">
+                <a16:creationId xmlns:a16="http://schemas.microsoft.com/office/drawing/2014/main" id="{884C6099-46C4-4E77-A35F-663347E6B139}"/>
+              </a:ext>
+            </a:extLst>
+          </p:cNvPr>
+          <p:cNvSpPr txBox="1"/>
+          <p:nvPr/>
+        </p:nvSpPr>
+        <p:spPr>
+          <a:xfrm>
+            <a:off x="7947455" y="2145404"/>
+            <a:ext cx="1713725" cy="464551"/>
+          </a:xfrm>
+          <a:prstGeom prst="rect">
+            <a:avLst/>
+          </a:prstGeom>
+          <a:noFill/>
+          <a:ln>
+            <a:noFill/>
+          </a:ln>
+        </p:spPr>
+        <p:txBody>
+          <a:bodyPr spcFirstLastPara="1" wrap="square" lIns="91425" tIns="91425" rIns="91425" bIns="91425" anchor="ctr" anchorCtr="0">
+            <a:noAutofit/>
+          </a:bodyPr>
+          <a:lstStyle/>
+          <a:p>
+            <a:pPr marL="0" lvl="0" indent="0" algn="r" rtl="0">
+              <a:spcBef>
+                <a:spcPts val="0"/>
+              </a:spcBef>
+              <a:spcAft>
+                <a:spcPts val="0"/>
+              </a:spcAft>
+              <a:buNone/>
+            </a:pPr>
+            <a:r>
+              <a:rPr lang="fr-FR" sz="1900" dirty="0">
+                <a:solidFill>
+                  <a:srgbClr val="FFFFFF"/>
+                </a:solidFill>
+                <a:latin typeface="Google Sans"/>
+                <a:ea typeface="Fira Sans Condensed Medium"/>
+                <a:cs typeface="Fira Sans Condensed Medium"/>
+                <a:sym typeface="Fira Sans Condensed Medium"/>
+              </a:rPr>
+              <a:t>Vectorisation</a:t>
+            </a:r>
+            <a:r>
+              <a:rPr lang="fr-FR" sz="2000" dirty="0">
+                <a:solidFill>
+                  <a:srgbClr val="FFFFFF"/>
+                </a:solidFill>
+                <a:latin typeface="Google Sans"/>
+                <a:ea typeface="Fira Sans Condensed Medium"/>
+                <a:cs typeface="Fira Sans Condensed Medium"/>
+                <a:sym typeface="Fira Sans Condensed Medium"/>
+              </a:rPr>
+              <a:t> de texte</a:t>
+            </a:r>
+            <a:endParaRPr sz="2000" dirty="0">
+              <a:solidFill>
+                <a:srgbClr val="FFFFFF"/>
+              </a:solidFill>
+              <a:latin typeface="Google Sans"/>
+              <a:ea typeface="Fira Sans Condensed Medium"/>
+              <a:cs typeface="Fira Sans Condensed Medium"/>
+              <a:sym typeface="Fira Sans Condensed Medium"/>
+            </a:endParaRPr>
+          </a:p>
+        </p:txBody>
+      </p:sp>
+      <p:sp>
+        <p:nvSpPr>
+          <p:cNvPr id="48" name="Google Shape;197;p19">
+            <a:extLst>
+              <a:ext uri="{FF2B5EF4-FFF2-40B4-BE49-F238E27FC236}">
+                <a16:creationId xmlns:a16="http://schemas.microsoft.com/office/drawing/2014/main" id="{A215CC3A-19F8-4C02-8CEA-4647920850A2}"/>
+              </a:ext>
+            </a:extLst>
+          </p:cNvPr>
+          <p:cNvSpPr/>
+          <p:nvPr/>
+        </p:nvSpPr>
+        <p:spPr>
+          <a:xfrm>
+            <a:off x="9567903" y="2178037"/>
+            <a:ext cx="396600" cy="396600"/>
+          </a:xfrm>
+          <a:prstGeom prst="ellipse">
+            <a:avLst/>
+          </a:prstGeom>
+          <a:solidFill>
+            <a:srgbClr val="FFFFFF"/>
+          </a:solidFill>
+          <a:ln>
+            <a:noFill/>
+          </a:ln>
+        </p:spPr>
+        <p:txBody>
+          <a:bodyPr spcFirstLastPara="1" wrap="square" lIns="91425" tIns="91425" rIns="91425" bIns="91425" anchor="ctr" anchorCtr="0">
+            <a:noAutofit/>
+          </a:bodyPr>
+          <a:lstStyle/>
+          <a:p>
+            <a:pPr marL="0" lvl="0" indent="0" algn="l" rtl="0">
+              <a:spcBef>
+                <a:spcPts val="0"/>
+              </a:spcBef>
+              <a:spcAft>
+                <a:spcPts val="0"/>
+              </a:spcAft>
+              <a:buNone/>
+            </a:pPr>
+            <a:endParaRPr sz="2100">
+              <a:solidFill>
+                <a:schemeClr val="accent1"/>
+              </a:solidFill>
+              <a:latin typeface="Fira Sans Condensed Medium"/>
+              <a:ea typeface="Fira Sans Condensed Medium"/>
+              <a:cs typeface="Fira Sans Condensed Medium"/>
+              <a:sym typeface="Fira Sans Condensed Medium"/>
+            </a:endParaRPr>
+          </a:p>
+        </p:txBody>
+      </p:sp>
+      <p:sp>
+        <p:nvSpPr>
+          <p:cNvPr id="49" name="Google Shape;204;p19">
+            <a:extLst>
+              <a:ext uri="{FF2B5EF4-FFF2-40B4-BE49-F238E27FC236}">
+                <a16:creationId xmlns:a16="http://schemas.microsoft.com/office/drawing/2014/main" id="{22DB2B29-0AAB-445B-A0EE-E11F6CC906B3}"/>
+              </a:ext>
+            </a:extLst>
+          </p:cNvPr>
+          <p:cNvSpPr txBox="1"/>
+          <p:nvPr/>
+        </p:nvSpPr>
+        <p:spPr>
+          <a:xfrm>
+            <a:off x="9568404" y="2177906"/>
+            <a:ext cx="396600" cy="396600"/>
+          </a:xfrm>
+          <a:prstGeom prst="rect">
+            <a:avLst/>
+          </a:prstGeom>
+          <a:noFill/>
+          <a:ln>
+            <a:noFill/>
+          </a:ln>
+        </p:spPr>
+        <p:txBody>
+          <a:bodyPr spcFirstLastPara="1" wrap="square" lIns="91425" tIns="91425" rIns="91425" bIns="91425" anchor="ctr" anchorCtr="0">
+            <a:noAutofit/>
+          </a:bodyPr>
+          <a:lstStyle/>
+          <a:p>
+            <a:pPr marL="0" lvl="0" indent="0" algn="ctr" rtl="0">
+              <a:spcBef>
+                <a:spcPts val="0"/>
+              </a:spcBef>
+              <a:spcAft>
+                <a:spcPts val="0"/>
+              </a:spcAft>
+              <a:buNone/>
+            </a:pPr>
+            <a:endParaRPr sz="2000" dirty="0">
+              <a:solidFill>
+                <a:schemeClr val="accent1"/>
+              </a:solidFill>
+              <a:latin typeface="Fira Sans Condensed Medium"/>
+              <a:ea typeface="Fira Sans Condensed Medium"/>
+              <a:cs typeface="Fira Sans Condensed Medium"/>
+              <a:sym typeface="Fira Sans Condensed Medium"/>
+            </a:endParaRPr>
+          </a:p>
+        </p:txBody>
+      </p:sp>
+      <p:cxnSp>
+        <p:nvCxnSpPr>
+          <p:cNvPr id="51" name="Google Shape;87;p14">
+            <a:extLst>
+              <a:ext uri="{FF2B5EF4-FFF2-40B4-BE49-F238E27FC236}">
+                <a16:creationId xmlns:a16="http://schemas.microsoft.com/office/drawing/2014/main" id="{09B46CD4-B0F2-44BB-8C9C-D97194FBE51B}"/>
+              </a:ext>
+            </a:extLst>
+          </p:cNvPr>
+          <p:cNvCxnSpPr>
+            <a:cxnSpLocks/>
+          </p:cNvCxnSpPr>
+          <p:nvPr/>
+        </p:nvCxnSpPr>
+        <p:spPr>
+          <a:xfrm flipV="1">
+            <a:off x="2804310" y="2804742"/>
+            <a:ext cx="61" cy="160716"/>
+          </a:xfrm>
+          <a:prstGeom prst="straightConnector1">
+            <a:avLst/>
+          </a:prstGeom>
+          <a:noFill/>
+          <a:ln w="28575" cap="flat" cmpd="sng">
+            <a:solidFill>
+              <a:srgbClr val="548235"/>
+            </a:solidFill>
+            <a:prstDash val="solid"/>
+            <a:round/>
+            <a:headEnd type="none" w="med" len="med"/>
+            <a:tailEnd type="none" w="med" len="med"/>
+          </a:ln>
+        </p:spPr>
+      </p:cxnSp>
+      <p:sp>
+        <p:nvSpPr>
+          <p:cNvPr id="52" name="Google Shape;89;p14">
+            <a:extLst>
+              <a:ext uri="{FF2B5EF4-FFF2-40B4-BE49-F238E27FC236}">
+                <a16:creationId xmlns:a16="http://schemas.microsoft.com/office/drawing/2014/main" id="{D7FAF724-D5FA-4278-B3BF-386B4F081031}"/>
+              </a:ext>
+            </a:extLst>
+          </p:cNvPr>
+          <p:cNvSpPr txBox="1"/>
+          <p:nvPr/>
+        </p:nvSpPr>
+        <p:spPr>
+          <a:xfrm>
+            <a:off x="2014168" y="2967639"/>
+            <a:ext cx="1577218" cy="496660"/>
+          </a:xfrm>
+          <a:prstGeom prst="rect">
+            <a:avLst/>
+          </a:prstGeom>
+          <a:noFill/>
+          <a:ln w="28575" cap="flat" cmpd="sng">
+            <a:solidFill>
+              <a:srgbClr val="548235"/>
+            </a:solidFill>
+            <a:prstDash val="solid"/>
+            <a:round/>
+            <a:headEnd type="none" w="sm" len="sm"/>
+            <a:tailEnd type="none" w="sm" len="sm"/>
+          </a:ln>
+        </p:spPr>
+        <p:txBody>
+          <a:bodyPr spcFirstLastPara="1" wrap="square" lIns="91425" tIns="91425" rIns="91425" bIns="91425" anchor="ctr" anchorCtr="0">
+            <a:noAutofit/>
+          </a:bodyPr>
+          <a:lstStyle/>
+          <a:p>
+            <a:pPr marL="0" lvl="0" indent="0" algn="ctr" rtl="0">
+              <a:spcBef>
+                <a:spcPts val="0"/>
+              </a:spcBef>
+              <a:spcAft>
+                <a:spcPts val="0"/>
+              </a:spcAft>
+              <a:buNone/>
+            </a:pPr>
+            <a:r>
+              <a:rPr lang="fr-FR" sz="1200" dirty="0">
+                <a:solidFill>
+                  <a:srgbClr val="252525"/>
+                </a:solidFill>
+                <a:latin typeface="Google Sans"/>
+                <a:ea typeface="Roboto"/>
+                <a:cs typeface="Roboto"/>
+                <a:sym typeface="Roboto"/>
+              </a:rPr>
+              <a:t>Caractères spéciaux et contractions.</a:t>
+            </a:r>
+            <a:endParaRPr lang="fr-FR" sz="1200" b="1" dirty="0">
+              <a:solidFill>
+                <a:srgbClr val="70AD47"/>
+              </a:solidFill>
+              <a:latin typeface="Google Sans"/>
+              <a:ea typeface="Roboto"/>
+              <a:cs typeface="Roboto"/>
+              <a:sym typeface="Roboto"/>
+            </a:endParaRPr>
+          </a:p>
+        </p:txBody>
+      </p:sp>
+      <p:pic>
+        <p:nvPicPr>
+          <p:cNvPr id="4" name="Image 3">
+            <a:extLst>
+              <a:ext uri="{FF2B5EF4-FFF2-40B4-BE49-F238E27FC236}">
+                <a16:creationId xmlns:a16="http://schemas.microsoft.com/office/drawing/2014/main" id="{3A0C88F7-E1A5-4FE3-A472-BAC36BEB13EB}"/>
+              </a:ext>
+            </a:extLst>
+          </p:cNvPr>
+          <p:cNvPicPr>
+            <a:picLocks noChangeAspect="1"/>
+          </p:cNvPicPr>
+          <p:nvPr/>
+        </p:nvPicPr>
+        <p:blipFill>
+          <a:blip r:embed="rId3">
+            <a:extLst>
+              <a:ext uri="{28A0092B-C50C-407E-A947-70E740481C1C}">
+                <a14:useLocalDpi xmlns:a14="http://schemas.microsoft.com/office/drawing/2010/main" val="0"/>
+              </a:ext>
+            </a:extLst>
+          </a:blip>
+          <a:stretch>
+            <a:fillRect/>
+          </a:stretch>
+        </p:blipFill>
+        <p:spPr>
+          <a:xfrm>
+            <a:off x="3568927" y="2225298"/>
+            <a:ext cx="304762" cy="304762"/>
+          </a:xfrm>
+          <a:prstGeom prst="rect">
+            <a:avLst/>
+          </a:prstGeom>
+        </p:spPr>
+      </p:pic>
+      <p:pic>
+        <p:nvPicPr>
+          <p:cNvPr id="9" name="Image 8">
+            <a:extLst>
+              <a:ext uri="{FF2B5EF4-FFF2-40B4-BE49-F238E27FC236}">
+                <a16:creationId xmlns:a16="http://schemas.microsoft.com/office/drawing/2014/main" id="{16115BA7-6E34-4931-BC18-9314C4961F70}"/>
+              </a:ext>
+            </a:extLst>
+          </p:cNvPr>
+          <p:cNvPicPr>
+            <a:picLocks noChangeAspect="1"/>
+          </p:cNvPicPr>
+          <p:nvPr/>
+        </p:nvPicPr>
+        <p:blipFill>
+          <a:blip r:embed="rId4">
+            <a:extLst>
+              <a:ext uri="{28A0092B-C50C-407E-A947-70E740481C1C}">
+                <a14:useLocalDpi xmlns:a14="http://schemas.microsoft.com/office/drawing/2010/main" val="0"/>
+              </a:ext>
+            </a:extLst>
+          </a:blip>
+          <a:stretch>
+            <a:fillRect/>
+          </a:stretch>
+        </p:blipFill>
+        <p:spPr>
+          <a:xfrm>
+            <a:off x="7577633" y="2218677"/>
+            <a:ext cx="304762" cy="304762"/>
+          </a:xfrm>
+          <a:prstGeom prst="rect">
+            <a:avLst/>
+          </a:prstGeom>
+        </p:spPr>
+      </p:pic>
+      <p:pic>
+        <p:nvPicPr>
+          <p:cNvPr id="56" name="Image 55">
+            <a:extLst>
+              <a:ext uri="{FF2B5EF4-FFF2-40B4-BE49-F238E27FC236}">
+                <a16:creationId xmlns:a16="http://schemas.microsoft.com/office/drawing/2014/main" id="{600083DA-2A42-4AC6-9C14-CAC8D3136183}"/>
+              </a:ext>
+            </a:extLst>
+          </p:cNvPr>
+          <p:cNvPicPr>
+            <a:picLocks noChangeAspect="1"/>
+          </p:cNvPicPr>
+          <p:nvPr/>
+        </p:nvPicPr>
+        <p:blipFill>
+          <a:blip r:embed="rId5">
+            <a:extLst>
+              <a:ext uri="{28A0092B-C50C-407E-A947-70E740481C1C}">
+                <a14:useLocalDpi xmlns:a14="http://schemas.microsoft.com/office/drawing/2010/main" val="0"/>
+              </a:ext>
+            </a:extLst>
+          </a:blip>
+          <a:stretch>
+            <a:fillRect/>
+          </a:stretch>
+        </p:blipFill>
+        <p:spPr>
+          <a:xfrm>
+            <a:off x="9626088" y="2218677"/>
+            <a:ext cx="304762" cy="304762"/>
+          </a:xfrm>
+          <a:prstGeom prst="rect">
+            <a:avLst/>
+          </a:prstGeom>
+        </p:spPr>
+      </p:pic>
+      <p:sp>
+        <p:nvSpPr>
+          <p:cNvPr id="65" name="Google Shape;189;p19">
+            <a:extLst>
+              <a:ext uri="{FF2B5EF4-FFF2-40B4-BE49-F238E27FC236}">
+                <a16:creationId xmlns:a16="http://schemas.microsoft.com/office/drawing/2014/main" id="{834E6425-850D-462C-95B0-45371727D4C4}"/>
+              </a:ext>
+            </a:extLst>
+          </p:cNvPr>
+          <p:cNvSpPr/>
+          <p:nvPr/>
+        </p:nvSpPr>
+        <p:spPr>
+          <a:xfrm>
+            <a:off x="2691869" y="4177099"/>
+            <a:ext cx="2227800" cy="856800"/>
+          </a:xfrm>
+          <a:prstGeom prst="chevron">
+            <a:avLst>
+              <a:gd name="adj" fmla="val 50000"/>
+            </a:avLst>
+          </a:prstGeom>
+          <a:solidFill>
+            <a:srgbClr val="548235"/>
+          </a:solidFill>
+          <a:ln>
+            <a:solidFill>
+              <a:srgbClr val="548235"/>
+            </a:solidFill>
+          </a:ln>
+        </p:spPr>
+        <p:txBody>
+          <a:bodyPr spcFirstLastPara="1" wrap="square" lIns="91425" tIns="91425" rIns="91425" bIns="91425" anchor="ctr" anchorCtr="0">
+            <a:noAutofit/>
+          </a:bodyPr>
+          <a:lstStyle/>
+          <a:p>
+            <a:pPr marL="0" lvl="0" indent="0" algn="l" rtl="0">
+              <a:spcBef>
+                <a:spcPts val="0"/>
+              </a:spcBef>
+              <a:spcAft>
+                <a:spcPts val="0"/>
+              </a:spcAft>
+              <a:buNone/>
+            </a:pPr>
+            <a:endParaRPr dirty="0"/>
+          </a:p>
+        </p:txBody>
+      </p:sp>
+      <p:sp>
+        <p:nvSpPr>
+          <p:cNvPr id="66" name="Google Shape;193;p19">
+            <a:extLst>
+              <a:ext uri="{FF2B5EF4-FFF2-40B4-BE49-F238E27FC236}">
+                <a16:creationId xmlns:a16="http://schemas.microsoft.com/office/drawing/2014/main" id="{D2197B5B-C90A-4B0C-9985-12170FE4EC53}"/>
+              </a:ext>
+            </a:extLst>
+          </p:cNvPr>
+          <p:cNvSpPr txBox="1"/>
+          <p:nvPr/>
+        </p:nvSpPr>
+        <p:spPr>
+          <a:xfrm>
+            <a:off x="3014869" y="4374561"/>
+            <a:ext cx="1358088" cy="464551"/>
+          </a:xfrm>
+          <a:prstGeom prst="rect">
+            <a:avLst/>
+          </a:prstGeom>
+          <a:noFill/>
+          <a:ln>
+            <a:noFill/>
+          </a:ln>
+        </p:spPr>
+        <p:txBody>
+          <a:bodyPr spcFirstLastPara="1" wrap="square" lIns="91425" tIns="91425" rIns="91425" bIns="91425" anchor="ctr" anchorCtr="0">
+            <a:noAutofit/>
+          </a:bodyPr>
+          <a:lstStyle/>
+          <a:p>
+            <a:pPr marL="0" lvl="0" indent="0" algn="r" rtl="0">
+              <a:spcBef>
+                <a:spcPts val="0"/>
+              </a:spcBef>
+              <a:spcAft>
+                <a:spcPts val="0"/>
+              </a:spcAft>
+              <a:buNone/>
+            </a:pPr>
+            <a:r>
+              <a:rPr lang="fr-FR" sz="2000" dirty="0">
+                <a:solidFill>
+                  <a:srgbClr val="FFFFFF"/>
+                </a:solidFill>
+                <a:latin typeface="Google Sans"/>
+                <a:ea typeface="Fira Sans Condensed Medium"/>
+                <a:cs typeface="Fira Sans Condensed Medium"/>
+                <a:sym typeface="Fira Sans Condensed Medium"/>
+              </a:rPr>
+              <a:t>Analyser des images</a:t>
+            </a:r>
+            <a:endParaRPr sz="2000" dirty="0">
+              <a:solidFill>
+                <a:srgbClr val="FFFFFF"/>
+              </a:solidFill>
+              <a:latin typeface="Google Sans"/>
+              <a:ea typeface="Fira Sans Condensed Medium"/>
+              <a:cs typeface="Fira Sans Condensed Medium"/>
+              <a:sym typeface="Fira Sans Condensed Medium"/>
+            </a:endParaRPr>
+          </a:p>
+        </p:txBody>
+      </p:sp>
+      <p:sp>
+        <p:nvSpPr>
+          <p:cNvPr id="67" name="Google Shape;197;p19">
+            <a:extLst>
+              <a:ext uri="{FF2B5EF4-FFF2-40B4-BE49-F238E27FC236}">
+                <a16:creationId xmlns:a16="http://schemas.microsoft.com/office/drawing/2014/main" id="{940D1BBE-3FE7-4E98-80EC-1FD3BD8D5868}"/>
+              </a:ext>
+            </a:extLst>
+          </p:cNvPr>
+          <p:cNvSpPr/>
+          <p:nvPr/>
+        </p:nvSpPr>
+        <p:spPr>
+          <a:xfrm>
+            <a:off x="4317780" y="4407194"/>
+            <a:ext cx="396600" cy="396600"/>
+          </a:xfrm>
+          <a:prstGeom prst="ellipse">
+            <a:avLst/>
+          </a:prstGeom>
+          <a:solidFill>
+            <a:srgbClr val="FFFFFF"/>
+          </a:solidFill>
+          <a:ln>
+            <a:noFill/>
+          </a:ln>
+        </p:spPr>
+        <p:txBody>
+          <a:bodyPr spcFirstLastPara="1" wrap="square" lIns="91425" tIns="91425" rIns="91425" bIns="91425" anchor="ctr" anchorCtr="0">
+            <a:noAutofit/>
+          </a:bodyPr>
+          <a:lstStyle/>
+          <a:p>
+            <a:pPr marL="0" lvl="0" indent="0" algn="l" rtl="0">
+              <a:spcBef>
+                <a:spcPts val="0"/>
+              </a:spcBef>
+              <a:spcAft>
+                <a:spcPts val="0"/>
+              </a:spcAft>
+              <a:buNone/>
+            </a:pPr>
+            <a:endParaRPr sz="2100">
+              <a:solidFill>
+                <a:schemeClr val="accent1"/>
+              </a:solidFill>
+              <a:latin typeface="Fira Sans Condensed Medium"/>
+              <a:ea typeface="Fira Sans Condensed Medium"/>
+              <a:cs typeface="Fira Sans Condensed Medium"/>
+              <a:sym typeface="Fira Sans Condensed Medium"/>
+            </a:endParaRPr>
+          </a:p>
+        </p:txBody>
+      </p:sp>
+      <p:sp>
+        <p:nvSpPr>
+          <p:cNvPr id="68" name="Google Shape;204;p19">
+            <a:extLst>
+              <a:ext uri="{FF2B5EF4-FFF2-40B4-BE49-F238E27FC236}">
+                <a16:creationId xmlns:a16="http://schemas.microsoft.com/office/drawing/2014/main" id="{F662AAF8-C411-4E1F-8D8F-4C68E5C7FD59}"/>
+              </a:ext>
+            </a:extLst>
+          </p:cNvPr>
+          <p:cNvSpPr txBox="1"/>
+          <p:nvPr/>
+        </p:nvSpPr>
+        <p:spPr>
+          <a:xfrm>
+            <a:off x="4318281" y="4407063"/>
+            <a:ext cx="396600" cy="396600"/>
+          </a:xfrm>
+          <a:prstGeom prst="rect">
+            <a:avLst/>
+          </a:prstGeom>
+          <a:noFill/>
+          <a:ln>
+            <a:noFill/>
+          </a:ln>
+        </p:spPr>
+        <p:txBody>
+          <a:bodyPr spcFirstLastPara="1" wrap="square" lIns="91425" tIns="91425" rIns="91425" bIns="91425" anchor="ctr" anchorCtr="0">
+            <a:noAutofit/>
+          </a:bodyPr>
+          <a:lstStyle/>
+          <a:p>
+            <a:pPr marL="0" lvl="0" indent="0" algn="ctr" rtl="0">
+              <a:spcBef>
+                <a:spcPts val="0"/>
+              </a:spcBef>
+              <a:spcAft>
+                <a:spcPts val="0"/>
+              </a:spcAft>
+              <a:buNone/>
+            </a:pPr>
+            <a:endParaRPr sz="2000" dirty="0">
+              <a:solidFill>
+                <a:schemeClr val="accent1"/>
+              </a:solidFill>
+              <a:latin typeface="Fira Sans Condensed Medium"/>
+              <a:ea typeface="Fira Sans Condensed Medium"/>
+              <a:cs typeface="Fira Sans Condensed Medium"/>
+              <a:sym typeface="Fira Sans Condensed Medium"/>
+            </a:endParaRPr>
+          </a:p>
+        </p:txBody>
+      </p:sp>
+      <p:cxnSp>
+        <p:nvCxnSpPr>
+          <p:cNvPr id="69" name="Google Shape;87;p14">
+            <a:extLst>
+              <a:ext uri="{FF2B5EF4-FFF2-40B4-BE49-F238E27FC236}">
+                <a16:creationId xmlns:a16="http://schemas.microsoft.com/office/drawing/2014/main" id="{CFD0397C-37F7-4C4A-9CC0-4AFA88F61E56}"/>
+              </a:ext>
+            </a:extLst>
+          </p:cNvPr>
+          <p:cNvCxnSpPr>
+            <a:cxnSpLocks/>
+          </p:cNvCxnSpPr>
+          <p:nvPr/>
+        </p:nvCxnSpPr>
+        <p:spPr>
+          <a:xfrm flipV="1">
+            <a:off x="3585489" y="5031904"/>
+            <a:ext cx="61" cy="160716"/>
+          </a:xfrm>
+          <a:prstGeom prst="straightConnector1">
+            <a:avLst/>
+          </a:prstGeom>
+          <a:noFill/>
+          <a:ln w="28575" cap="flat" cmpd="sng">
+            <a:solidFill>
+              <a:srgbClr val="548235"/>
+            </a:solidFill>
+            <a:prstDash val="solid"/>
+            <a:round/>
+            <a:headEnd type="none" w="med" len="med"/>
+            <a:tailEnd type="none" w="med" len="med"/>
+          </a:ln>
+        </p:spPr>
+      </p:cxnSp>
+      <p:sp>
+        <p:nvSpPr>
+          <p:cNvPr id="70" name="Google Shape;89;p14">
+            <a:extLst>
+              <a:ext uri="{FF2B5EF4-FFF2-40B4-BE49-F238E27FC236}">
+                <a16:creationId xmlns:a16="http://schemas.microsoft.com/office/drawing/2014/main" id="{6321D38C-1933-4002-A3A7-A133446DD2CF}"/>
+              </a:ext>
+            </a:extLst>
+          </p:cNvPr>
+          <p:cNvSpPr txBox="1"/>
+          <p:nvPr/>
+        </p:nvSpPr>
+        <p:spPr>
+          <a:xfrm>
+            <a:off x="2795347" y="5194801"/>
+            <a:ext cx="1577218" cy="496660"/>
+          </a:xfrm>
+          <a:prstGeom prst="rect">
+            <a:avLst/>
+          </a:prstGeom>
+          <a:noFill/>
+          <a:ln w="28575" cap="flat" cmpd="sng">
+            <a:solidFill>
+              <a:srgbClr val="548235"/>
+            </a:solidFill>
+            <a:prstDash val="solid"/>
+            <a:round/>
+            <a:headEnd type="none" w="sm" len="sm"/>
+            <a:tailEnd type="none" w="sm" len="sm"/>
+          </a:ln>
+        </p:spPr>
+        <p:txBody>
+          <a:bodyPr spcFirstLastPara="1" wrap="square" lIns="91425" tIns="91425" rIns="91425" bIns="91425" anchor="ctr" anchorCtr="0">
+            <a:noAutofit/>
+          </a:bodyPr>
+          <a:lstStyle/>
+          <a:p>
+            <a:pPr marL="0" lvl="0" indent="0" algn="ctr" rtl="0">
+              <a:spcBef>
+                <a:spcPts val="0"/>
+              </a:spcBef>
+              <a:spcAft>
+                <a:spcPts val="0"/>
+              </a:spcAft>
+              <a:buNone/>
+            </a:pPr>
+            <a:r>
+              <a:rPr lang="fr-FR" sz="1200" dirty="0">
+                <a:solidFill>
+                  <a:srgbClr val="252525"/>
+                </a:solidFill>
+                <a:latin typeface="Google Sans"/>
+                <a:ea typeface="Roboto"/>
+                <a:cs typeface="Roboto"/>
+                <a:sym typeface="Roboto"/>
+              </a:rPr>
+              <a:t>Caractères spéciaux et contractions</a:t>
+            </a:r>
+            <a:endParaRPr lang="fr-FR" sz="1200" b="1" dirty="0">
+              <a:solidFill>
+                <a:srgbClr val="70AD47"/>
+              </a:solidFill>
+              <a:latin typeface="Google Sans"/>
+              <a:ea typeface="Roboto"/>
+              <a:cs typeface="Roboto"/>
+              <a:sym typeface="Roboto"/>
+            </a:endParaRPr>
+          </a:p>
+        </p:txBody>
+      </p:sp>
+      <p:pic>
+        <p:nvPicPr>
+          <p:cNvPr id="71" name="Image 70">
+            <a:extLst>
+              <a:ext uri="{FF2B5EF4-FFF2-40B4-BE49-F238E27FC236}">
+                <a16:creationId xmlns:a16="http://schemas.microsoft.com/office/drawing/2014/main" id="{5DE0E792-67ED-4234-9777-DAC88A6C98CA}"/>
+              </a:ext>
+            </a:extLst>
+          </p:cNvPr>
+          <p:cNvPicPr>
+            <a:picLocks noChangeAspect="1"/>
+          </p:cNvPicPr>
+          <p:nvPr/>
+        </p:nvPicPr>
+        <p:blipFill>
+          <a:blip r:embed="rId3">
+            <a:extLst>
+              <a:ext uri="{28A0092B-C50C-407E-A947-70E740481C1C}">
+                <a14:useLocalDpi xmlns:a14="http://schemas.microsoft.com/office/drawing/2010/main" val="0"/>
+              </a:ext>
+            </a:extLst>
+          </a:blip>
+          <a:stretch>
+            <a:fillRect/>
+          </a:stretch>
+        </p:blipFill>
+        <p:spPr>
+          <a:xfrm>
+            <a:off x="4359631" y="4452460"/>
+            <a:ext cx="304762" cy="304762"/>
+          </a:xfrm>
+          <a:prstGeom prst="rect">
+            <a:avLst/>
+          </a:prstGeom>
+        </p:spPr>
+      </p:pic>
+      <p:sp>
+        <p:nvSpPr>
+          <p:cNvPr id="72" name="Google Shape;189;p19">
+            <a:extLst>
+              <a:ext uri="{FF2B5EF4-FFF2-40B4-BE49-F238E27FC236}">
+                <a16:creationId xmlns:a16="http://schemas.microsoft.com/office/drawing/2014/main" id="{BD73F0FA-F1BD-47ED-8FB1-7FF8455DBEC4}"/>
+              </a:ext>
+            </a:extLst>
+          </p:cNvPr>
+          <p:cNvSpPr/>
+          <p:nvPr/>
+        </p:nvSpPr>
+        <p:spPr>
+          <a:xfrm>
+            <a:off x="4652221" y="4194546"/>
+            <a:ext cx="2227800" cy="856800"/>
+          </a:xfrm>
+          <a:prstGeom prst="chevron">
+            <a:avLst>
+              <a:gd name="adj" fmla="val 50000"/>
+            </a:avLst>
+          </a:prstGeom>
+          <a:solidFill>
+            <a:schemeClr val="bg1">
+              <a:lumMod val="50000"/>
+            </a:schemeClr>
+          </a:solidFill>
+          <a:ln>
+            <a:solidFill>
+              <a:schemeClr val="bg1">
+                <a:lumMod val="50000"/>
+              </a:schemeClr>
+            </a:solidFill>
+          </a:ln>
+        </p:spPr>
+        <p:txBody>
+          <a:bodyPr spcFirstLastPara="1" wrap="square" lIns="91425" tIns="91425" rIns="91425" bIns="91425" anchor="ctr" anchorCtr="0">
+            <a:noAutofit/>
+          </a:bodyPr>
+          <a:lstStyle/>
+          <a:p>
+            <a:pPr marL="0" lvl="0" indent="0" algn="l" rtl="0">
+              <a:spcBef>
+                <a:spcPts val="0"/>
+              </a:spcBef>
+              <a:spcAft>
+                <a:spcPts val="0"/>
+              </a:spcAft>
+              <a:buNone/>
+            </a:pPr>
+            <a:endParaRPr/>
+          </a:p>
+        </p:txBody>
+      </p:sp>
+      <p:sp>
+        <p:nvSpPr>
+          <p:cNvPr id="73" name="Google Shape;193;p19">
+            <a:extLst>
+              <a:ext uri="{FF2B5EF4-FFF2-40B4-BE49-F238E27FC236}">
+                <a16:creationId xmlns:a16="http://schemas.microsoft.com/office/drawing/2014/main" id="{60BEC74D-F376-49E3-99CB-3DBF03C4C98F}"/>
+              </a:ext>
+            </a:extLst>
+          </p:cNvPr>
+          <p:cNvSpPr txBox="1"/>
+          <p:nvPr/>
+        </p:nvSpPr>
+        <p:spPr>
+          <a:xfrm>
+            <a:off x="4935405" y="4383392"/>
+            <a:ext cx="1293117" cy="464551"/>
+          </a:xfrm>
+          <a:prstGeom prst="rect">
+            <a:avLst/>
+          </a:prstGeom>
+          <a:noFill/>
+          <a:ln>
+            <a:noFill/>
+          </a:ln>
+        </p:spPr>
+        <p:txBody>
+          <a:bodyPr spcFirstLastPara="1" wrap="square" lIns="91425" tIns="91425" rIns="91425" bIns="91425" anchor="ctr" anchorCtr="0">
+            <a:noAutofit/>
+          </a:bodyPr>
+          <a:lstStyle/>
+          <a:p>
+            <a:pPr marL="0" lvl="0" indent="0" algn="r" rtl="0">
+              <a:spcBef>
+                <a:spcPts val="0"/>
+              </a:spcBef>
+              <a:spcAft>
+                <a:spcPts val="0"/>
+              </a:spcAft>
+              <a:buNone/>
+            </a:pPr>
+            <a:r>
+              <a:rPr lang="en" dirty="0">
+                <a:solidFill>
+                  <a:srgbClr val="FFFFFF"/>
+                </a:solidFill>
+                <a:latin typeface="Fira Sans Condensed Medium"/>
+                <a:ea typeface="Fira Sans Condensed Medium"/>
+                <a:cs typeface="Fira Sans Condensed Medium"/>
+                <a:sym typeface="Fira Sans Condensed Medium"/>
+              </a:rPr>
+              <a:t>Traitement des images</a:t>
+            </a:r>
+            <a:endParaRPr dirty="0">
+              <a:solidFill>
+                <a:srgbClr val="FFFFFF"/>
+              </a:solidFill>
+              <a:latin typeface="Fira Sans Condensed Medium"/>
+              <a:ea typeface="Fira Sans Condensed Medium"/>
+              <a:cs typeface="Fira Sans Condensed Medium"/>
+              <a:sym typeface="Fira Sans Condensed Medium"/>
+            </a:endParaRPr>
+          </a:p>
+        </p:txBody>
+      </p:sp>
+      <p:sp>
+        <p:nvSpPr>
+          <p:cNvPr id="74" name="Google Shape;197;p19">
+            <a:extLst>
+              <a:ext uri="{FF2B5EF4-FFF2-40B4-BE49-F238E27FC236}">
+                <a16:creationId xmlns:a16="http://schemas.microsoft.com/office/drawing/2014/main" id="{7102585F-A0CF-4775-A94C-ACA56CED5531}"/>
+              </a:ext>
+            </a:extLst>
+          </p:cNvPr>
+          <p:cNvSpPr/>
+          <p:nvPr/>
+        </p:nvSpPr>
+        <p:spPr>
+          <a:xfrm>
+            <a:off x="6173346" y="4424641"/>
+            <a:ext cx="396600" cy="396600"/>
+          </a:xfrm>
+          <a:prstGeom prst="ellipse">
+            <a:avLst/>
+          </a:prstGeom>
+          <a:solidFill>
+            <a:srgbClr val="FFFFFF"/>
+          </a:solidFill>
+          <a:ln>
+            <a:noFill/>
+          </a:ln>
+        </p:spPr>
+        <p:txBody>
+          <a:bodyPr spcFirstLastPara="1" wrap="square" lIns="91425" tIns="91425" rIns="91425" bIns="91425" anchor="ctr" anchorCtr="0">
+            <a:noAutofit/>
+          </a:bodyPr>
+          <a:lstStyle/>
+          <a:p>
+            <a:pPr marL="0" lvl="0" indent="0" algn="l" rtl="0">
+              <a:spcBef>
+                <a:spcPts val="0"/>
+              </a:spcBef>
+              <a:spcAft>
+                <a:spcPts val="0"/>
+              </a:spcAft>
+              <a:buNone/>
+            </a:pPr>
+            <a:endParaRPr sz="2100">
+              <a:solidFill>
+                <a:schemeClr val="accent1"/>
+              </a:solidFill>
+              <a:latin typeface="Fira Sans Condensed Medium"/>
+              <a:ea typeface="Fira Sans Condensed Medium"/>
+              <a:cs typeface="Fira Sans Condensed Medium"/>
+              <a:sym typeface="Fira Sans Condensed Medium"/>
+            </a:endParaRPr>
+          </a:p>
+        </p:txBody>
+      </p:sp>
+      <p:sp>
+        <p:nvSpPr>
+          <p:cNvPr id="75" name="Google Shape;204;p19">
+            <a:extLst>
+              <a:ext uri="{FF2B5EF4-FFF2-40B4-BE49-F238E27FC236}">
+                <a16:creationId xmlns:a16="http://schemas.microsoft.com/office/drawing/2014/main" id="{43EC43B8-360B-44F0-A56F-E2D6D46DD3EC}"/>
+              </a:ext>
+            </a:extLst>
+          </p:cNvPr>
+          <p:cNvSpPr txBox="1"/>
+          <p:nvPr/>
+        </p:nvSpPr>
+        <p:spPr>
+          <a:xfrm>
+            <a:off x="6173847" y="4424510"/>
+            <a:ext cx="396600" cy="396600"/>
+          </a:xfrm>
+          <a:prstGeom prst="rect">
+            <a:avLst/>
+          </a:prstGeom>
+          <a:noFill/>
+          <a:ln>
+            <a:noFill/>
+          </a:ln>
+        </p:spPr>
+        <p:txBody>
+          <a:bodyPr spcFirstLastPara="1" wrap="square" lIns="91425" tIns="91425" rIns="91425" bIns="91425" anchor="ctr" anchorCtr="0">
+            <a:noAutofit/>
+          </a:bodyPr>
+          <a:lstStyle/>
+          <a:p>
+            <a:pPr marL="0" lvl="0" indent="0" algn="ctr" rtl="0">
+              <a:spcBef>
+                <a:spcPts val="0"/>
+              </a:spcBef>
+              <a:spcAft>
+                <a:spcPts val="0"/>
+              </a:spcAft>
+              <a:buNone/>
+            </a:pPr>
+            <a:endParaRPr sz="2000" dirty="0">
+              <a:solidFill>
+                <a:schemeClr val="accent1"/>
+              </a:solidFill>
+              <a:latin typeface="Fira Sans Condensed Medium"/>
+              <a:ea typeface="Fira Sans Condensed Medium"/>
+              <a:cs typeface="Fira Sans Condensed Medium"/>
+              <a:sym typeface="Fira Sans Condensed Medium"/>
+            </a:endParaRPr>
+          </a:p>
+        </p:txBody>
+      </p:sp>
+      <p:cxnSp>
+        <p:nvCxnSpPr>
+          <p:cNvPr id="77" name="Google Shape;87;p14">
+            <a:extLst>
+              <a:ext uri="{FF2B5EF4-FFF2-40B4-BE49-F238E27FC236}">
+                <a16:creationId xmlns:a16="http://schemas.microsoft.com/office/drawing/2014/main" id="{8E558051-017A-411E-88D2-4022291AC0DD}"/>
+              </a:ext>
+            </a:extLst>
+          </p:cNvPr>
+          <p:cNvCxnSpPr>
+            <a:cxnSpLocks/>
+          </p:cNvCxnSpPr>
+          <p:nvPr/>
+        </p:nvCxnSpPr>
+        <p:spPr>
+          <a:xfrm flipV="1">
+            <a:off x="5666620" y="5049932"/>
+            <a:ext cx="61" cy="160716"/>
+          </a:xfrm>
+          <a:prstGeom prst="straightConnector1">
+            <a:avLst/>
+          </a:prstGeom>
+          <a:noFill/>
+          <a:ln w="28575" cap="flat" cmpd="sng">
+            <a:solidFill>
+              <a:srgbClr val="7F7F7F"/>
+            </a:solidFill>
+            <a:prstDash val="solid"/>
+            <a:round/>
+            <a:headEnd type="none" w="med" len="med"/>
+            <a:tailEnd type="none" w="med" len="med"/>
+          </a:ln>
+        </p:spPr>
+      </p:cxnSp>
+      <p:sp>
+        <p:nvSpPr>
+          <p:cNvPr id="78" name="Google Shape;89;p14">
+            <a:extLst>
+              <a:ext uri="{FF2B5EF4-FFF2-40B4-BE49-F238E27FC236}">
+                <a16:creationId xmlns:a16="http://schemas.microsoft.com/office/drawing/2014/main" id="{4BBE07A1-EC59-4614-B4FA-DE02574A05FF}"/>
+              </a:ext>
+            </a:extLst>
+          </p:cNvPr>
+          <p:cNvSpPr txBox="1"/>
+          <p:nvPr/>
+        </p:nvSpPr>
+        <p:spPr>
+          <a:xfrm>
+            <a:off x="4876478" y="5212829"/>
+            <a:ext cx="1577218" cy="496660"/>
+          </a:xfrm>
+          <a:prstGeom prst="rect">
+            <a:avLst/>
+          </a:prstGeom>
+          <a:noFill/>
+          <a:ln w="28575" cap="flat" cmpd="sng">
+            <a:solidFill>
+              <a:srgbClr val="7F7F7F"/>
+            </a:solidFill>
+            <a:prstDash val="solid"/>
+            <a:round/>
+            <a:headEnd type="none" w="sm" len="sm"/>
+            <a:tailEnd type="none" w="sm" len="sm"/>
+          </a:ln>
+        </p:spPr>
+        <p:txBody>
+          <a:bodyPr spcFirstLastPara="1" wrap="square" lIns="91425" tIns="91425" rIns="91425" bIns="91425" anchor="ctr" anchorCtr="0">
+            <a:noAutofit/>
+          </a:bodyPr>
+          <a:lstStyle/>
+          <a:p>
+            <a:pPr marL="0" lvl="0" indent="0" algn="ctr" rtl="0">
+              <a:spcBef>
+                <a:spcPts val="0"/>
+              </a:spcBef>
+              <a:spcAft>
+                <a:spcPts val="0"/>
+              </a:spcAft>
+              <a:buNone/>
+            </a:pPr>
+            <a:r>
+              <a:rPr lang="fr-FR" sz="1200" dirty="0">
+                <a:solidFill>
+                  <a:srgbClr val="252525"/>
+                </a:solidFill>
+                <a:latin typeface="Google Sans"/>
+                <a:ea typeface="Roboto"/>
+                <a:cs typeface="Roboto"/>
+                <a:sym typeface="Roboto"/>
+              </a:rPr>
+              <a:t>La récence, la fréquence, le montant</a:t>
+            </a:r>
+          </a:p>
+        </p:txBody>
+      </p:sp>
+      <p:cxnSp>
+        <p:nvCxnSpPr>
+          <p:cNvPr id="79" name="Google Shape;87;p14">
+            <a:extLst>
+              <a:ext uri="{FF2B5EF4-FFF2-40B4-BE49-F238E27FC236}">
+                <a16:creationId xmlns:a16="http://schemas.microsoft.com/office/drawing/2014/main" id="{007482D1-6F85-4120-B3CD-71ED492929FA}"/>
+              </a:ext>
+            </a:extLst>
+          </p:cNvPr>
+          <p:cNvCxnSpPr>
+            <a:cxnSpLocks/>
+          </p:cNvCxnSpPr>
+          <p:nvPr/>
+        </p:nvCxnSpPr>
+        <p:spPr>
+          <a:xfrm flipV="1">
+            <a:off x="7588729" y="5049932"/>
+            <a:ext cx="61" cy="160716"/>
+          </a:xfrm>
+          <a:prstGeom prst="straightConnector1">
+            <a:avLst/>
+          </a:prstGeom>
+          <a:noFill/>
+          <a:ln w="28575" cap="flat" cmpd="sng">
+            <a:solidFill>
+              <a:srgbClr val="7451EB"/>
+            </a:solidFill>
+            <a:prstDash val="solid"/>
+            <a:round/>
+            <a:headEnd type="none" w="med" len="med"/>
+            <a:tailEnd type="none" w="med" len="med"/>
+          </a:ln>
+        </p:spPr>
+      </p:cxnSp>
+      <p:sp>
+        <p:nvSpPr>
+          <p:cNvPr id="80" name="Google Shape;89;p14">
+            <a:extLst>
+              <a:ext uri="{FF2B5EF4-FFF2-40B4-BE49-F238E27FC236}">
+                <a16:creationId xmlns:a16="http://schemas.microsoft.com/office/drawing/2014/main" id="{CCB18AB3-053C-454E-90DD-160DE50F1949}"/>
+              </a:ext>
+            </a:extLst>
+          </p:cNvPr>
+          <p:cNvSpPr txBox="1"/>
+          <p:nvPr/>
+        </p:nvSpPr>
+        <p:spPr>
+          <a:xfrm>
+            <a:off x="6846103" y="5212829"/>
+            <a:ext cx="1485252" cy="496660"/>
+          </a:xfrm>
+          <a:prstGeom prst="rect">
+            <a:avLst/>
+          </a:prstGeom>
+          <a:noFill/>
+          <a:ln w="28575" cap="flat" cmpd="sng">
+            <a:solidFill>
+              <a:srgbClr val="7451EB"/>
+            </a:solidFill>
+            <a:prstDash val="solid"/>
+            <a:round/>
+            <a:headEnd type="none" w="sm" len="sm"/>
+            <a:tailEnd type="none" w="sm" len="sm"/>
+          </a:ln>
+        </p:spPr>
+        <p:txBody>
+          <a:bodyPr spcFirstLastPara="1" wrap="square" lIns="91425" tIns="91425" rIns="91425" bIns="91425" anchor="ctr" anchorCtr="0">
+            <a:noAutofit/>
+          </a:bodyPr>
+          <a:lstStyle/>
+          <a:p>
+            <a:pPr marL="0" lvl="0" indent="0" algn="ctr" rtl="0">
+              <a:spcBef>
+                <a:spcPts val="0"/>
+              </a:spcBef>
+              <a:spcAft>
+                <a:spcPts val="0"/>
+              </a:spcAft>
+              <a:buNone/>
+            </a:pPr>
+            <a:r>
+              <a:rPr lang="fr-FR" sz="1200" dirty="0">
+                <a:solidFill>
+                  <a:srgbClr val="252525"/>
+                </a:solidFill>
+                <a:latin typeface="Google Sans"/>
+                <a:ea typeface="Roboto"/>
+                <a:cs typeface="Roboto"/>
+                <a:sym typeface="Roboto"/>
+              </a:rPr>
+              <a:t>SIRF et ORB</a:t>
+            </a:r>
+            <a:endParaRPr lang="fr-FR" sz="1200" b="1" dirty="0">
+              <a:solidFill>
+                <a:srgbClr val="70AD47"/>
+              </a:solidFill>
+              <a:latin typeface="Google Sans"/>
+              <a:ea typeface="Roboto"/>
+              <a:cs typeface="Roboto"/>
+              <a:sym typeface="Roboto"/>
+            </a:endParaRPr>
+          </a:p>
+        </p:txBody>
+      </p:sp>
+      <p:sp>
+        <p:nvSpPr>
+          <p:cNvPr id="81" name="Google Shape;189;p19">
+            <a:extLst>
+              <a:ext uri="{FF2B5EF4-FFF2-40B4-BE49-F238E27FC236}">
+                <a16:creationId xmlns:a16="http://schemas.microsoft.com/office/drawing/2014/main" id="{873B9079-4D9B-4454-9239-C5DDFECD8B84}"/>
+              </a:ext>
+            </a:extLst>
+          </p:cNvPr>
+          <p:cNvSpPr/>
+          <p:nvPr/>
+        </p:nvSpPr>
+        <p:spPr>
+          <a:xfrm>
+            <a:off x="6638029" y="4191123"/>
+            <a:ext cx="2227800" cy="856800"/>
+          </a:xfrm>
+          <a:prstGeom prst="chevron">
+            <a:avLst>
+              <a:gd name="adj" fmla="val 50000"/>
+            </a:avLst>
+          </a:prstGeom>
+          <a:solidFill>
+            <a:srgbClr val="7451EB"/>
+          </a:solidFill>
+          <a:ln>
+            <a:solidFill>
+              <a:srgbClr val="7451EB"/>
+            </a:solidFill>
+          </a:ln>
+        </p:spPr>
+        <p:txBody>
+          <a:bodyPr spcFirstLastPara="1" wrap="square" lIns="91425" tIns="91425" rIns="91425" bIns="91425" anchor="ctr" anchorCtr="0">
+            <a:noAutofit/>
+          </a:bodyPr>
+          <a:lstStyle/>
+          <a:p>
+            <a:pPr marL="0" lvl="0" indent="0" algn="l" rtl="0">
+              <a:spcBef>
+                <a:spcPts val="0"/>
+              </a:spcBef>
+              <a:spcAft>
+                <a:spcPts val="0"/>
+              </a:spcAft>
+              <a:buNone/>
+            </a:pPr>
+            <a:endParaRPr dirty="0"/>
+          </a:p>
+        </p:txBody>
+      </p:sp>
+      <p:sp>
+        <p:nvSpPr>
+          <p:cNvPr id="82" name="Google Shape;193;p19">
+            <a:extLst>
+              <a:ext uri="{FF2B5EF4-FFF2-40B4-BE49-F238E27FC236}">
+                <a16:creationId xmlns:a16="http://schemas.microsoft.com/office/drawing/2014/main" id="{93C3C30B-90FD-4072-B9DC-4C04672C65CB}"/>
+              </a:ext>
+            </a:extLst>
+          </p:cNvPr>
+          <p:cNvSpPr txBox="1"/>
+          <p:nvPr/>
+        </p:nvSpPr>
+        <p:spPr>
+          <a:xfrm>
+            <a:off x="6643492" y="4388585"/>
+            <a:ext cx="1713725" cy="464551"/>
+          </a:xfrm>
+          <a:prstGeom prst="rect">
+            <a:avLst/>
+          </a:prstGeom>
+          <a:noFill/>
+          <a:ln>
+            <a:noFill/>
+          </a:ln>
+        </p:spPr>
+        <p:txBody>
+          <a:bodyPr spcFirstLastPara="1" wrap="square" lIns="91425" tIns="91425" rIns="91425" bIns="91425" anchor="ctr" anchorCtr="0">
+            <a:noAutofit/>
+          </a:bodyPr>
+          <a:lstStyle/>
+          <a:p>
+            <a:pPr marL="0" lvl="0" indent="0" algn="r" rtl="0">
+              <a:spcBef>
+                <a:spcPts val="0"/>
+              </a:spcBef>
+              <a:spcAft>
+                <a:spcPts val="0"/>
+              </a:spcAft>
+              <a:buNone/>
+            </a:pPr>
+            <a:r>
+              <a:rPr lang="fr-FR" sz="1900" dirty="0">
+                <a:solidFill>
+                  <a:srgbClr val="FFFFFF"/>
+                </a:solidFill>
+                <a:latin typeface="Google Sans"/>
+                <a:ea typeface="Fira Sans Condensed Medium"/>
+                <a:cs typeface="Fira Sans Condensed Medium"/>
+                <a:sym typeface="Fira Sans Condensed Medium"/>
+              </a:rPr>
+              <a:t>Vectorisation</a:t>
+            </a:r>
+            <a:r>
+              <a:rPr lang="fr-FR" sz="2000" dirty="0">
+                <a:solidFill>
+                  <a:srgbClr val="FFFFFF"/>
+                </a:solidFill>
+                <a:latin typeface="Google Sans"/>
+                <a:ea typeface="Fira Sans Condensed Medium"/>
+                <a:cs typeface="Fira Sans Condensed Medium"/>
+                <a:sym typeface="Fira Sans Condensed Medium"/>
+              </a:rPr>
+              <a:t> des images</a:t>
+            </a:r>
+            <a:endParaRPr sz="2000" dirty="0">
+              <a:solidFill>
+                <a:srgbClr val="FFFFFF"/>
+              </a:solidFill>
+              <a:latin typeface="Google Sans"/>
+              <a:ea typeface="Fira Sans Condensed Medium"/>
+              <a:cs typeface="Fira Sans Condensed Medium"/>
+              <a:sym typeface="Fira Sans Condensed Medium"/>
+            </a:endParaRPr>
+          </a:p>
+        </p:txBody>
+      </p:sp>
+      <p:sp>
+        <p:nvSpPr>
+          <p:cNvPr id="83" name="Google Shape;197;p19">
+            <a:extLst>
+              <a:ext uri="{FF2B5EF4-FFF2-40B4-BE49-F238E27FC236}">
+                <a16:creationId xmlns:a16="http://schemas.microsoft.com/office/drawing/2014/main" id="{DA53D310-290B-47CD-B2D0-710B0D9E8CF2}"/>
+              </a:ext>
+            </a:extLst>
+          </p:cNvPr>
+          <p:cNvSpPr/>
+          <p:nvPr/>
+        </p:nvSpPr>
+        <p:spPr>
+          <a:xfrm>
+            <a:off x="8263940" y="4421218"/>
+            <a:ext cx="396600" cy="396600"/>
+          </a:xfrm>
+          <a:prstGeom prst="ellipse">
+            <a:avLst/>
+          </a:prstGeom>
+          <a:solidFill>
+            <a:srgbClr val="FFFFFF"/>
+          </a:solidFill>
+          <a:ln>
+            <a:noFill/>
+          </a:ln>
+        </p:spPr>
+        <p:txBody>
+          <a:bodyPr spcFirstLastPara="1" wrap="square" lIns="91425" tIns="91425" rIns="91425" bIns="91425" anchor="ctr" anchorCtr="0">
+            <a:noAutofit/>
+          </a:bodyPr>
+          <a:lstStyle/>
+          <a:p>
+            <a:pPr marL="0" lvl="0" indent="0" algn="l" rtl="0">
+              <a:spcBef>
+                <a:spcPts val="0"/>
+              </a:spcBef>
+              <a:spcAft>
+                <a:spcPts val="0"/>
+              </a:spcAft>
+              <a:buNone/>
+            </a:pPr>
+            <a:endParaRPr sz="2100">
+              <a:solidFill>
+                <a:schemeClr val="accent1"/>
+              </a:solidFill>
+              <a:latin typeface="Fira Sans Condensed Medium"/>
+              <a:ea typeface="Fira Sans Condensed Medium"/>
+              <a:cs typeface="Fira Sans Condensed Medium"/>
+              <a:sym typeface="Fira Sans Condensed Medium"/>
+            </a:endParaRPr>
+          </a:p>
+        </p:txBody>
+      </p:sp>
+      <p:sp>
+        <p:nvSpPr>
+          <p:cNvPr id="84" name="Google Shape;204;p19">
+            <a:extLst>
+              <a:ext uri="{FF2B5EF4-FFF2-40B4-BE49-F238E27FC236}">
+                <a16:creationId xmlns:a16="http://schemas.microsoft.com/office/drawing/2014/main" id="{C8DB61EB-9E58-4FF0-B3AF-87396CDAEE24}"/>
+              </a:ext>
+            </a:extLst>
+          </p:cNvPr>
+          <p:cNvSpPr txBox="1"/>
+          <p:nvPr/>
+        </p:nvSpPr>
+        <p:spPr>
+          <a:xfrm>
+            <a:off x="8264441" y="4421087"/>
+            <a:ext cx="396600" cy="396600"/>
+          </a:xfrm>
+          <a:prstGeom prst="rect">
+            <a:avLst/>
+          </a:prstGeom>
+          <a:noFill/>
+          <a:ln>
+            <a:noFill/>
+          </a:ln>
+        </p:spPr>
+        <p:txBody>
+          <a:bodyPr spcFirstLastPara="1" wrap="square" lIns="91425" tIns="91425" rIns="91425" bIns="91425" anchor="ctr" anchorCtr="0">
+            <a:noAutofit/>
+          </a:bodyPr>
+          <a:lstStyle/>
+          <a:p>
+            <a:pPr marL="0" lvl="0" indent="0" algn="ctr" rtl="0">
+              <a:spcBef>
+                <a:spcPts val="0"/>
+              </a:spcBef>
+              <a:spcAft>
+                <a:spcPts val="0"/>
+              </a:spcAft>
+              <a:buNone/>
+            </a:pPr>
+            <a:endParaRPr sz="2000" dirty="0">
+              <a:solidFill>
+                <a:schemeClr val="accent1"/>
+              </a:solidFill>
+              <a:latin typeface="Fira Sans Condensed Medium"/>
+              <a:ea typeface="Fira Sans Condensed Medium"/>
+              <a:cs typeface="Fira Sans Condensed Medium"/>
+              <a:sym typeface="Fira Sans Condensed Medium"/>
+            </a:endParaRPr>
+          </a:p>
+        </p:txBody>
+      </p:sp>
+      <p:pic>
+        <p:nvPicPr>
+          <p:cNvPr id="85" name="Image 84">
+            <a:extLst>
+              <a:ext uri="{FF2B5EF4-FFF2-40B4-BE49-F238E27FC236}">
+                <a16:creationId xmlns:a16="http://schemas.microsoft.com/office/drawing/2014/main" id="{7910260F-6979-43B7-B596-5D4EB3AB1D03}"/>
+              </a:ext>
+            </a:extLst>
+          </p:cNvPr>
+          <p:cNvPicPr>
+            <a:picLocks noChangeAspect="1"/>
+          </p:cNvPicPr>
+          <p:nvPr/>
+        </p:nvPicPr>
+        <p:blipFill>
+          <a:blip r:embed="rId5">
+            <a:extLst>
+              <a:ext uri="{28A0092B-C50C-407E-A947-70E740481C1C}">
+                <a14:useLocalDpi xmlns:a14="http://schemas.microsoft.com/office/drawing/2010/main" val="0"/>
+              </a:ext>
+            </a:extLst>
+          </a:blip>
+          <a:stretch>
+            <a:fillRect/>
+          </a:stretch>
+        </p:blipFill>
+        <p:spPr>
+          <a:xfrm>
+            <a:off x="8322125" y="4461858"/>
+            <a:ext cx="304762" cy="304762"/>
+          </a:xfrm>
+          <a:prstGeom prst="rect">
+            <a:avLst/>
+          </a:prstGeom>
+        </p:spPr>
+      </p:pic>
+      <p:cxnSp>
+        <p:nvCxnSpPr>
+          <p:cNvPr id="86" name="Google Shape;247;p20">
+            <a:extLst>
+              <a:ext uri="{FF2B5EF4-FFF2-40B4-BE49-F238E27FC236}">
+                <a16:creationId xmlns:a16="http://schemas.microsoft.com/office/drawing/2014/main" id="{0CA1475B-619E-4B16-A5B4-EE7197A099A8}"/>
+              </a:ext>
+            </a:extLst>
+          </p:cNvPr>
+          <p:cNvCxnSpPr>
+            <a:cxnSpLocks/>
+            <a:stCxn id="46" idx="3"/>
+            <a:endCxn id="87" idx="0"/>
+          </p:cNvCxnSpPr>
+          <p:nvPr/>
+        </p:nvCxnSpPr>
+        <p:spPr>
+          <a:xfrm>
+            <a:off x="10169792" y="2376342"/>
+            <a:ext cx="588308" cy="961794"/>
+          </a:xfrm>
+          <a:prstGeom prst="bentConnector2">
+            <a:avLst/>
+          </a:prstGeom>
+          <a:noFill/>
+          <a:ln w="19050" cap="flat" cmpd="sng">
+            <a:solidFill>
+              <a:srgbClr val="44546A"/>
+            </a:solidFill>
+            <a:prstDash val="solid"/>
+            <a:miter lim="800000"/>
+            <a:headEnd type="none" w="sm" len="sm"/>
+            <a:tailEnd type="stealth" w="med" len="med"/>
+          </a:ln>
+        </p:spPr>
+      </p:cxnSp>
+      <p:sp>
+        <p:nvSpPr>
+          <p:cNvPr id="87" name="Google Shape;232;p20">
+            <a:extLst>
+              <a:ext uri="{FF2B5EF4-FFF2-40B4-BE49-F238E27FC236}">
+                <a16:creationId xmlns:a16="http://schemas.microsoft.com/office/drawing/2014/main" id="{195E5B3C-3F41-45C1-9B85-7853D850B11C}"/>
+              </a:ext>
+            </a:extLst>
+          </p:cNvPr>
+          <p:cNvSpPr/>
+          <p:nvPr/>
+        </p:nvSpPr>
+        <p:spPr>
+          <a:xfrm>
+            <a:off x="9971159" y="3338136"/>
+            <a:ext cx="1573881" cy="712800"/>
+          </a:xfrm>
+          <a:prstGeom prst="roundRect">
+            <a:avLst>
+              <a:gd name="adj" fmla="val 16667"/>
+            </a:avLst>
+          </a:prstGeom>
+          <a:solidFill>
+            <a:srgbClr val="44546A"/>
+          </a:solidFill>
+          <a:ln>
+            <a:noFill/>
+          </a:ln>
+        </p:spPr>
+        <p:txBody>
+          <a:bodyPr spcFirstLastPara="1" wrap="square" lIns="91425" tIns="91425" rIns="91425" bIns="91425" anchor="ctr" anchorCtr="0">
+            <a:noAutofit/>
+          </a:bodyPr>
+          <a:lstStyle/>
+          <a:p>
+            <a:pPr marL="0" lvl="0" indent="0" algn="l" rtl="0">
+              <a:spcBef>
+                <a:spcPts val="0"/>
+              </a:spcBef>
+              <a:spcAft>
+                <a:spcPts val="0"/>
+              </a:spcAft>
+              <a:buNone/>
+            </a:pPr>
+            <a:endParaRPr/>
+          </a:p>
+        </p:txBody>
+      </p:sp>
+      <p:cxnSp>
+        <p:nvCxnSpPr>
+          <p:cNvPr id="88" name="Google Shape;247;p20">
+            <a:extLst>
+              <a:ext uri="{FF2B5EF4-FFF2-40B4-BE49-F238E27FC236}">
+                <a16:creationId xmlns:a16="http://schemas.microsoft.com/office/drawing/2014/main" id="{40CAB58C-1F40-40FC-B46E-6A46E27707FE}"/>
+              </a:ext>
+            </a:extLst>
+          </p:cNvPr>
+          <p:cNvCxnSpPr>
+            <a:cxnSpLocks/>
+            <a:stCxn id="81" idx="3"/>
+            <a:endCxn id="87" idx="2"/>
+          </p:cNvCxnSpPr>
+          <p:nvPr/>
+        </p:nvCxnSpPr>
+        <p:spPr>
+          <a:xfrm flipV="1">
+            <a:off x="8865829" y="4050936"/>
+            <a:ext cx="1892271" cy="568587"/>
+          </a:xfrm>
+          <a:prstGeom prst="bentConnector2">
+            <a:avLst/>
+          </a:prstGeom>
+          <a:noFill/>
+          <a:ln w="19050" cap="flat" cmpd="sng">
+            <a:solidFill>
+              <a:schemeClr val="dk2"/>
+            </a:solidFill>
+            <a:prstDash val="solid"/>
+            <a:miter lim="800000"/>
+            <a:headEnd type="none" w="sm" len="sm"/>
+            <a:tailEnd type="stealth" w="med" len="med"/>
+          </a:ln>
+        </p:spPr>
+      </p:cxnSp>
+      <p:sp>
+        <p:nvSpPr>
+          <p:cNvPr id="96" name="Google Shape;258;p20">
+            <a:extLst>
+              <a:ext uri="{FF2B5EF4-FFF2-40B4-BE49-F238E27FC236}">
+                <a16:creationId xmlns:a16="http://schemas.microsoft.com/office/drawing/2014/main" id="{6BA4DA0A-3E14-4702-8338-18A9EFFDA77C}"/>
+              </a:ext>
+            </a:extLst>
+          </p:cNvPr>
+          <p:cNvSpPr txBox="1"/>
+          <p:nvPr/>
+        </p:nvSpPr>
+        <p:spPr>
+          <a:xfrm>
+            <a:off x="10024749" y="3464299"/>
+            <a:ext cx="1481857" cy="457100"/>
+          </a:xfrm>
+          <a:prstGeom prst="rect">
+            <a:avLst/>
+          </a:prstGeom>
+          <a:noFill/>
+          <a:ln>
+            <a:noFill/>
+          </a:ln>
+        </p:spPr>
+        <p:txBody>
+          <a:bodyPr spcFirstLastPara="1" wrap="square" lIns="91425" tIns="45700" rIns="91425" bIns="45700" anchor="ctr" anchorCtr="0">
+            <a:noAutofit/>
+          </a:bodyPr>
+          <a:lstStyle/>
+          <a:p>
+            <a:pPr marL="0" lvl="0" indent="0" algn="ctr" rtl="0">
+              <a:spcBef>
+                <a:spcPts val="0"/>
+              </a:spcBef>
+              <a:spcAft>
+                <a:spcPts val="0"/>
+              </a:spcAft>
+              <a:buSzPts val="1100"/>
+              <a:buNone/>
+            </a:pPr>
+            <a:r>
+              <a:rPr lang="en" dirty="0">
+                <a:solidFill>
+                  <a:schemeClr val="lt1"/>
+                </a:solidFill>
+                <a:latin typeface="Google Sans"/>
+                <a:ea typeface="Roboto"/>
+                <a:cs typeface="Roboto"/>
+                <a:sym typeface="Roboto"/>
+              </a:rPr>
+              <a:t>Clusterisation</a:t>
+            </a:r>
+            <a:endParaRPr dirty="0">
+              <a:solidFill>
+                <a:schemeClr val="lt1"/>
+              </a:solidFill>
+              <a:latin typeface="Google Sans"/>
+              <a:ea typeface="Roboto"/>
+              <a:cs typeface="Roboto"/>
+              <a:sym typeface="Roboto"/>
+            </a:endParaRPr>
+          </a:p>
+        </p:txBody>
+      </p:sp>
+      <p:pic>
+        <p:nvPicPr>
+          <p:cNvPr id="98" name="Image 97">
+            <a:extLst>
+              <a:ext uri="{FF2B5EF4-FFF2-40B4-BE49-F238E27FC236}">
+                <a16:creationId xmlns:a16="http://schemas.microsoft.com/office/drawing/2014/main" id="{D856E4EA-4C47-4218-8DDC-133BAC166D0E}"/>
+              </a:ext>
+            </a:extLst>
+          </p:cNvPr>
+          <p:cNvPicPr>
+            <a:picLocks noChangeAspect="1"/>
+          </p:cNvPicPr>
+          <p:nvPr/>
+        </p:nvPicPr>
+        <p:blipFill>
+          <a:blip r:embed="rId6">
+            <a:extLst>
+              <a:ext uri="{28A0092B-C50C-407E-A947-70E740481C1C}">
+                <a14:useLocalDpi xmlns:a14="http://schemas.microsoft.com/office/drawing/2010/main" val="0"/>
+              </a:ext>
+            </a:extLst>
+          </a:blip>
+          <a:stretch>
+            <a:fillRect/>
+          </a:stretch>
+        </p:blipFill>
+        <p:spPr>
+          <a:xfrm>
+            <a:off x="5561931" y="2218677"/>
+            <a:ext cx="304762" cy="304762"/>
+          </a:xfrm>
+          <a:prstGeom prst="rect">
+            <a:avLst/>
+          </a:prstGeom>
+        </p:spPr>
+      </p:pic>
+      <p:pic>
+        <p:nvPicPr>
+          <p:cNvPr id="99" name="Image 98">
+            <a:extLst>
+              <a:ext uri="{FF2B5EF4-FFF2-40B4-BE49-F238E27FC236}">
+                <a16:creationId xmlns:a16="http://schemas.microsoft.com/office/drawing/2014/main" id="{AE6DF9EB-A2CC-499B-A331-7BC186212047}"/>
+              </a:ext>
+            </a:extLst>
+          </p:cNvPr>
+          <p:cNvPicPr>
+            <a:picLocks noChangeAspect="1"/>
+          </p:cNvPicPr>
+          <p:nvPr/>
+        </p:nvPicPr>
+        <p:blipFill>
+          <a:blip r:embed="rId6">
+            <a:extLst>
+              <a:ext uri="{28A0092B-C50C-407E-A947-70E740481C1C}">
+                <a14:useLocalDpi xmlns:a14="http://schemas.microsoft.com/office/drawing/2010/main" val="0"/>
+              </a:ext>
+            </a:extLst>
+          </a:blip>
+          <a:stretch>
+            <a:fillRect/>
+          </a:stretch>
+        </p:blipFill>
+        <p:spPr>
+          <a:xfrm>
+            <a:off x="6229023" y="4465639"/>
+            <a:ext cx="304762" cy="304762"/>
+          </a:xfrm>
+          <a:prstGeom prst="rect">
+            <a:avLst/>
+          </a:prstGeom>
+        </p:spPr>
+      </p:pic>
     </p:spTree>
     <p:extLst>
       <p:ext uri="{BB962C8B-B14F-4D97-AF65-F5344CB8AC3E}">
@@ -8877,14 +11686,6 @@
 <file path=ppt/slides/slide13.xml><?xml version="1.0" encoding="utf-8"?>
 <p:sld xmlns:a="http://schemas.openxmlformats.org/drawingml/2006/main" xmlns:r="http://schemas.openxmlformats.org/officeDocument/2006/relationships" xmlns:p="http://schemas.openxmlformats.org/presentationml/2006/main">
   <p:cSld>
-    <p:bg>
-      <p:bgPr>
-        <a:solidFill>
-          <a:srgbClr val="7451EB"/>
-        </a:solidFill>
-        <a:effectLst/>
-      </p:bgPr>
-    </p:bg>
     <p:spTree>
       <p:nvGrpSpPr>
         <p:cNvPr id="1" name=""/>
@@ -8901,10 +11702,10 @@
       </p:grpSpPr>
       <p:sp>
         <p:nvSpPr>
-          <p:cNvPr id="5" name="Rectangle 4">
-            <a:extLst>
-              <a:ext uri="{FF2B5EF4-FFF2-40B4-BE49-F238E27FC236}">
-                <a16:creationId xmlns:a16="http://schemas.microsoft.com/office/drawing/2014/main" id="{A00233D2-38CE-441F-90C9-32F91999758A}"/>
+          <p:cNvPr id="92" name="Rectangle 91">
+            <a:extLst>
+              <a:ext uri="{FF2B5EF4-FFF2-40B4-BE49-F238E27FC236}">
+                <a16:creationId xmlns:a16="http://schemas.microsoft.com/office/drawing/2014/main" id="{C6415BFF-43A2-4064-96C8-5800257E3208}"/>
               </a:ext>
             </a:extLst>
           </p:cNvPr>
@@ -8913,18 +11714,19 @@
         </p:nvSpPr>
         <p:spPr>
           <a:xfrm>
-            <a:off x="0" y="6400273"/>
-            <a:ext cx="12192000" cy="457727"/>
+            <a:off x="9493399" y="563525"/>
+            <a:ext cx="2499925" cy="1313555"/>
           </a:xfrm>
           <a:prstGeom prst="rect">
             <a:avLst/>
           </a:prstGeom>
-          <a:solidFill>
-            <a:schemeClr val="bg1"/>
-          </a:solidFill>
+          <a:noFill/>
           <a:ln>
             <a:solidFill>
-              <a:schemeClr val="bg1"/>
+              <a:schemeClr val="accent4">
+                <a:lumMod val="60000"/>
+                <a:lumOff val="40000"/>
+              </a:schemeClr>
             </a:solidFill>
           </a:ln>
         </p:spPr>
@@ -8949,304 +11751,38 @@
           <a:lstStyle/>
           <a:p>
             <a:pPr algn="ctr"/>
-            <a:endParaRPr lang="en-US" dirty="0"/>
-          </a:p>
-        </p:txBody>
-      </p:sp>
-      <p:sp>
-        <p:nvSpPr>
-          <p:cNvPr id="15" name="TextBox 3">
-            <a:extLst>
-              <a:ext uri="{FF2B5EF4-FFF2-40B4-BE49-F238E27FC236}">
-                <a16:creationId xmlns:a16="http://schemas.microsoft.com/office/drawing/2014/main" id="{47FC2DCC-BDE9-485D-AF79-4177B5479110}"/>
-              </a:ext>
-            </a:extLst>
-          </p:cNvPr>
-          <p:cNvSpPr txBox="1"/>
-          <p:nvPr/>
-        </p:nvSpPr>
-        <p:spPr>
-          <a:xfrm>
-            <a:off x="10543592" y="6475247"/>
-            <a:ext cx="1648408" cy="307777"/>
+            <a:endParaRPr lang="fr-FR"/>
+          </a:p>
+        </p:txBody>
+      </p:sp>
+      <p:sp>
+        <p:nvSpPr>
+          <p:cNvPr id="5" name="Rectangle 4">
+            <a:extLst>
+              <a:ext uri="{FF2B5EF4-FFF2-40B4-BE49-F238E27FC236}">
+                <a16:creationId xmlns:a16="http://schemas.microsoft.com/office/drawing/2014/main" id="{A00233D2-38CE-441F-90C9-32F91999758A}"/>
+              </a:ext>
+            </a:extLst>
+          </p:cNvPr>
+          <p:cNvSpPr/>
+          <p:nvPr/>
+        </p:nvSpPr>
+        <p:spPr>
+          <a:xfrm>
+            <a:off x="0" y="6400273"/>
+            <a:ext cx="12192000" cy="457727"/>
           </a:xfrm>
           <a:prstGeom prst="rect">
             <a:avLst/>
           </a:prstGeom>
-          <a:noFill/>
-        </p:spPr>
-        <p:txBody>
-          <a:bodyPr wrap="square" rtlCol="0">
-            <a:spAutoFit/>
-          </a:bodyPr>
-          <a:lstStyle/>
-          <a:p>
-            <a:pPr algn="r"/>
-            <a:r>
-              <a:rPr lang="es-CO" sz="1400" b="1" i="1" dirty="0" err="1">
-                <a:ln>
-                  <a:solidFill>
-                    <a:srgbClr val="7451EB"/>
-                  </a:solidFill>
-                </a:ln>
-                <a:solidFill>
-                  <a:srgbClr val="7451EB"/>
-                </a:solidFill>
-                <a:latin typeface="+mj-lt"/>
-              </a:rPr>
-              <a:t>OpenClassrooms</a:t>
-            </a:r>
-            <a:endParaRPr lang="en-US" sz="1400" b="1" i="1" dirty="0">
-              <a:ln>
-                <a:solidFill>
-                  <a:srgbClr val="7451EB"/>
-                </a:solidFill>
-              </a:ln>
-              <a:solidFill>
-                <a:srgbClr val="7451EB"/>
-              </a:solidFill>
-              <a:latin typeface="+mj-lt"/>
-            </a:endParaRPr>
-          </a:p>
-        </p:txBody>
-      </p:sp>
-      <p:sp>
-        <p:nvSpPr>
-          <p:cNvPr id="10" name="Titre 1">
-            <a:extLst>
-              <a:ext uri="{FF2B5EF4-FFF2-40B4-BE49-F238E27FC236}">
-                <a16:creationId xmlns:a16="http://schemas.microsoft.com/office/drawing/2014/main" id="{56659258-1A46-4A0F-B0E4-1AF391BF8DF3}"/>
-              </a:ext>
-            </a:extLst>
-          </p:cNvPr>
-          <p:cNvSpPr txBox="1">
-            <a:spLocks/>
-          </p:cNvSpPr>
-          <p:nvPr/>
-        </p:nvSpPr>
-        <p:spPr>
-          <a:xfrm>
-            <a:off x="279917" y="3128369"/>
-            <a:ext cx="9559407" cy="820048"/>
-          </a:xfrm>
-          <a:prstGeom prst="rect">
-            <a:avLst/>
-          </a:prstGeom>
           <a:solidFill>
-            <a:schemeClr val="bg1"/>
+            <a:srgbClr val="7451EB"/>
           </a:solidFill>
           <a:ln>
             <a:solidFill>
-              <a:schemeClr val="bg1"/>
+              <a:srgbClr val="7451EB"/>
             </a:solidFill>
           </a:ln>
-        </p:spPr>
-        <p:txBody>
-          <a:bodyPr vert="horz" lIns="91440" tIns="45720" rIns="91440" bIns="45720" rtlCol="0" anchor="ctr">
-            <a:normAutofit/>
-          </a:bodyPr>
-          <a:lstStyle>
-            <a:lvl1pPr algn="l" defTabSz="914400" rtl="0" eaLnBrk="1" latinLnBrk="0" hangingPunct="1">
-              <a:lnSpc>
-                <a:spcPct val="90000"/>
-              </a:lnSpc>
-              <a:spcBef>
-                <a:spcPct val="0"/>
-              </a:spcBef>
-              <a:buNone/>
-              <a:defRPr sz="4400" kern="1200">
-                <a:solidFill>
-                  <a:schemeClr val="tx1"/>
-                </a:solidFill>
-                <a:latin typeface="+mj-lt"/>
-                <a:ea typeface="+mj-ea"/>
-                <a:cs typeface="+mj-cs"/>
-              </a:defRPr>
-            </a:lvl1pPr>
-          </a:lstStyle>
-          <a:p>
-            <a:r>
-              <a:rPr lang="fr-FR" b="1" dirty="0">
-                <a:ln>
-                  <a:solidFill>
-                    <a:srgbClr val="7451EB"/>
-                  </a:solidFill>
-                </a:ln>
-                <a:solidFill>
-                  <a:srgbClr val="7451EB"/>
-                </a:solidFill>
-                <a:effectLst>
-                  <a:outerShdw blurRad="38100" dist="38100" dir="2700000" algn="tl">
-                    <a:srgbClr val="000000">
-                      <a:alpha val="43137"/>
-                    </a:srgbClr>
-                  </a:outerShdw>
-                </a:effectLst>
-                <a:latin typeface="Google Sans"/>
-              </a:rPr>
-              <a:t>Conclusions</a:t>
-            </a:r>
-          </a:p>
-        </p:txBody>
-      </p:sp>
-      <p:sp>
-        <p:nvSpPr>
-          <p:cNvPr id="12" name="Titre 1">
-            <a:extLst>
-              <a:ext uri="{FF2B5EF4-FFF2-40B4-BE49-F238E27FC236}">
-                <a16:creationId xmlns:a16="http://schemas.microsoft.com/office/drawing/2014/main" id="{85CD6998-9B19-4373-B68C-154C11EE68A5}"/>
-              </a:ext>
-            </a:extLst>
-          </p:cNvPr>
-          <p:cNvSpPr txBox="1">
-            <a:spLocks/>
-          </p:cNvSpPr>
-          <p:nvPr/>
-        </p:nvSpPr>
-        <p:spPr>
-          <a:xfrm>
-            <a:off x="279918" y="2308321"/>
-            <a:ext cx="6944616" cy="820048"/>
-          </a:xfrm>
-          <a:prstGeom prst="rect">
-            <a:avLst/>
-          </a:prstGeom>
-        </p:spPr>
-        <p:txBody>
-          <a:bodyPr vert="horz" lIns="91440" tIns="45720" rIns="91440" bIns="45720" rtlCol="0" anchor="ctr">
-            <a:normAutofit/>
-          </a:bodyPr>
-          <a:lstStyle>
-            <a:lvl1pPr algn="l" defTabSz="914400" rtl="0" eaLnBrk="1" latinLnBrk="0" hangingPunct="1">
-              <a:lnSpc>
-                <a:spcPct val="90000"/>
-              </a:lnSpc>
-              <a:spcBef>
-                <a:spcPct val="0"/>
-              </a:spcBef>
-              <a:buNone/>
-              <a:defRPr sz="4400" kern="1200">
-                <a:solidFill>
-                  <a:schemeClr val="tx1"/>
-                </a:solidFill>
-                <a:latin typeface="+mj-lt"/>
-                <a:ea typeface="+mj-ea"/>
-                <a:cs typeface="+mj-cs"/>
-              </a:defRPr>
-            </a:lvl1pPr>
-          </a:lstStyle>
-          <a:p>
-            <a:r>
-              <a:rPr lang="es-ES" b="1" dirty="0">
-                <a:ln>
-                  <a:solidFill>
-                    <a:schemeClr val="bg1"/>
-                  </a:solidFill>
-                </a:ln>
-                <a:solidFill>
-                  <a:schemeClr val="bg1"/>
-                </a:solidFill>
-                <a:effectLst>
-                  <a:outerShdw blurRad="38100" dist="38100" dir="2700000" algn="tl">
-                    <a:srgbClr val="000000">
-                      <a:alpha val="43137"/>
-                    </a:srgbClr>
-                  </a:outerShdw>
-                </a:effectLst>
-                <a:latin typeface="Google Sans"/>
-              </a:rPr>
-              <a:t>6.</a:t>
-            </a:r>
-            <a:endParaRPr lang="es-419" sz="5400" b="1" u="sng" dirty="0">
-              <a:ln>
-                <a:solidFill>
-                  <a:schemeClr val="bg1"/>
-                </a:solidFill>
-              </a:ln>
-              <a:solidFill>
-                <a:schemeClr val="bg1"/>
-              </a:solidFill>
-              <a:effectLst>
-                <a:outerShdw blurRad="38100" dist="38100" dir="2700000" algn="tl">
-                  <a:srgbClr val="000000">
-                    <a:alpha val="43137"/>
-                  </a:srgbClr>
-                </a:outerShdw>
-              </a:effectLst>
-              <a:latin typeface="Google Sans"/>
-            </a:endParaRPr>
-          </a:p>
-        </p:txBody>
-      </p:sp>
-      <p:cxnSp>
-        <p:nvCxnSpPr>
-          <p:cNvPr id="22" name="Straight Connector 21">
-            <a:extLst>
-              <a:ext uri="{FF2B5EF4-FFF2-40B4-BE49-F238E27FC236}">
-                <a16:creationId xmlns:a16="http://schemas.microsoft.com/office/drawing/2014/main" id="{9D772BFA-FD06-4969-8750-173702A2211C}"/>
-              </a:ext>
-            </a:extLst>
-          </p:cNvPr>
-          <p:cNvCxnSpPr/>
-          <p:nvPr/>
-        </p:nvCxnSpPr>
-        <p:spPr>
-          <a:xfrm>
-            <a:off x="5173057" y="6400273"/>
-            <a:ext cx="0" cy="0"/>
-          </a:xfrm>
-          <a:prstGeom prst="line">
-            <a:avLst/>
-          </a:prstGeom>
-        </p:spPr>
-        <p:style>
-          <a:lnRef idx="1">
-            <a:schemeClr val="accent1"/>
-          </a:lnRef>
-          <a:fillRef idx="0">
-            <a:schemeClr val="accent1"/>
-          </a:fillRef>
-          <a:effectRef idx="0">
-            <a:schemeClr val="accent1"/>
-          </a:effectRef>
-          <a:fontRef idx="minor">
-            <a:schemeClr val="tx1"/>
-          </a:fontRef>
-        </p:style>
-      </p:cxnSp>
-      <p:sp>
-        <p:nvSpPr>
-          <p:cNvPr id="23" name="Oval 19">
-            <a:extLst>
-              <a:ext uri="{FF2B5EF4-FFF2-40B4-BE49-F238E27FC236}">
-                <a16:creationId xmlns:a16="http://schemas.microsoft.com/office/drawing/2014/main" id="{5EABDCE4-25F4-4906-B056-83504247FAE5}"/>
-              </a:ext>
-            </a:extLst>
-          </p:cNvPr>
-          <p:cNvSpPr/>
-          <p:nvPr/>
-        </p:nvSpPr>
-        <p:spPr>
-          <a:xfrm>
-            <a:off x="4953000" y="5975263"/>
-            <a:ext cx="283335" cy="283335"/>
-          </a:xfrm>
-          <a:prstGeom prst="ellipse">
-            <a:avLst/>
-          </a:prstGeom>
-          <a:noFill/>
-          <a:ln>
-            <a:solidFill>
-              <a:schemeClr val="bg1"/>
-            </a:solidFill>
-          </a:ln>
-          <a:effectLst>
-            <a:outerShdw blurRad="50800" dist="38100" dir="2700000" algn="tl" rotWithShape="0">
-              <a:prstClr val="black">
-                <a:alpha val="40000"/>
-              </a:prstClr>
-            </a:outerShdw>
-          </a:effectLst>
         </p:spPr>
         <p:style>
           <a:lnRef idx="2">
@@ -9269,16 +11805,153 @@
           <a:lstStyle/>
           <a:p>
             <a:pPr algn="ctr"/>
-            <a:endParaRPr lang="en-US"/>
-          </a:p>
-        </p:txBody>
-      </p:sp>
-      <p:sp>
-        <p:nvSpPr>
-          <p:cNvPr id="24" name="Oval 20">
-            <a:extLst>
-              <a:ext uri="{FF2B5EF4-FFF2-40B4-BE49-F238E27FC236}">
-                <a16:creationId xmlns:a16="http://schemas.microsoft.com/office/drawing/2014/main" id="{512C0315-9795-4E2C-9006-13FC246DB519}"/>
+            <a:endParaRPr lang="en-US" dirty="0"/>
+          </a:p>
+        </p:txBody>
+      </p:sp>
+      <p:sp>
+        <p:nvSpPr>
+          <p:cNvPr id="15" name="TextBox 3">
+            <a:extLst>
+              <a:ext uri="{FF2B5EF4-FFF2-40B4-BE49-F238E27FC236}">
+                <a16:creationId xmlns:a16="http://schemas.microsoft.com/office/drawing/2014/main" id="{47FC2DCC-BDE9-485D-AF79-4177B5479110}"/>
+              </a:ext>
+            </a:extLst>
+          </p:cNvPr>
+          <p:cNvSpPr txBox="1"/>
+          <p:nvPr/>
+        </p:nvSpPr>
+        <p:spPr>
+          <a:xfrm>
+            <a:off x="10543592" y="6475247"/>
+            <a:ext cx="1648408" cy="307777"/>
+          </a:xfrm>
+          <a:prstGeom prst="rect">
+            <a:avLst/>
+          </a:prstGeom>
+          <a:noFill/>
+        </p:spPr>
+        <p:txBody>
+          <a:bodyPr wrap="square" rtlCol="0">
+            <a:spAutoFit/>
+          </a:bodyPr>
+          <a:lstStyle/>
+          <a:p>
+            <a:pPr algn="r"/>
+            <a:r>
+              <a:rPr lang="es-CO" sz="1400" b="1" i="1" dirty="0" err="1">
+                <a:ln>
+                  <a:solidFill>
+                    <a:schemeClr val="bg1"/>
+                  </a:solidFill>
+                </a:ln>
+                <a:solidFill>
+                  <a:schemeClr val="bg1"/>
+                </a:solidFill>
+                <a:latin typeface="+mj-lt"/>
+              </a:rPr>
+              <a:t>OpenClassrooms</a:t>
+            </a:r>
+            <a:endParaRPr lang="en-US" sz="1400" b="1" i="1" dirty="0">
+              <a:ln>
+                <a:solidFill>
+                  <a:schemeClr val="bg1"/>
+                </a:solidFill>
+              </a:ln>
+              <a:solidFill>
+                <a:schemeClr val="bg1"/>
+              </a:solidFill>
+              <a:latin typeface="+mj-lt"/>
+            </a:endParaRPr>
+          </a:p>
+        </p:txBody>
+      </p:sp>
+      <p:sp>
+        <p:nvSpPr>
+          <p:cNvPr id="10" name="Titre 1">
+            <a:extLst>
+              <a:ext uri="{FF2B5EF4-FFF2-40B4-BE49-F238E27FC236}">
+                <a16:creationId xmlns:a16="http://schemas.microsoft.com/office/drawing/2014/main" id="{224E5C7D-3656-459F-9C01-61200508167F}"/>
+              </a:ext>
+            </a:extLst>
+          </p:cNvPr>
+          <p:cNvSpPr txBox="1">
+            <a:spLocks/>
+          </p:cNvSpPr>
+          <p:nvPr/>
+        </p:nvSpPr>
+        <p:spPr>
+          <a:xfrm>
+            <a:off x="312268" y="432794"/>
+            <a:ext cx="7098182" cy="1294610"/>
+          </a:xfrm>
+          <a:prstGeom prst="rect">
+            <a:avLst/>
+          </a:prstGeom>
+        </p:spPr>
+        <p:txBody>
+          <a:bodyPr vert="horz" lIns="91440" tIns="45720" rIns="91440" bIns="45720" rtlCol="0" anchor="ctr">
+            <a:normAutofit/>
+          </a:bodyPr>
+          <a:lstStyle>
+            <a:lvl1pPr algn="l" defTabSz="914400" rtl="0" eaLnBrk="1" latinLnBrk="0" hangingPunct="1">
+              <a:lnSpc>
+                <a:spcPct val="90000"/>
+              </a:lnSpc>
+              <a:spcBef>
+                <a:spcPct val="0"/>
+              </a:spcBef>
+              <a:buNone/>
+              <a:defRPr sz="4400" kern="1200">
+                <a:solidFill>
+                  <a:schemeClr val="tx1"/>
+                </a:solidFill>
+                <a:latin typeface="+mj-lt"/>
+                <a:ea typeface="+mj-ea"/>
+                <a:cs typeface="+mj-cs"/>
+              </a:defRPr>
+            </a:lvl1pPr>
+          </a:lstStyle>
+          <a:p>
+            <a:r>
+              <a:rPr lang="fr-FR" sz="4000" b="1" dirty="0">
+                <a:ln>
+                  <a:solidFill>
+                    <a:srgbClr val="7451EB"/>
+                  </a:solidFill>
+                </a:ln>
+                <a:solidFill>
+                  <a:srgbClr val="7451EB"/>
+                </a:solidFill>
+                <a:latin typeface="Google Sans"/>
+              </a:rPr>
+              <a:t>Présence de caractères spéciaux </a:t>
+            </a:r>
+          </a:p>
+          <a:p>
+            <a:r>
+              <a:rPr lang="fr-FR" sz="4000" b="1" dirty="0">
+                <a:ln>
+                  <a:solidFill>
+                    <a:srgbClr val="7451EB"/>
+                  </a:solidFill>
+                </a:ln>
+                <a:solidFill>
+                  <a:srgbClr val="7451EB"/>
+                </a:solidFill>
+                <a:latin typeface="Google Sans"/>
+              </a:rPr>
+              <a:t>et de contractions</a:t>
+            </a:r>
+          </a:p>
+        </p:txBody>
+      </p:sp>
+      <p:sp>
+        <p:nvSpPr>
+          <p:cNvPr id="11" name="Rectángulo 4">
+            <a:extLst>
+              <a:ext uri="{FF2B5EF4-FFF2-40B4-BE49-F238E27FC236}">
+                <a16:creationId xmlns:a16="http://schemas.microsoft.com/office/drawing/2014/main" id="{B84F0FDC-2C73-4C87-9CC7-F9F129B3A699}"/>
               </a:ext>
             </a:extLst>
           </p:cNvPr>
@@ -9287,25 +11960,20 @@
         </p:nvSpPr>
         <p:spPr>
           <a:xfrm>
-            <a:off x="5620555" y="5975262"/>
-            <a:ext cx="283335" cy="283335"/>
-          </a:xfrm>
-          <a:prstGeom prst="ellipse">
-            <a:avLst/>
-          </a:prstGeom>
-          <a:noFill/>
+            <a:off x="377906" y="378794"/>
+            <a:ext cx="366721" cy="54000"/>
+          </a:xfrm>
+          <a:prstGeom prst="rect">
+            <a:avLst/>
+          </a:prstGeom>
+          <a:solidFill>
+            <a:srgbClr val="7451EB"/>
+          </a:solidFill>
           <a:ln>
             <a:solidFill>
-              <a:schemeClr val="bg1"/>
+              <a:srgbClr val="7451EB"/>
             </a:solidFill>
           </a:ln>
-          <a:effectLst>
-            <a:outerShdw blurRad="50800" dist="38100" dir="2700000" algn="tl" rotWithShape="0">
-              <a:prstClr val="black">
-                <a:alpha val="40000"/>
-              </a:prstClr>
-            </a:outerShdw>
-          </a:effectLst>
         </p:spPr>
         <p:style>
           <a:lnRef idx="2">
@@ -9328,162 +11996,209 @@
           <a:lstStyle/>
           <a:p>
             <a:pPr algn="ctr"/>
-            <a:endParaRPr lang="en-US"/>
-          </a:p>
-        </p:txBody>
-      </p:sp>
-      <p:cxnSp>
-        <p:nvCxnSpPr>
-          <p:cNvPr id="25" name="Straight Connector 22">
-            <a:extLst>
-              <a:ext uri="{FF2B5EF4-FFF2-40B4-BE49-F238E27FC236}">
-                <a16:creationId xmlns:a16="http://schemas.microsoft.com/office/drawing/2014/main" id="{42E1430E-A5D8-48A3-A23B-DA8F964B8073}"/>
-              </a:ext>
-            </a:extLst>
-          </p:cNvPr>
-          <p:cNvCxnSpPr>
-            <a:stCxn id="23" idx="6"/>
-            <a:endCxn id="24" idx="2"/>
-          </p:cNvCxnSpPr>
-          <p:nvPr/>
-        </p:nvCxnSpPr>
-        <p:spPr>
-          <a:xfrm flipV="1">
-            <a:off x="5236335" y="6116929"/>
-            <a:ext cx="384220" cy="0"/>
-          </a:xfrm>
-          <a:prstGeom prst="line">
-            <a:avLst/>
-          </a:prstGeom>
+            <a:endParaRPr lang="es-AR">
+              <a:ln>
+                <a:solidFill>
+                  <a:srgbClr val="7451EB"/>
+                </a:solidFill>
+              </a:ln>
+              <a:solidFill>
+                <a:srgbClr val="7451EB"/>
+              </a:solidFill>
+            </a:endParaRPr>
+          </a:p>
+        </p:txBody>
+      </p:sp>
+      <p:sp>
+        <p:nvSpPr>
+          <p:cNvPr id="23" name="TextBox 3">
+            <a:extLst>
+              <a:ext uri="{FF2B5EF4-FFF2-40B4-BE49-F238E27FC236}">
+                <a16:creationId xmlns:a16="http://schemas.microsoft.com/office/drawing/2014/main" id="{D52F1D3E-E1FB-4B4A-920A-1CD858B3E11A}"/>
+              </a:ext>
+            </a:extLst>
+          </p:cNvPr>
+          <p:cNvSpPr txBox="1"/>
+          <p:nvPr/>
+        </p:nvSpPr>
+        <p:spPr>
+          <a:xfrm>
+            <a:off x="0" y="6475247"/>
+            <a:ext cx="8982635" cy="307777"/>
+          </a:xfrm>
+          <a:prstGeom prst="rect">
+            <a:avLst/>
+          </a:prstGeom>
+          <a:noFill/>
+        </p:spPr>
+        <p:txBody>
+          <a:bodyPr wrap="square" rtlCol="0">
+            <a:spAutoFit/>
+          </a:bodyPr>
+          <a:lstStyle/>
+          <a:p>
+            <a:r>
+              <a:rPr lang="es-CO" sz="1400" dirty="0">
+                <a:ln>
+                  <a:solidFill>
+                    <a:schemeClr val="bg1"/>
+                  </a:solidFill>
+                </a:ln>
+                <a:solidFill>
+                  <a:schemeClr val="bg1"/>
+                </a:solidFill>
+                <a:latin typeface="+mj-lt"/>
+              </a:rPr>
+              <a:t>Project 6 – </a:t>
+            </a:r>
+            <a:r>
+              <a:rPr lang="fr-FR" sz="1400" dirty="0">
+                <a:ln>
+                  <a:solidFill>
+                    <a:schemeClr val="bg1"/>
+                  </a:solidFill>
+                </a:ln>
+                <a:solidFill>
+                  <a:schemeClr val="bg1"/>
+                </a:solidFill>
+                <a:latin typeface="+mj-lt"/>
+              </a:rPr>
+              <a:t>Classification automatique des biens de consommation</a:t>
+            </a:r>
+            <a:endParaRPr lang="en-US" sz="1400" dirty="0">
+              <a:ln>
+                <a:solidFill>
+                  <a:schemeClr val="bg1"/>
+                </a:solidFill>
+              </a:ln>
+              <a:solidFill>
+                <a:schemeClr val="bg1"/>
+              </a:solidFill>
+              <a:latin typeface="+mj-lt"/>
+            </a:endParaRPr>
+          </a:p>
+        </p:txBody>
+      </p:sp>
+      <p:sp>
+        <p:nvSpPr>
+          <p:cNvPr id="62" name="Google Shape;189;p19">
+            <a:extLst>
+              <a:ext uri="{FF2B5EF4-FFF2-40B4-BE49-F238E27FC236}">
+                <a16:creationId xmlns:a16="http://schemas.microsoft.com/office/drawing/2014/main" id="{7D0B2988-E22F-4E6D-8DE8-7C77A71FF337}"/>
+              </a:ext>
+            </a:extLst>
+          </p:cNvPr>
+          <p:cNvSpPr/>
+          <p:nvPr/>
+        </p:nvSpPr>
+        <p:spPr>
+          <a:xfrm>
+            <a:off x="9642635" y="802161"/>
+            <a:ext cx="2227800" cy="856800"/>
+          </a:xfrm>
+          <a:prstGeom prst="chevron">
+            <a:avLst>
+              <a:gd name="adj" fmla="val 50000"/>
+            </a:avLst>
+          </a:prstGeom>
+          <a:solidFill>
+            <a:srgbClr val="548235"/>
+          </a:solidFill>
           <a:ln>
             <a:solidFill>
-              <a:schemeClr val="bg1"/>
+              <a:srgbClr val="548235"/>
             </a:solidFill>
           </a:ln>
         </p:spPr>
-        <p:style>
-          <a:lnRef idx="2">
-            <a:schemeClr val="dk1"/>
-          </a:lnRef>
-          <a:fillRef idx="0">
-            <a:schemeClr val="dk1"/>
-          </a:fillRef>
-          <a:effectRef idx="1">
-            <a:schemeClr val="dk1"/>
-          </a:effectRef>
-          <a:fontRef idx="minor">
-            <a:schemeClr val="tx1"/>
-          </a:fontRef>
-        </p:style>
-      </p:cxnSp>
-      <p:sp>
-        <p:nvSpPr>
-          <p:cNvPr id="26" name="Oval 23">
-            <a:extLst>
-              <a:ext uri="{FF2B5EF4-FFF2-40B4-BE49-F238E27FC236}">
-                <a16:creationId xmlns:a16="http://schemas.microsoft.com/office/drawing/2014/main" id="{60F09E99-5A1C-452D-9F4E-F52D1B038539}"/>
-              </a:ext>
-            </a:extLst>
-          </p:cNvPr>
-          <p:cNvSpPr/>
-          <p:nvPr/>
-        </p:nvSpPr>
-        <p:spPr>
-          <a:xfrm>
-            <a:off x="6288110" y="5975261"/>
-            <a:ext cx="283335" cy="283335"/>
-          </a:xfrm>
-          <a:prstGeom prst="ellipse">
+        <p:txBody>
+          <a:bodyPr spcFirstLastPara="1" wrap="square" lIns="91425" tIns="91425" rIns="91425" bIns="91425" anchor="ctr" anchorCtr="0">
+            <a:noAutofit/>
+          </a:bodyPr>
+          <a:lstStyle/>
+          <a:p>
+            <a:pPr marL="0" lvl="0" indent="0" algn="l" rtl="0">
+              <a:spcBef>
+                <a:spcPts val="0"/>
+              </a:spcBef>
+              <a:spcAft>
+                <a:spcPts val="0"/>
+              </a:spcAft>
+              <a:buNone/>
+            </a:pPr>
+            <a:endParaRPr dirty="0"/>
+          </a:p>
+        </p:txBody>
+      </p:sp>
+      <p:sp>
+        <p:nvSpPr>
+          <p:cNvPr id="76" name="Google Shape;193;p19">
+            <a:extLst>
+              <a:ext uri="{FF2B5EF4-FFF2-40B4-BE49-F238E27FC236}">
+                <a16:creationId xmlns:a16="http://schemas.microsoft.com/office/drawing/2014/main" id="{57B2EE57-A48A-4890-8B99-7701B1B5D160}"/>
+              </a:ext>
+            </a:extLst>
+          </p:cNvPr>
+          <p:cNvSpPr txBox="1"/>
+          <p:nvPr/>
+        </p:nvSpPr>
+        <p:spPr>
+          <a:xfrm>
+            <a:off x="10037813" y="999623"/>
+            <a:ext cx="1285909" cy="464551"/>
+          </a:xfrm>
+          <a:prstGeom prst="rect">
             <a:avLst/>
           </a:prstGeom>
           <a:noFill/>
           <a:ln>
-            <a:solidFill>
-              <a:schemeClr val="bg1"/>
-            </a:solidFill>
+            <a:noFill/>
           </a:ln>
-          <a:effectLst>
-            <a:outerShdw blurRad="50800" dist="38100" dir="2700000" algn="tl" rotWithShape="0">
-              <a:prstClr val="black">
-                <a:alpha val="40000"/>
-              </a:prstClr>
-            </a:outerShdw>
-          </a:effectLst>
-        </p:spPr>
-        <p:style>
-          <a:lnRef idx="2">
-            <a:schemeClr val="accent1">
-              <a:shade val="50000"/>
-            </a:schemeClr>
-          </a:lnRef>
-          <a:fillRef idx="1">
-            <a:schemeClr val="accent1"/>
-          </a:fillRef>
-          <a:effectRef idx="0">
-            <a:schemeClr val="accent1"/>
-          </a:effectRef>
-          <a:fontRef idx="minor">
-            <a:schemeClr val="lt1"/>
-          </a:fontRef>
-        </p:style>
-        <p:txBody>
-          <a:bodyPr rtlCol="0" anchor="ctr"/>
-          <a:lstStyle/>
-          <a:p>
-            <a:pPr algn="ctr"/>
-            <a:endParaRPr lang="en-US" dirty="0"/>
-          </a:p>
-        </p:txBody>
-      </p:sp>
-      <p:cxnSp>
-        <p:nvCxnSpPr>
-          <p:cNvPr id="27" name="Straight Connector 24">
-            <a:extLst>
-              <a:ext uri="{FF2B5EF4-FFF2-40B4-BE49-F238E27FC236}">
-                <a16:creationId xmlns:a16="http://schemas.microsoft.com/office/drawing/2014/main" id="{19DFCA57-5B97-470B-82CB-98D8255F61CD}"/>
-              </a:ext>
-            </a:extLst>
-          </p:cNvPr>
-          <p:cNvCxnSpPr>
-            <a:endCxn id="26" idx="2"/>
-          </p:cNvCxnSpPr>
-          <p:nvPr/>
-        </p:nvCxnSpPr>
-        <p:spPr>
-          <a:xfrm flipV="1">
-            <a:off x="5903890" y="6116928"/>
-            <a:ext cx="384220" cy="0"/>
-          </a:xfrm>
-          <a:prstGeom prst="line">
-            <a:avLst/>
-          </a:prstGeom>
-          <a:ln>
-            <a:solidFill>
-              <a:schemeClr val="bg1"/>
-            </a:solidFill>
-          </a:ln>
-        </p:spPr>
-        <p:style>
-          <a:lnRef idx="2">
-            <a:schemeClr val="dk1"/>
-          </a:lnRef>
-          <a:fillRef idx="0">
-            <a:schemeClr val="dk1"/>
-          </a:fillRef>
-          <a:effectRef idx="1">
-            <a:schemeClr val="dk1"/>
-          </a:effectRef>
-          <a:fontRef idx="minor">
-            <a:schemeClr val="tx1"/>
-          </a:fontRef>
-        </p:style>
-      </p:cxnSp>
-      <p:sp>
-        <p:nvSpPr>
-          <p:cNvPr id="28" name="Oval 11">
-            <a:extLst>
-              <a:ext uri="{FF2B5EF4-FFF2-40B4-BE49-F238E27FC236}">
-                <a16:creationId xmlns:a16="http://schemas.microsoft.com/office/drawing/2014/main" id="{180292A4-ADAF-4FE2-B3E3-3C27F7E87B72}"/>
+        </p:spPr>
+        <p:txBody>
+          <a:bodyPr spcFirstLastPara="1" wrap="square" lIns="91425" tIns="91425" rIns="91425" bIns="91425" anchor="ctr" anchorCtr="0">
+            <a:noAutofit/>
+          </a:bodyPr>
+          <a:lstStyle/>
+          <a:p>
+            <a:pPr marL="0" lvl="0" indent="0" algn="r" rtl="0">
+              <a:spcBef>
+                <a:spcPts val="0"/>
+              </a:spcBef>
+              <a:spcAft>
+                <a:spcPts val="0"/>
+              </a:spcAft>
+              <a:buNone/>
+            </a:pPr>
+            <a:r>
+              <a:rPr lang="fr-FR" sz="2000" dirty="0">
+                <a:solidFill>
+                  <a:srgbClr val="FFFFFF"/>
+                </a:solidFill>
+                <a:latin typeface="Google Sans"/>
+                <a:ea typeface="Fira Sans Condensed Medium"/>
+                <a:cs typeface="Fira Sans Condensed Medium"/>
+                <a:sym typeface="Fira Sans Condensed Medium"/>
+              </a:rPr>
+              <a:t>Analyser des textes</a:t>
+            </a:r>
+            <a:endParaRPr sz="2000" dirty="0">
+              <a:solidFill>
+                <a:srgbClr val="FFFFFF"/>
+              </a:solidFill>
+              <a:latin typeface="Google Sans"/>
+              <a:ea typeface="Fira Sans Condensed Medium"/>
+              <a:cs typeface="Fira Sans Condensed Medium"/>
+              <a:sym typeface="Fira Sans Condensed Medium"/>
+            </a:endParaRPr>
+          </a:p>
+        </p:txBody>
+      </p:sp>
+      <p:sp>
+        <p:nvSpPr>
+          <p:cNvPr id="89" name="Google Shape;197;p19">
+            <a:extLst>
+              <a:ext uri="{FF2B5EF4-FFF2-40B4-BE49-F238E27FC236}">
+                <a16:creationId xmlns:a16="http://schemas.microsoft.com/office/drawing/2014/main" id="{56B30A0B-9AEC-47DF-8DC6-0B6E428E510A}"/>
               </a:ext>
             </a:extLst>
           </p:cNvPr>
@@ -9492,210 +12207,8 @@
         </p:nvSpPr>
         <p:spPr>
           <a:xfrm>
-            <a:off x="4285445" y="5985995"/>
-            <a:ext cx="283335" cy="283335"/>
-          </a:xfrm>
-          <a:prstGeom prst="ellipse">
-            <a:avLst/>
-          </a:prstGeom>
-          <a:noFill/>
-          <a:ln>
-            <a:solidFill>
-              <a:schemeClr val="bg1"/>
-            </a:solidFill>
-          </a:ln>
-          <a:effectLst>
-            <a:outerShdw blurRad="50800" dist="38100" dir="2700000" algn="tl" rotWithShape="0">
-              <a:prstClr val="black">
-                <a:alpha val="40000"/>
-              </a:prstClr>
-            </a:outerShdw>
-          </a:effectLst>
-        </p:spPr>
-        <p:style>
-          <a:lnRef idx="2">
-            <a:schemeClr val="accent1">
-              <a:shade val="50000"/>
-            </a:schemeClr>
-          </a:lnRef>
-          <a:fillRef idx="1">
-            <a:schemeClr val="accent1"/>
-          </a:fillRef>
-          <a:effectRef idx="0">
-            <a:schemeClr val="accent1"/>
-          </a:effectRef>
-          <a:fontRef idx="minor">
-            <a:schemeClr val="lt1"/>
-          </a:fontRef>
-        </p:style>
-        <p:txBody>
-          <a:bodyPr rtlCol="0" anchor="ctr"/>
-          <a:lstStyle/>
-          <a:p>
-            <a:pPr algn="ctr"/>
-            <a:endParaRPr lang="en-US"/>
-          </a:p>
-        </p:txBody>
-      </p:sp>
-      <p:cxnSp>
-        <p:nvCxnSpPr>
-          <p:cNvPr id="29" name="Straight Connector 16">
-            <a:extLst>
-              <a:ext uri="{FF2B5EF4-FFF2-40B4-BE49-F238E27FC236}">
-                <a16:creationId xmlns:a16="http://schemas.microsoft.com/office/drawing/2014/main" id="{80D2EAF9-5043-4959-9A04-D1F76931EAFE}"/>
-              </a:ext>
-            </a:extLst>
-          </p:cNvPr>
-          <p:cNvCxnSpPr/>
-          <p:nvPr/>
-        </p:nvCxnSpPr>
-        <p:spPr>
-          <a:xfrm flipV="1">
-            <a:off x="4568780" y="6127662"/>
-            <a:ext cx="384220" cy="0"/>
-          </a:xfrm>
-          <a:prstGeom prst="line">
-            <a:avLst/>
-          </a:prstGeom>
-          <a:ln>
-            <a:solidFill>
-              <a:schemeClr val="bg1"/>
-            </a:solidFill>
-          </a:ln>
-        </p:spPr>
-        <p:style>
-          <a:lnRef idx="2">
-            <a:schemeClr val="dk1"/>
-          </a:lnRef>
-          <a:fillRef idx="0">
-            <a:schemeClr val="dk1"/>
-          </a:fillRef>
-          <a:effectRef idx="1">
-            <a:schemeClr val="dk1"/>
-          </a:effectRef>
-          <a:fontRef idx="minor">
-            <a:schemeClr val="tx1"/>
-          </a:fontRef>
-        </p:style>
-      </p:cxnSp>
-      <p:sp>
-        <p:nvSpPr>
-          <p:cNvPr id="30" name="Oval 23">
-            <a:extLst>
-              <a:ext uri="{FF2B5EF4-FFF2-40B4-BE49-F238E27FC236}">
-                <a16:creationId xmlns:a16="http://schemas.microsoft.com/office/drawing/2014/main" id="{99D0252E-38E4-46D4-82EE-DD155EF1C2EF}"/>
-              </a:ext>
-            </a:extLst>
-          </p:cNvPr>
-          <p:cNvSpPr/>
-          <p:nvPr/>
-        </p:nvSpPr>
-        <p:spPr>
-          <a:xfrm>
-            <a:off x="6955665" y="5994398"/>
-            <a:ext cx="283335" cy="283335"/>
-          </a:xfrm>
-          <a:prstGeom prst="ellipse">
-            <a:avLst/>
-          </a:prstGeom>
-          <a:noFill/>
-          <a:ln>
-            <a:solidFill>
-              <a:schemeClr val="bg1"/>
-            </a:solidFill>
-          </a:ln>
-          <a:effectLst>
-            <a:outerShdw blurRad="50800" dist="38100" dir="2700000" algn="tl" rotWithShape="0">
-              <a:prstClr val="black">
-                <a:alpha val="40000"/>
-              </a:prstClr>
-            </a:outerShdw>
-          </a:effectLst>
-        </p:spPr>
-        <p:style>
-          <a:lnRef idx="2">
-            <a:schemeClr val="accent1">
-              <a:shade val="50000"/>
-            </a:schemeClr>
-          </a:lnRef>
-          <a:fillRef idx="1">
-            <a:schemeClr val="accent1"/>
-          </a:fillRef>
-          <a:effectRef idx="0">
-            <a:schemeClr val="accent1"/>
-          </a:effectRef>
-          <a:fontRef idx="minor">
-            <a:schemeClr val="lt1"/>
-          </a:fontRef>
-        </p:style>
-        <p:txBody>
-          <a:bodyPr rtlCol="0" anchor="ctr"/>
-          <a:lstStyle/>
-          <a:p>
-            <a:pPr algn="ctr"/>
-            <a:endParaRPr lang="en-US"/>
-          </a:p>
-        </p:txBody>
-      </p:sp>
-      <p:cxnSp>
-        <p:nvCxnSpPr>
-          <p:cNvPr id="31" name="Straight Connector 24">
-            <a:extLst>
-              <a:ext uri="{FF2B5EF4-FFF2-40B4-BE49-F238E27FC236}">
-                <a16:creationId xmlns:a16="http://schemas.microsoft.com/office/drawing/2014/main" id="{5C219C4F-F054-4ABC-A8EE-01F61A8D68F2}"/>
-              </a:ext>
-            </a:extLst>
-          </p:cNvPr>
-          <p:cNvCxnSpPr>
-            <a:endCxn id="30" idx="2"/>
-          </p:cNvCxnSpPr>
-          <p:nvPr/>
-        </p:nvCxnSpPr>
-        <p:spPr>
-          <a:xfrm flipV="1">
-            <a:off x="6571445" y="6136065"/>
-            <a:ext cx="384220" cy="0"/>
-          </a:xfrm>
-          <a:prstGeom prst="line">
-            <a:avLst/>
-          </a:prstGeom>
-          <a:ln>
-            <a:solidFill>
-              <a:schemeClr val="bg1"/>
-            </a:solidFill>
-          </a:ln>
-        </p:spPr>
-        <p:style>
-          <a:lnRef idx="2">
-            <a:schemeClr val="dk1"/>
-          </a:lnRef>
-          <a:fillRef idx="0">
-            <a:schemeClr val="dk1"/>
-          </a:fillRef>
-          <a:effectRef idx="1">
-            <a:schemeClr val="dk1"/>
-          </a:effectRef>
-          <a:fontRef idx="minor">
-            <a:schemeClr val="tx1"/>
-          </a:fontRef>
-        </p:style>
-      </p:cxnSp>
-      <p:sp>
-        <p:nvSpPr>
-          <p:cNvPr id="32" name="Oval 23">
-            <a:extLst>
-              <a:ext uri="{FF2B5EF4-FFF2-40B4-BE49-F238E27FC236}">
-                <a16:creationId xmlns:a16="http://schemas.microsoft.com/office/drawing/2014/main" id="{9E1C98B6-C4D3-49BC-A06C-5C19A6D9A88E}"/>
-              </a:ext>
-            </a:extLst>
-          </p:cNvPr>
-          <p:cNvSpPr/>
-          <p:nvPr/>
-        </p:nvSpPr>
-        <p:spPr>
-          <a:xfrm>
-            <a:off x="7623220" y="5989665"/>
-            <a:ext cx="283335" cy="283335"/>
+            <a:off x="11268546" y="1032256"/>
+            <a:ext cx="396600" cy="396600"/>
           </a:xfrm>
           <a:prstGeom prst="ellipse">
             <a:avLst/>
@@ -9704,135 +12217,331 @@
             <a:srgbClr val="FFFFFF"/>
           </a:solidFill>
           <a:ln>
+            <a:noFill/>
+          </a:ln>
+        </p:spPr>
+        <p:txBody>
+          <a:bodyPr spcFirstLastPara="1" wrap="square" lIns="91425" tIns="91425" rIns="91425" bIns="91425" anchor="ctr" anchorCtr="0">
+            <a:noAutofit/>
+          </a:bodyPr>
+          <a:lstStyle/>
+          <a:p>
+            <a:pPr marL="0" lvl="0" indent="0" algn="l" rtl="0">
+              <a:spcBef>
+                <a:spcPts val="0"/>
+              </a:spcBef>
+              <a:spcAft>
+                <a:spcPts val="0"/>
+              </a:spcAft>
+              <a:buNone/>
+            </a:pPr>
+            <a:endParaRPr sz="2100">
+              <a:solidFill>
+                <a:schemeClr val="accent1"/>
+              </a:solidFill>
+              <a:latin typeface="Fira Sans Condensed Medium"/>
+              <a:ea typeface="Fira Sans Condensed Medium"/>
+              <a:cs typeface="Fira Sans Condensed Medium"/>
+              <a:sym typeface="Fira Sans Condensed Medium"/>
+            </a:endParaRPr>
+          </a:p>
+        </p:txBody>
+      </p:sp>
+      <p:sp>
+        <p:nvSpPr>
+          <p:cNvPr id="90" name="Google Shape;204;p19">
+            <a:extLst>
+              <a:ext uri="{FF2B5EF4-FFF2-40B4-BE49-F238E27FC236}">
+                <a16:creationId xmlns:a16="http://schemas.microsoft.com/office/drawing/2014/main" id="{A80234AF-93AE-4A54-A51B-9C6CD1EEB88B}"/>
+              </a:ext>
+            </a:extLst>
+          </p:cNvPr>
+          <p:cNvSpPr txBox="1"/>
+          <p:nvPr/>
+        </p:nvSpPr>
+        <p:spPr>
+          <a:xfrm>
+            <a:off x="11269047" y="1032125"/>
+            <a:ext cx="396600" cy="396600"/>
+          </a:xfrm>
+          <a:prstGeom prst="rect">
+            <a:avLst/>
+          </a:prstGeom>
+          <a:noFill/>
+          <a:ln>
+            <a:noFill/>
+          </a:ln>
+        </p:spPr>
+        <p:txBody>
+          <a:bodyPr spcFirstLastPara="1" wrap="square" lIns="91425" tIns="91425" rIns="91425" bIns="91425" anchor="ctr" anchorCtr="0">
+            <a:noAutofit/>
+          </a:bodyPr>
+          <a:lstStyle/>
+          <a:p>
+            <a:pPr marL="0" lvl="0" indent="0" algn="ctr" rtl="0">
+              <a:spcBef>
+                <a:spcPts val="0"/>
+              </a:spcBef>
+              <a:spcAft>
+                <a:spcPts val="0"/>
+              </a:spcAft>
+              <a:buNone/>
+            </a:pPr>
+            <a:endParaRPr sz="2000" dirty="0">
+              <a:solidFill>
+                <a:schemeClr val="accent1"/>
+              </a:solidFill>
+              <a:latin typeface="Fira Sans Condensed Medium"/>
+              <a:ea typeface="Fira Sans Condensed Medium"/>
+              <a:cs typeface="Fira Sans Condensed Medium"/>
+              <a:sym typeface="Fira Sans Condensed Medium"/>
+            </a:endParaRPr>
+          </a:p>
+        </p:txBody>
+      </p:sp>
+      <p:pic>
+        <p:nvPicPr>
+          <p:cNvPr id="91" name="Image 90">
+            <a:extLst>
+              <a:ext uri="{FF2B5EF4-FFF2-40B4-BE49-F238E27FC236}">
+                <a16:creationId xmlns:a16="http://schemas.microsoft.com/office/drawing/2014/main" id="{39FB03C5-CBE2-4B19-8C7F-28CB955D5DE5}"/>
+              </a:ext>
+            </a:extLst>
+          </p:cNvPr>
+          <p:cNvPicPr>
+            <a:picLocks noChangeAspect="1"/>
+          </p:cNvPicPr>
+          <p:nvPr/>
+        </p:nvPicPr>
+        <p:blipFill>
+          <a:blip r:embed="rId3">
+            <a:extLst>
+              <a:ext uri="{28A0092B-C50C-407E-A947-70E740481C1C}">
+                <a14:useLocalDpi xmlns:a14="http://schemas.microsoft.com/office/drawing/2010/main" val="0"/>
+              </a:ext>
+            </a:extLst>
+          </a:blip>
+          <a:stretch>
+            <a:fillRect/>
+          </a:stretch>
+        </p:blipFill>
+        <p:spPr>
+          <a:xfrm>
+            <a:off x="11310397" y="1077522"/>
+            <a:ext cx="304762" cy="304762"/>
+          </a:xfrm>
+          <a:prstGeom prst="rect">
+            <a:avLst/>
+          </a:prstGeom>
+        </p:spPr>
+      </p:pic>
+      <p:sp>
+        <p:nvSpPr>
+          <p:cNvPr id="93" name="ZoneTexte 92">
+            <a:extLst>
+              <a:ext uri="{FF2B5EF4-FFF2-40B4-BE49-F238E27FC236}">
+                <a16:creationId xmlns:a16="http://schemas.microsoft.com/office/drawing/2014/main" id="{0DC599A0-E82A-425F-A239-A1B3EABDA922}"/>
+              </a:ext>
+            </a:extLst>
+          </p:cNvPr>
+          <p:cNvSpPr txBox="1"/>
+          <p:nvPr/>
+        </p:nvSpPr>
+        <p:spPr>
+          <a:xfrm>
+            <a:off x="9493398" y="194128"/>
+            <a:ext cx="2499925" cy="369332"/>
+          </a:xfrm>
+          <a:prstGeom prst="rect">
+            <a:avLst/>
+          </a:prstGeom>
+          <a:solidFill>
+            <a:srgbClr val="FFF2CC"/>
+          </a:solidFill>
+          <a:ln>
             <a:solidFill>
-              <a:schemeClr val="bg1"/>
+              <a:schemeClr val="accent4">
+                <a:lumMod val="60000"/>
+                <a:lumOff val="40000"/>
+              </a:schemeClr>
             </a:solidFill>
           </a:ln>
+        </p:spPr>
+        <p:txBody>
+          <a:bodyPr wrap="square">
+            <a:spAutoFit/>
+          </a:bodyPr>
+          <a:lstStyle/>
+          <a:p>
+            <a:pPr algn="ctr"/>
+            <a:r>
+              <a:rPr lang="es-ES" b="1" dirty="0">
+                <a:ln>
+                  <a:solidFill>
+                    <a:schemeClr val="accent4">
+                      <a:lumMod val="50000"/>
+                    </a:schemeClr>
+                  </a:solidFill>
+                </a:ln>
+                <a:solidFill>
+                  <a:schemeClr val="accent4">
+                    <a:lumMod val="50000"/>
+                  </a:schemeClr>
+                </a:solidFill>
+                <a:latin typeface="Google Sans"/>
+              </a:rPr>
+              <a:t>T</a:t>
+            </a:r>
+            <a:r>
+              <a:rPr lang="fr-FR" b="1" dirty="0" err="1">
+                <a:ln>
+                  <a:solidFill>
+                    <a:schemeClr val="accent4">
+                      <a:lumMod val="50000"/>
+                    </a:schemeClr>
+                  </a:solidFill>
+                </a:ln>
+                <a:solidFill>
+                  <a:schemeClr val="accent4">
+                    <a:lumMod val="50000"/>
+                  </a:schemeClr>
+                </a:solidFill>
+                <a:latin typeface="Google Sans"/>
+              </a:rPr>
+              <a:t>extuelles</a:t>
+            </a:r>
+            <a:endParaRPr lang="fr-FR" sz="1800" b="1" dirty="0">
+              <a:ln>
+                <a:solidFill>
+                  <a:schemeClr val="accent4">
+                    <a:lumMod val="50000"/>
+                  </a:schemeClr>
+                </a:solidFill>
+              </a:ln>
+              <a:solidFill>
+                <a:schemeClr val="accent4">
+                  <a:lumMod val="50000"/>
+                </a:schemeClr>
+              </a:solidFill>
+              <a:latin typeface="Google Sans"/>
+            </a:endParaRPr>
+          </a:p>
+        </p:txBody>
+      </p:sp>
+      <p:pic>
+        <p:nvPicPr>
+          <p:cNvPr id="3" name="Image 2">
+            <a:extLst>
+              <a:ext uri="{FF2B5EF4-FFF2-40B4-BE49-F238E27FC236}">
+                <a16:creationId xmlns:a16="http://schemas.microsoft.com/office/drawing/2014/main" id="{E13FD813-968F-4755-B3B3-AE81AF84EC9B}"/>
+              </a:ext>
+            </a:extLst>
+          </p:cNvPr>
+          <p:cNvPicPr>
+            <a:picLocks noChangeAspect="1"/>
+          </p:cNvPicPr>
+          <p:nvPr/>
+        </p:nvPicPr>
+        <p:blipFill>
+          <a:blip r:embed="rId4"/>
+          <a:stretch>
+            <a:fillRect/>
+          </a:stretch>
+        </p:blipFill>
+        <p:spPr>
+          <a:xfrm>
+            <a:off x="485740" y="1702470"/>
+            <a:ext cx="4086260" cy="2844130"/>
+          </a:xfrm>
+          <a:prstGeom prst="rect">
+            <a:avLst/>
+          </a:prstGeom>
+          <a:ln>
+            <a:noFill/>
+          </a:ln>
           <a:effectLst>
-            <a:outerShdw blurRad="50800" dist="38100" dir="2700000" algn="tl" rotWithShape="0">
-              <a:prstClr val="black">
-                <a:alpha val="40000"/>
-              </a:prstClr>
+            <a:outerShdw blurRad="292100" dist="139700" dir="2700000" algn="tl" rotWithShape="0">
+              <a:srgbClr val="333333">
+                <a:alpha val="65000"/>
+              </a:srgbClr>
             </a:outerShdw>
           </a:effectLst>
         </p:spPr>
-        <p:style>
-          <a:lnRef idx="2">
-            <a:schemeClr val="accent1">
-              <a:shade val="50000"/>
-            </a:schemeClr>
-          </a:lnRef>
-          <a:fillRef idx="1">
-            <a:schemeClr val="accent1"/>
-          </a:fillRef>
-          <a:effectRef idx="0">
-            <a:schemeClr val="accent1"/>
-          </a:effectRef>
-          <a:fontRef idx="minor">
-            <a:schemeClr val="lt1"/>
-          </a:fontRef>
-        </p:style>
-        <p:txBody>
-          <a:bodyPr rtlCol="0" anchor="ctr"/>
-          <a:lstStyle/>
-          <a:p>
-            <a:pPr algn="ctr"/>
-            <a:endParaRPr lang="en-US"/>
-          </a:p>
-        </p:txBody>
-      </p:sp>
-      <p:cxnSp>
-        <p:nvCxnSpPr>
-          <p:cNvPr id="33" name="Straight Connector 24">
-            <a:extLst>
-              <a:ext uri="{FF2B5EF4-FFF2-40B4-BE49-F238E27FC236}">
-                <a16:creationId xmlns:a16="http://schemas.microsoft.com/office/drawing/2014/main" id="{4D6277CC-0437-4E68-830E-F02BE018C427}"/>
-              </a:ext>
-            </a:extLst>
-          </p:cNvPr>
-          <p:cNvCxnSpPr>
-            <a:endCxn id="32" idx="2"/>
-          </p:cNvCxnSpPr>
-          <p:nvPr/>
-        </p:nvCxnSpPr>
-        <p:spPr>
-          <a:xfrm flipV="1">
-            <a:off x="7239000" y="6131332"/>
-            <a:ext cx="384220" cy="0"/>
-          </a:xfrm>
-          <a:prstGeom prst="line">
+      </p:pic>
+      <p:pic>
+        <p:nvPicPr>
+          <p:cNvPr id="6" name="Image 5">
+            <a:extLst>
+              <a:ext uri="{FF2B5EF4-FFF2-40B4-BE49-F238E27FC236}">
+                <a16:creationId xmlns:a16="http://schemas.microsoft.com/office/drawing/2014/main" id="{3CBB2481-BC28-475A-9347-F69C3848EAC6}"/>
+              </a:ext>
+            </a:extLst>
+          </p:cNvPr>
+          <p:cNvPicPr>
+            <a:picLocks noChangeAspect="1"/>
+          </p:cNvPicPr>
+          <p:nvPr/>
+        </p:nvPicPr>
+        <p:blipFill>
+          <a:blip r:embed="rId5"/>
+          <a:stretch>
+            <a:fillRect/>
+          </a:stretch>
+        </p:blipFill>
+        <p:spPr>
+          <a:xfrm>
+            <a:off x="4896375" y="1702470"/>
+            <a:ext cx="4086260" cy="2822707"/>
+          </a:xfrm>
+          <a:prstGeom prst="rect">
             <a:avLst/>
           </a:prstGeom>
           <a:ln>
-            <a:solidFill>
-              <a:schemeClr val="bg1"/>
-            </a:solidFill>
+            <a:noFill/>
           </a:ln>
-        </p:spPr>
-        <p:style>
-          <a:lnRef idx="2">
-            <a:schemeClr val="dk1"/>
-          </a:lnRef>
-          <a:fillRef idx="0">
-            <a:schemeClr val="dk1"/>
-          </a:fillRef>
-          <a:effectRef idx="1">
-            <a:schemeClr val="dk1"/>
-          </a:effectRef>
-          <a:fontRef idx="minor">
-            <a:schemeClr val="tx1"/>
-          </a:fontRef>
-        </p:style>
-      </p:cxnSp>
-      <p:sp>
-        <p:nvSpPr>
-          <p:cNvPr id="20" name="TextBox 3">
-            <a:extLst>
-              <a:ext uri="{FF2B5EF4-FFF2-40B4-BE49-F238E27FC236}">
-                <a16:creationId xmlns:a16="http://schemas.microsoft.com/office/drawing/2014/main" id="{F8DF3F0C-1A91-4934-AC35-7EA174396FA6}"/>
-              </a:ext>
-            </a:extLst>
-          </p:cNvPr>
-          <p:cNvSpPr txBox="1"/>
-          <p:nvPr/>
-        </p:nvSpPr>
-        <p:spPr>
-          <a:xfrm>
-            <a:off x="0" y="6475247"/>
-            <a:ext cx="6096000" cy="307777"/>
+          <a:effectLst>
+            <a:outerShdw blurRad="292100" dist="139700" dir="2700000" algn="tl" rotWithShape="0">
+              <a:srgbClr val="333333">
+                <a:alpha val="65000"/>
+              </a:srgbClr>
+            </a:outerShdw>
+          </a:effectLst>
+        </p:spPr>
+      </p:pic>
+      <p:pic>
+        <p:nvPicPr>
+          <p:cNvPr id="8" name="Image 7">
+            <a:extLst>
+              <a:ext uri="{FF2B5EF4-FFF2-40B4-BE49-F238E27FC236}">
+                <a16:creationId xmlns:a16="http://schemas.microsoft.com/office/drawing/2014/main" id="{EE35B8F7-2226-4EC0-A156-8B7E3E8C54A9}"/>
+              </a:ext>
+            </a:extLst>
+          </p:cNvPr>
+          <p:cNvPicPr>
+            <a:picLocks noChangeAspect="1"/>
+          </p:cNvPicPr>
+          <p:nvPr/>
+        </p:nvPicPr>
+        <p:blipFill>
+          <a:blip r:embed="rId6"/>
+          <a:stretch>
+            <a:fillRect/>
+          </a:stretch>
+        </p:blipFill>
+        <p:spPr>
+          <a:xfrm>
+            <a:off x="485740" y="4621575"/>
+            <a:ext cx="11507583" cy="1693602"/>
           </a:xfrm>
           <a:prstGeom prst="rect">
             <a:avLst/>
           </a:prstGeom>
-          <a:noFill/>
-        </p:spPr>
-        <p:txBody>
-          <a:bodyPr wrap="square" rtlCol="0">
-            <a:spAutoFit/>
-          </a:bodyPr>
-          <a:lstStyle/>
-          <a:p>
-            <a:r>
-              <a:rPr lang="fr-FR" sz="1400" dirty="0">
-                <a:ln>
-                  <a:solidFill>
-                    <a:srgbClr val="7451EB"/>
-                  </a:solidFill>
-                </a:ln>
-                <a:solidFill>
-                  <a:srgbClr val="7451EB"/>
-                </a:solidFill>
-                <a:latin typeface="Calibri Light (En-têtes)"/>
-              </a:rPr>
-              <a:t>Project 6 – Classification automatique des biens de consommation</a:t>
-            </a:r>
-          </a:p>
-        </p:txBody>
-      </p:sp>
+        </p:spPr>
+      </p:pic>
     </p:spTree>
     <p:extLst>
       <p:ext uri="{BB962C8B-B14F-4D97-AF65-F5344CB8AC3E}">
-        <p14:creationId xmlns:p14="http://schemas.microsoft.com/office/powerpoint/2010/main" val="714227470"/>
+        <p14:creationId xmlns:p14="http://schemas.microsoft.com/office/powerpoint/2010/main" val="2010012103"/>
       </p:ext>
     </p:extLst>
   </p:cSld>
@@ -9859,36 +12568,6 @@
           <a:chExt cx="0" cy="0"/>
         </a:xfrm>
       </p:grpSpPr>
-      <p:pic>
-        <p:nvPicPr>
-          <p:cNvPr id="3" name="Image 2">
-            <a:extLst>
-              <a:ext uri="{FF2B5EF4-FFF2-40B4-BE49-F238E27FC236}">
-                <a16:creationId xmlns:a16="http://schemas.microsoft.com/office/drawing/2014/main" id="{B08E4FDB-B292-445C-B63F-7C9A04FFFB31}"/>
-              </a:ext>
-            </a:extLst>
-          </p:cNvPr>
-          <p:cNvPicPr>
-            <a:picLocks noChangeAspect="1"/>
-          </p:cNvPicPr>
-          <p:nvPr/>
-        </p:nvPicPr>
-        <p:blipFill>
-          <a:blip r:embed="rId3"/>
-          <a:stretch>
-            <a:fillRect/>
-          </a:stretch>
-        </p:blipFill>
-        <p:spPr>
-          <a:xfrm>
-            <a:off x="6596147" y="2789595"/>
-            <a:ext cx="5246206" cy="2326529"/>
-          </a:xfrm>
-          <a:prstGeom prst="rect">
-            <a:avLst/>
-          </a:prstGeom>
-        </p:spPr>
-      </p:pic>
       <p:sp>
         <p:nvSpPr>
           <p:cNvPr id="5" name="Rectangle 4">
@@ -10002,6 +12681,70 @@
       </p:sp>
       <p:sp>
         <p:nvSpPr>
+          <p:cNvPr id="10" name="Titre 1">
+            <a:extLst>
+              <a:ext uri="{FF2B5EF4-FFF2-40B4-BE49-F238E27FC236}">
+                <a16:creationId xmlns:a16="http://schemas.microsoft.com/office/drawing/2014/main" id="{224E5C7D-3656-459F-9C01-61200508167F}"/>
+              </a:ext>
+            </a:extLst>
+          </p:cNvPr>
+          <p:cNvSpPr txBox="1">
+            <a:spLocks/>
+          </p:cNvSpPr>
+          <p:nvPr/>
+        </p:nvSpPr>
+        <p:spPr>
+          <a:xfrm>
+            <a:off x="312268" y="432794"/>
+            <a:ext cx="5985169" cy="696438"/>
+          </a:xfrm>
+          <a:prstGeom prst="rect">
+            <a:avLst/>
+          </a:prstGeom>
+        </p:spPr>
+        <p:txBody>
+          <a:bodyPr vert="horz" lIns="91440" tIns="45720" rIns="91440" bIns="45720" rtlCol="0" anchor="ctr">
+            <a:normAutofit/>
+          </a:bodyPr>
+          <a:lstStyle>
+            <a:lvl1pPr algn="l" defTabSz="914400" rtl="0" eaLnBrk="1" latinLnBrk="0" hangingPunct="1">
+              <a:lnSpc>
+                <a:spcPct val="90000"/>
+              </a:lnSpc>
+              <a:spcBef>
+                <a:spcPct val="0"/>
+              </a:spcBef>
+              <a:buNone/>
+              <a:defRPr sz="4400" kern="1200">
+                <a:solidFill>
+                  <a:schemeClr val="tx1"/>
+                </a:solidFill>
+                <a:latin typeface="+mj-lt"/>
+                <a:ea typeface="+mj-ea"/>
+                <a:cs typeface="+mj-cs"/>
+              </a:defRPr>
+            </a:lvl1pPr>
+          </a:lstStyle>
+          <a:p>
+            <a:r>
+              <a:rPr lang="fr-FR" sz="4000" b="1" dirty="0">
+                <a:ln>
+                  <a:solidFill>
+                    <a:srgbClr val="7451EB"/>
+                  </a:solidFill>
+                </a:ln>
+                <a:solidFill>
+                  <a:srgbClr val="7451EB"/>
+                </a:solidFill>
+                <a:latin typeface="Google Sans"/>
+              </a:rPr>
+              <a:t>Traitement des données</a:t>
+            </a:r>
+          </a:p>
+        </p:txBody>
+      </p:sp>
+      <p:sp>
+        <p:nvSpPr>
           <p:cNvPr id="11" name="Rectángulo 4">
             <a:extLst>
               <a:ext uri="{FF2B5EF4-FFF2-40B4-BE49-F238E27FC236}">
@@ -10065,283 +12808,138 @@
       </p:sp>
       <p:sp>
         <p:nvSpPr>
-          <p:cNvPr id="44" name="Titre 1">
-            <a:extLst>
-              <a:ext uri="{FF2B5EF4-FFF2-40B4-BE49-F238E27FC236}">
-                <a16:creationId xmlns:a16="http://schemas.microsoft.com/office/drawing/2014/main" id="{B9734C05-D195-437B-8AD5-CA5353F78FB4}"/>
-              </a:ext>
-            </a:extLst>
-          </p:cNvPr>
-          <p:cNvSpPr txBox="1">
-            <a:spLocks/>
-          </p:cNvSpPr>
-          <p:nvPr/>
-        </p:nvSpPr>
-        <p:spPr>
-          <a:xfrm>
-            <a:off x="279918" y="432794"/>
-            <a:ext cx="10470144" cy="820048"/>
+          <p:cNvPr id="23" name="TextBox 3">
+            <a:extLst>
+              <a:ext uri="{FF2B5EF4-FFF2-40B4-BE49-F238E27FC236}">
+                <a16:creationId xmlns:a16="http://schemas.microsoft.com/office/drawing/2014/main" id="{D52F1D3E-E1FB-4B4A-920A-1CD858B3E11A}"/>
+              </a:ext>
+            </a:extLst>
+          </p:cNvPr>
+          <p:cNvSpPr txBox="1"/>
+          <p:nvPr/>
+        </p:nvSpPr>
+        <p:spPr>
+          <a:xfrm>
+            <a:off x="0" y="6475247"/>
+            <a:ext cx="8982635" cy="307777"/>
           </a:xfrm>
           <a:prstGeom prst="rect">
             <a:avLst/>
           </a:prstGeom>
-        </p:spPr>
-        <p:txBody>
-          <a:bodyPr vert="horz" lIns="91440" tIns="45720" rIns="91440" bIns="45720" rtlCol="0" anchor="ctr">
-            <a:noAutofit/>
+          <a:noFill/>
+        </p:spPr>
+        <p:txBody>
+          <a:bodyPr wrap="square" rtlCol="0">
+            <a:spAutoFit/>
           </a:bodyPr>
-          <a:lstStyle>
-            <a:lvl1pPr algn="l" defTabSz="914400" rtl="0" eaLnBrk="1" latinLnBrk="0" hangingPunct="1">
-              <a:lnSpc>
-                <a:spcPct val="90000"/>
-              </a:lnSpc>
-              <a:spcBef>
-                <a:spcPct val="0"/>
-              </a:spcBef>
-              <a:buNone/>
-              <a:defRPr sz="4400" kern="1200">
-                <a:solidFill>
-                  <a:schemeClr val="tx1"/>
-                </a:solidFill>
-                <a:latin typeface="+mj-lt"/>
-                <a:ea typeface="+mj-ea"/>
-                <a:cs typeface="+mj-cs"/>
-              </a:defRPr>
-            </a:lvl1pPr>
-          </a:lstStyle>
-          <a:p>
-            <a:r>
-              <a:rPr lang="fr-FR" sz="4000" b="1" dirty="0">
+          <a:lstStyle/>
+          <a:p>
+            <a:r>
+              <a:rPr lang="es-CO" sz="1400" dirty="0">
                 <a:ln>
                   <a:solidFill>
-                    <a:srgbClr val="7451EB"/>
+                    <a:schemeClr val="bg1"/>
                   </a:solidFill>
                 </a:ln>
                 <a:solidFill>
-                  <a:srgbClr val="7451EB"/>
-                </a:solidFill>
-                <a:latin typeface="Google Sans"/>
+                  <a:schemeClr val="bg1"/>
+                </a:solidFill>
+                <a:latin typeface="+mj-lt"/>
               </a:rPr>
-              <a:t>Les conclusions de la mission</a:t>
-            </a:r>
-          </a:p>
-        </p:txBody>
-      </p:sp>
-      <p:pic>
-        <p:nvPicPr>
-          <p:cNvPr id="10" name="Image 9">
-            <a:extLst>
-              <a:ext uri="{FF2B5EF4-FFF2-40B4-BE49-F238E27FC236}">
-                <a16:creationId xmlns:a16="http://schemas.microsoft.com/office/drawing/2014/main" id="{E15B49B5-6196-4448-9E70-7E2664D9ACD7}"/>
-              </a:ext>
-            </a:extLst>
-          </p:cNvPr>
-          <p:cNvPicPr>
-            <a:picLocks noChangeAspect="1"/>
-          </p:cNvPicPr>
-          <p:nvPr/>
-        </p:nvPicPr>
-        <p:blipFill>
-          <a:blip r:embed="rId4">
-            <a:duotone>
-              <a:schemeClr val="accent6">
-                <a:shade val="45000"/>
-                <a:satMod val="135000"/>
-              </a:schemeClr>
-              <a:prstClr val="white"/>
-            </a:duotone>
-            <a:extLst>
-              <a:ext uri="{28A0092B-C50C-407E-A947-70E740481C1C}">
-                <a14:useLocalDpi xmlns:a14="http://schemas.microsoft.com/office/drawing/2010/main" val="0"/>
-              </a:ext>
-            </a:extLst>
-          </a:blip>
-          <a:stretch>
-            <a:fillRect/>
-          </a:stretch>
-        </p:blipFill>
-        <p:spPr>
-          <a:xfrm>
-            <a:off x="377906" y="2029853"/>
-            <a:ext cx="457727" cy="427272"/>
+              <a:t>Project 6 – </a:t>
+            </a:r>
+            <a:r>
+              <a:rPr lang="fr-FR" sz="1400" dirty="0">
+                <a:ln>
+                  <a:solidFill>
+                    <a:schemeClr val="bg1"/>
+                  </a:solidFill>
+                </a:ln>
+                <a:solidFill>
+                  <a:schemeClr val="bg1"/>
+                </a:solidFill>
+                <a:latin typeface="+mj-lt"/>
+              </a:rPr>
+              <a:t>Classification automatique des biens de consommation</a:t>
+            </a:r>
+            <a:endParaRPr lang="en-US" sz="1400" dirty="0">
+              <a:ln>
+                <a:solidFill>
+                  <a:schemeClr val="bg1"/>
+                </a:solidFill>
+              </a:ln>
+              <a:solidFill>
+                <a:schemeClr val="bg1"/>
+              </a:solidFill>
+              <a:latin typeface="+mj-lt"/>
+            </a:endParaRPr>
+          </a:p>
+        </p:txBody>
+      </p:sp>
+    </p:spTree>
+    <p:extLst>
+      <p:ext uri="{BB962C8B-B14F-4D97-AF65-F5344CB8AC3E}">
+        <p14:creationId xmlns:p14="http://schemas.microsoft.com/office/powerpoint/2010/main" val="261589106"/>
+      </p:ext>
+    </p:extLst>
+  </p:cSld>
+  <p:clrMapOvr>
+    <a:masterClrMapping/>
+  </p:clrMapOvr>
+</p:sld>
+</file>
+
+<file path=ppt/slides/slide15.xml><?xml version="1.0" encoding="utf-8"?>
+<p:sld xmlns:a="http://schemas.openxmlformats.org/drawingml/2006/main" xmlns:r="http://schemas.openxmlformats.org/officeDocument/2006/relationships" xmlns:p="http://schemas.openxmlformats.org/presentationml/2006/main">
+  <p:cSld>
+    <p:bg>
+      <p:bgPr>
+        <a:solidFill>
+          <a:srgbClr val="7451EB"/>
+        </a:solidFill>
+        <a:effectLst/>
+      </p:bgPr>
+    </p:bg>
+    <p:spTree>
+      <p:nvGrpSpPr>
+        <p:cNvPr id="1" name=""/>
+        <p:cNvGrpSpPr/>
+        <p:nvPr/>
+      </p:nvGrpSpPr>
+      <p:grpSpPr>
+        <a:xfrm>
+          <a:off x="0" y="0"/>
+          <a:ext cx="0" cy="0"/>
+          <a:chOff x="0" y="0"/>
+          <a:chExt cx="0" cy="0"/>
+        </a:xfrm>
+      </p:grpSpPr>
+      <p:sp>
+        <p:nvSpPr>
+          <p:cNvPr id="5" name="Rectangle 4">
+            <a:extLst>
+              <a:ext uri="{FF2B5EF4-FFF2-40B4-BE49-F238E27FC236}">
+                <a16:creationId xmlns:a16="http://schemas.microsoft.com/office/drawing/2014/main" id="{A00233D2-38CE-441F-90C9-32F91999758A}"/>
+              </a:ext>
+            </a:extLst>
+          </p:cNvPr>
+          <p:cNvSpPr/>
+          <p:nvPr/>
+        </p:nvSpPr>
+        <p:spPr>
+          <a:xfrm>
+            <a:off x="0" y="6400273"/>
+            <a:ext cx="12192000" cy="457727"/>
           </a:xfrm>
           <a:prstGeom prst="rect">
             <a:avLst/>
           </a:prstGeom>
-        </p:spPr>
-      </p:pic>
-      <p:sp>
-        <p:nvSpPr>
-          <p:cNvPr id="12" name="ZoneTexte 11">
-            <a:extLst>
-              <a:ext uri="{FF2B5EF4-FFF2-40B4-BE49-F238E27FC236}">
-                <a16:creationId xmlns:a16="http://schemas.microsoft.com/office/drawing/2014/main" id="{65FB4105-0128-4D6E-8B74-FA687B51CD43}"/>
-              </a:ext>
-            </a:extLst>
-          </p:cNvPr>
-          <p:cNvSpPr txBox="1"/>
-          <p:nvPr/>
-        </p:nvSpPr>
-        <p:spPr>
-          <a:xfrm>
-            <a:off x="844895" y="2024702"/>
-            <a:ext cx="10341550" cy="707886"/>
-          </a:xfrm>
-          <a:prstGeom prst="rect">
-            <a:avLst/>
-          </a:prstGeom>
-          <a:noFill/>
-        </p:spPr>
-        <p:txBody>
-          <a:bodyPr wrap="square">
-            <a:spAutoFit/>
-          </a:bodyPr>
-          <a:lstStyle/>
-          <a:p>
-            <a:r>
-              <a:rPr lang="fr-FR" sz="2000" dirty="0">
-                <a:latin typeface="Google Sans"/>
-              </a:rPr>
-              <a:t>Il est nécessaire de prendre en compte plus de variable pour identifier chaque type de clients selon ses comportements d'achat. </a:t>
-            </a:r>
-            <a:r>
-              <a:rPr lang="fr-FR" sz="1400" i="1" dirty="0">
-                <a:solidFill>
-                  <a:schemeClr val="bg1">
-                    <a:lumMod val="50000"/>
-                  </a:schemeClr>
-                </a:solidFill>
-                <a:latin typeface="Google Sans"/>
-              </a:rPr>
-              <a:t>Par exemple, si c'est une promotion, l’anniversaire du client.</a:t>
-            </a:r>
-          </a:p>
-        </p:txBody>
-      </p:sp>
-      <p:pic>
-        <p:nvPicPr>
-          <p:cNvPr id="13" name="Image 12">
-            <a:extLst>
-              <a:ext uri="{FF2B5EF4-FFF2-40B4-BE49-F238E27FC236}">
-                <a16:creationId xmlns:a16="http://schemas.microsoft.com/office/drawing/2014/main" id="{C270C0AE-97C7-41A5-A56E-4477D983919A}"/>
-              </a:ext>
-            </a:extLst>
-          </p:cNvPr>
-          <p:cNvPicPr>
-            <a:picLocks noChangeAspect="1"/>
-          </p:cNvPicPr>
-          <p:nvPr/>
-        </p:nvPicPr>
-        <p:blipFill>
-          <a:blip r:embed="rId4">
-            <a:duotone>
-              <a:schemeClr val="accent6">
-                <a:shade val="45000"/>
-                <a:satMod val="135000"/>
-              </a:schemeClr>
-              <a:prstClr val="white"/>
-            </a:duotone>
-            <a:extLst>
-              <a:ext uri="{28A0092B-C50C-407E-A947-70E740481C1C}">
-                <a14:useLocalDpi xmlns:a14="http://schemas.microsoft.com/office/drawing/2010/main" val="0"/>
-              </a:ext>
-            </a:extLst>
-          </a:blip>
-          <a:stretch>
-            <a:fillRect/>
-          </a:stretch>
-        </p:blipFill>
-        <p:spPr>
-          <a:xfrm>
-            <a:off x="349647" y="2903159"/>
-            <a:ext cx="457727" cy="427272"/>
-          </a:xfrm>
-          <a:prstGeom prst="rect">
-            <a:avLst/>
-          </a:prstGeom>
-        </p:spPr>
-      </p:pic>
-      <p:sp>
-        <p:nvSpPr>
-          <p:cNvPr id="16" name="ZoneTexte 15">
-            <a:extLst>
-              <a:ext uri="{FF2B5EF4-FFF2-40B4-BE49-F238E27FC236}">
-                <a16:creationId xmlns:a16="http://schemas.microsoft.com/office/drawing/2014/main" id="{7C62ECFC-42D2-44B4-80B5-B00E91E30057}"/>
-              </a:ext>
-            </a:extLst>
-          </p:cNvPr>
-          <p:cNvSpPr txBox="1"/>
-          <p:nvPr/>
-        </p:nvSpPr>
-        <p:spPr>
-          <a:xfrm>
-            <a:off x="816636" y="2898008"/>
-            <a:ext cx="5863133" cy="1538883"/>
-          </a:xfrm>
-          <a:prstGeom prst="rect">
-            <a:avLst/>
-          </a:prstGeom>
-          <a:noFill/>
-        </p:spPr>
-        <p:txBody>
-          <a:bodyPr wrap="square">
-            <a:spAutoFit/>
-          </a:bodyPr>
-          <a:lstStyle/>
-          <a:p>
-            <a:r>
-              <a:rPr lang="fr-FR" sz="2000" dirty="0">
-                <a:latin typeface="Google Sans"/>
-              </a:rPr>
-              <a:t>Il faut utiliser la variable « </a:t>
-            </a:r>
-            <a:r>
-              <a:rPr lang="fr-FR" sz="2000" dirty="0"/>
-              <a:t>order_purchase_timestamp » ainsi que les catégories pour savoir s’il y a des clients qui achètent uniquement à certaines périodes de l’année.</a:t>
-            </a:r>
-            <a:br>
-              <a:rPr lang="fr-FR" sz="2000" dirty="0"/>
-            </a:br>
-            <a:r>
-              <a:rPr lang="fr-FR" sz="1400" i="1" dirty="0">
-                <a:solidFill>
-                  <a:schemeClr val="bg1">
-                    <a:lumMod val="50000"/>
-                  </a:schemeClr>
-                </a:solidFill>
-                <a:latin typeface="Google Sans"/>
-              </a:rPr>
-              <a:t>Par exemple, des achats pour la fête de Noé.</a:t>
-            </a:r>
-          </a:p>
-        </p:txBody>
-      </p:sp>
-      <p:sp>
-        <p:nvSpPr>
-          <p:cNvPr id="17" name="Rectangle 16">
-            <a:extLst>
-              <a:ext uri="{FF2B5EF4-FFF2-40B4-BE49-F238E27FC236}">
-                <a16:creationId xmlns:a16="http://schemas.microsoft.com/office/drawing/2014/main" id="{A75FE1A5-7CA4-43E7-8851-A42732D66A95}"/>
-              </a:ext>
-            </a:extLst>
-          </p:cNvPr>
-          <p:cNvSpPr/>
-          <p:nvPr/>
-        </p:nvSpPr>
-        <p:spPr>
-          <a:xfrm>
-            <a:off x="0" y="1352931"/>
-            <a:ext cx="5083629" cy="336947"/>
-          </a:xfrm>
-          <a:prstGeom prst="rect">
-            <a:avLst/>
-          </a:prstGeom>
           <a:solidFill>
-            <a:schemeClr val="accent5"/>
+            <a:schemeClr val="bg1"/>
           </a:solidFill>
           <a:ln>
             <a:solidFill>
-              <a:srgbClr val="5B9BD5"/>
+              <a:schemeClr val="bg1"/>
             </a:solidFill>
           </a:ln>
         </p:spPr>
@@ -10365,50 +12963,196 @@
           <a:bodyPr rtlCol="0" anchor="ctr"/>
           <a:lstStyle/>
           <a:p>
+            <a:pPr algn="ctr"/>
+            <a:endParaRPr lang="en-US" dirty="0"/>
+          </a:p>
+        </p:txBody>
+      </p:sp>
+      <p:sp>
+        <p:nvSpPr>
+          <p:cNvPr id="15" name="TextBox 3">
+            <a:extLst>
+              <a:ext uri="{FF2B5EF4-FFF2-40B4-BE49-F238E27FC236}">
+                <a16:creationId xmlns:a16="http://schemas.microsoft.com/office/drawing/2014/main" id="{47FC2DCC-BDE9-485D-AF79-4177B5479110}"/>
+              </a:ext>
+            </a:extLst>
+          </p:cNvPr>
+          <p:cNvSpPr txBox="1"/>
+          <p:nvPr/>
+        </p:nvSpPr>
+        <p:spPr>
+          <a:xfrm>
+            <a:off x="10543592" y="6475247"/>
+            <a:ext cx="1648408" cy="307777"/>
+          </a:xfrm>
+          <a:prstGeom prst="rect">
+            <a:avLst/>
+          </a:prstGeom>
+          <a:noFill/>
+        </p:spPr>
+        <p:txBody>
+          <a:bodyPr wrap="square" rtlCol="0">
+            <a:spAutoFit/>
+          </a:bodyPr>
+          <a:lstStyle/>
+          <a:p>
             <a:pPr algn="r"/>
-            <a:endParaRPr lang="en-US" dirty="0">
+            <a:r>
+              <a:rPr lang="es-CO" sz="1400" b="1" i="1" dirty="0" err="1">
+                <a:ln>
+                  <a:solidFill>
+                    <a:srgbClr val="7451EB"/>
+                  </a:solidFill>
+                </a:ln>
+                <a:solidFill>
+                  <a:srgbClr val="7451EB"/>
+                </a:solidFill>
+                <a:latin typeface="+mj-lt"/>
+              </a:rPr>
+              <a:t>OpenClassrooms</a:t>
+            </a:r>
+            <a:endParaRPr lang="en-US" sz="1400" b="1" i="1" dirty="0">
               <a:ln>
                 <a:solidFill>
-                  <a:srgbClr val="70AD47"/>
+                  <a:srgbClr val="7451EB"/>
                 </a:solidFill>
               </a:ln>
               <a:solidFill>
-                <a:srgbClr val="70AD47"/>
+                <a:srgbClr val="7451EB"/>
               </a:solidFill>
+              <a:latin typeface="+mj-lt"/>
             </a:endParaRPr>
           </a:p>
         </p:txBody>
       </p:sp>
       <p:sp>
         <p:nvSpPr>
-          <p:cNvPr id="18" name="ZoneTexte 17">
-            <a:extLst>
-              <a:ext uri="{FF2B5EF4-FFF2-40B4-BE49-F238E27FC236}">
-                <a16:creationId xmlns:a16="http://schemas.microsoft.com/office/drawing/2014/main" id="{741D8C44-1D96-4131-B963-A05738BD7171}"/>
-              </a:ext>
-            </a:extLst>
-          </p:cNvPr>
-          <p:cNvSpPr txBox="1"/>
-          <p:nvPr/>
-        </p:nvSpPr>
-        <p:spPr>
-          <a:xfrm>
-            <a:off x="0" y="1351324"/>
-            <a:ext cx="5083629" cy="338554"/>
+          <p:cNvPr id="10" name="Titre 1">
+            <a:extLst>
+              <a:ext uri="{FF2B5EF4-FFF2-40B4-BE49-F238E27FC236}">
+                <a16:creationId xmlns:a16="http://schemas.microsoft.com/office/drawing/2014/main" id="{56659258-1A46-4A0F-B0E4-1AF391BF8DF3}"/>
+              </a:ext>
+            </a:extLst>
+          </p:cNvPr>
+          <p:cNvSpPr txBox="1">
+            <a:spLocks/>
+          </p:cNvSpPr>
+          <p:nvPr/>
+        </p:nvSpPr>
+        <p:spPr>
+          <a:xfrm>
+            <a:off x="279917" y="3128369"/>
+            <a:ext cx="9559407" cy="820048"/>
           </a:xfrm>
           <a:prstGeom prst="rect">
             <a:avLst/>
           </a:prstGeom>
-          <a:noFill/>
-        </p:spPr>
-        <p:txBody>
-          <a:bodyPr wrap="square">
-            <a:spAutoFit/>
+          <a:solidFill>
+            <a:schemeClr val="bg1"/>
+          </a:solidFill>
+          <a:ln>
+            <a:solidFill>
+              <a:schemeClr val="bg1"/>
+            </a:solidFill>
+          </a:ln>
+        </p:spPr>
+        <p:txBody>
+          <a:bodyPr vert="horz" lIns="91440" tIns="45720" rIns="91440" bIns="45720" rtlCol="0" anchor="ctr">
+            <a:normAutofit/>
           </a:bodyPr>
-          <a:lstStyle/>
-          <a:p>
-            <a:r>
-              <a:rPr lang="fr-FR" sz="1600" i="1" u="none" strike="noStrike" dirty="0">
+          <a:lstStyle>
+            <a:lvl1pPr algn="l" defTabSz="914400" rtl="0" eaLnBrk="1" latinLnBrk="0" hangingPunct="1">
+              <a:lnSpc>
+                <a:spcPct val="90000"/>
+              </a:lnSpc>
+              <a:spcBef>
+                <a:spcPct val="0"/>
+              </a:spcBef>
+              <a:buNone/>
+              <a:defRPr sz="4400" kern="1200">
+                <a:solidFill>
+                  <a:schemeClr val="tx1"/>
+                </a:solidFill>
+                <a:latin typeface="+mj-lt"/>
+                <a:ea typeface="+mj-ea"/>
+                <a:cs typeface="+mj-cs"/>
+              </a:defRPr>
+            </a:lvl1pPr>
+          </a:lstStyle>
+          <a:p>
+            <a:r>
+              <a:rPr lang="fr-FR" b="1" dirty="0">
+                <a:ln>
+                  <a:solidFill>
+                    <a:srgbClr val="7451EB"/>
+                  </a:solidFill>
+                </a:ln>
+                <a:solidFill>
+                  <a:srgbClr val="7451EB"/>
+                </a:solidFill>
+                <a:effectLst>
+                  <a:outerShdw blurRad="38100" dist="38100" dir="2700000" algn="tl">
+                    <a:srgbClr val="000000">
+                      <a:alpha val="43137"/>
+                    </a:srgbClr>
+                  </a:outerShdw>
+                </a:effectLst>
+                <a:latin typeface="Google Sans"/>
+              </a:rPr>
+              <a:t>Conclusions</a:t>
+            </a:r>
+          </a:p>
+        </p:txBody>
+      </p:sp>
+      <p:sp>
+        <p:nvSpPr>
+          <p:cNvPr id="12" name="Titre 1">
+            <a:extLst>
+              <a:ext uri="{FF2B5EF4-FFF2-40B4-BE49-F238E27FC236}">
+                <a16:creationId xmlns:a16="http://schemas.microsoft.com/office/drawing/2014/main" id="{85CD6998-9B19-4373-B68C-154C11EE68A5}"/>
+              </a:ext>
+            </a:extLst>
+          </p:cNvPr>
+          <p:cNvSpPr txBox="1">
+            <a:spLocks/>
+          </p:cNvSpPr>
+          <p:nvPr/>
+        </p:nvSpPr>
+        <p:spPr>
+          <a:xfrm>
+            <a:off x="279918" y="2308321"/>
+            <a:ext cx="6944616" cy="820048"/>
+          </a:xfrm>
+          <a:prstGeom prst="rect">
+            <a:avLst/>
+          </a:prstGeom>
+        </p:spPr>
+        <p:txBody>
+          <a:bodyPr vert="horz" lIns="91440" tIns="45720" rIns="91440" bIns="45720" rtlCol="0" anchor="ctr">
+            <a:normAutofit/>
+          </a:bodyPr>
+          <a:lstStyle>
+            <a:lvl1pPr algn="l" defTabSz="914400" rtl="0" eaLnBrk="1" latinLnBrk="0" hangingPunct="1">
+              <a:lnSpc>
+                <a:spcPct val="90000"/>
+              </a:lnSpc>
+              <a:spcBef>
+                <a:spcPct val="0"/>
+              </a:spcBef>
+              <a:buNone/>
+              <a:defRPr sz="4400" kern="1200">
+                <a:solidFill>
+                  <a:schemeClr val="tx1"/>
+                </a:solidFill>
+                <a:latin typeface="+mj-lt"/>
+                <a:ea typeface="+mj-ea"/>
+                <a:cs typeface="+mj-cs"/>
+              </a:defRPr>
+            </a:lvl1pPr>
+          </a:lstStyle>
+          <a:p>
+            <a:r>
+              <a:rPr lang="es-ES" b="1" dirty="0">
                 <a:ln>
                   <a:solidFill>
                     <a:schemeClr val="bg1"/>
@@ -10417,171 +13161,18 @@
                 <a:solidFill>
                   <a:schemeClr val="bg1"/>
                 </a:solidFill>
-                <a:effectLst/>
+                <a:effectLst>
+                  <a:outerShdw blurRad="38100" dist="38100" dir="2700000" algn="tl">
+                    <a:srgbClr val="000000">
+                      <a:alpha val="43137"/>
+                    </a:srgbClr>
+                  </a:outerShdw>
+                </a:effectLst>
                 <a:latin typeface="Google Sans"/>
               </a:rPr>
-              <a:t>Basé sur la segmentation du comportement et de la valeur</a:t>
-            </a:r>
-          </a:p>
-        </p:txBody>
-      </p:sp>
-      <p:pic>
-        <p:nvPicPr>
-          <p:cNvPr id="20" name="Image 19">
-            <a:extLst>
-              <a:ext uri="{FF2B5EF4-FFF2-40B4-BE49-F238E27FC236}">
-                <a16:creationId xmlns:a16="http://schemas.microsoft.com/office/drawing/2014/main" id="{3B795763-D073-4810-A6E7-E35C58797032}"/>
-              </a:ext>
-            </a:extLst>
-          </p:cNvPr>
-          <p:cNvPicPr>
-            <a:picLocks noChangeAspect="1"/>
-          </p:cNvPicPr>
-          <p:nvPr/>
-        </p:nvPicPr>
-        <p:blipFill>
-          <a:blip r:embed="rId4">
-            <a:duotone>
-              <a:schemeClr val="accent6">
-                <a:shade val="45000"/>
-                <a:satMod val="135000"/>
-              </a:schemeClr>
-              <a:prstClr val="white"/>
-            </a:duotone>
-            <a:extLst>
-              <a:ext uri="{28A0092B-C50C-407E-A947-70E740481C1C}">
-                <a14:useLocalDpi xmlns:a14="http://schemas.microsoft.com/office/drawing/2010/main" val="0"/>
-              </a:ext>
-            </a:extLst>
-          </a:blip>
-          <a:stretch>
-            <a:fillRect/>
-          </a:stretch>
-        </p:blipFill>
-        <p:spPr>
-          <a:xfrm>
-            <a:off x="349647" y="4644949"/>
-            <a:ext cx="457727" cy="427272"/>
-          </a:xfrm>
-          <a:prstGeom prst="rect">
-            <a:avLst/>
-          </a:prstGeom>
-        </p:spPr>
-      </p:pic>
-      <p:sp>
-        <p:nvSpPr>
-          <p:cNvPr id="22" name="ZoneTexte 21">
-            <a:extLst>
-              <a:ext uri="{FF2B5EF4-FFF2-40B4-BE49-F238E27FC236}">
-                <a16:creationId xmlns:a16="http://schemas.microsoft.com/office/drawing/2014/main" id="{D68452BE-730E-48A4-A8E9-FE3EDF328EC5}"/>
-              </a:ext>
-            </a:extLst>
-          </p:cNvPr>
-          <p:cNvSpPr txBox="1"/>
-          <p:nvPr/>
-        </p:nvSpPr>
-        <p:spPr>
-          <a:xfrm>
-            <a:off x="816636" y="4639798"/>
-            <a:ext cx="5779512" cy="1323439"/>
-          </a:xfrm>
-          <a:prstGeom prst="rect">
-            <a:avLst/>
-          </a:prstGeom>
-          <a:noFill/>
-        </p:spPr>
-        <p:txBody>
-          <a:bodyPr wrap="square">
-            <a:spAutoFit/>
-          </a:bodyPr>
-          <a:lstStyle/>
-          <a:p>
-            <a:r>
-              <a:rPr lang="fr-FR" sz="2000" dirty="0">
-                <a:latin typeface="Google Sans"/>
-              </a:rPr>
-              <a:t>Explorez d'autres types de réduction de dimension tels que UMAP, ISOMAP, etc., et aussi d’autres types d’algorithmes de clustering tels que DBSCAN, </a:t>
-            </a:r>
-            <a:r>
-              <a:rPr lang="fr-FR" sz="2000" dirty="0" err="1">
-                <a:latin typeface="Google Sans"/>
-              </a:rPr>
-              <a:t>MiniBatchKMeans</a:t>
-            </a:r>
-            <a:r>
-              <a:rPr lang="fr-FR" sz="2000" dirty="0">
-                <a:latin typeface="Google Sans"/>
-              </a:rPr>
-              <a:t>, etc. </a:t>
-            </a:r>
-            <a:endParaRPr lang="fr-FR" sz="1400" i="1" dirty="0">
-              <a:solidFill>
-                <a:schemeClr val="bg1">
-                  <a:lumMod val="50000"/>
-                </a:schemeClr>
-              </a:solidFill>
-              <a:latin typeface="Google Sans"/>
-            </a:endParaRPr>
-          </a:p>
-        </p:txBody>
-      </p:sp>
-      <p:sp>
-        <p:nvSpPr>
-          <p:cNvPr id="19" name="TextBox 3">
-            <a:extLst>
-              <a:ext uri="{FF2B5EF4-FFF2-40B4-BE49-F238E27FC236}">
-                <a16:creationId xmlns:a16="http://schemas.microsoft.com/office/drawing/2014/main" id="{D6ECA8AA-524D-44CE-8A87-473A589873A0}"/>
-              </a:ext>
-            </a:extLst>
-          </p:cNvPr>
-          <p:cNvSpPr txBox="1"/>
-          <p:nvPr/>
-        </p:nvSpPr>
-        <p:spPr>
-          <a:xfrm>
-            <a:off x="0" y="6475247"/>
-            <a:ext cx="8982635" cy="307777"/>
-          </a:xfrm>
-          <a:prstGeom prst="rect">
-            <a:avLst/>
-          </a:prstGeom>
-          <a:noFill/>
-        </p:spPr>
-        <p:txBody>
-          <a:bodyPr wrap="square" rtlCol="0">
-            <a:spAutoFit/>
-          </a:bodyPr>
-          <a:lstStyle/>
-          <a:p>
-            <a:r>
-              <a:rPr lang="es-CO" sz="1400" dirty="0">
-                <a:ln>
-                  <a:solidFill>
-                    <a:schemeClr val="bg1"/>
-                  </a:solidFill>
-                </a:ln>
-                <a:solidFill>
-                  <a:schemeClr val="bg1"/>
-                </a:solidFill>
-                <a:latin typeface="+mj-lt"/>
-              </a:rPr>
-              <a:t>Project 6 – </a:t>
-            </a:r>
-            <a:r>
-              <a:rPr lang="fr-FR" sz="1400" dirty="0">
-                <a:ln>
-                  <a:solidFill>
-                    <a:schemeClr val="bg1"/>
-                  </a:solidFill>
-                </a:ln>
-                <a:solidFill>
-                  <a:schemeClr val="bg1"/>
-                </a:solidFill>
-                <a:latin typeface="+mj-lt"/>
-              </a:rPr>
-              <a:t>Classification automatique des biens de consommation</a:t>
-            </a:r>
-            <a:endParaRPr lang="en-US" sz="1400" dirty="0">
+              <a:t>6.</a:t>
+            </a:r>
+            <a:endParaRPr lang="es-419" sz="5400" b="1" u="sng" dirty="0">
               <a:ln>
                 <a:solidFill>
                   <a:schemeClr val="bg1"/>
@@ -10590,119 +13181,87 @@
               <a:solidFill>
                 <a:schemeClr val="bg1"/>
               </a:solidFill>
-              <a:latin typeface="+mj-lt"/>
+              <a:effectLst>
+                <a:outerShdw blurRad="38100" dist="38100" dir="2700000" algn="tl">
+                  <a:srgbClr val="000000">
+                    <a:alpha val="43137"/>
+                  </a:srgbClr>
+                </a:outerShdw>
+              </a:effectLst>
+              <a:latin typeface="Google Sans"/>
             </a:endParaRPr>
           </a:p>
         </p:txBody>
       </p:sp>
-      <p:sp>
-        <p:nvSpPr>
-          <p:cNvPr id="2" name="ZoneTexte 1">
-            <a:extLst>
-              <a:ext uri="{FF2B5EF4-FFF2-40B4-BE49-F238E27FC236}">
-                <a16:creationId xmlns:a16="http://schemas.microsoft.com/office/drawing/2014/main" id="{10A238F6-22DD-4D61-993F-2305861F78EF}"/>
-              </a:ext>
-            </a:extLst>
-          </p:cNvPr>
-          <p:cNvSpPr txBox="1"/>
-          <p:nvPr/>
-        </p:nvSpPr>
-        <p:spPr>
-          <a:xfrm rot="19919388">
-            <a:off x="7202495" y="1028159"/>
-            <a:ext cx="3698961" cy="1323439"/>
-          </a:xfrm>
-          <a:prstGeom prst="rect">
+      <p:cxnSp>
+        <p:nvCxnSpPr>
+          <p:cNvPr id="22" name="Straight Connector 21">
+            <a:extLst>
+              <a:ext uri="{FF2B5EF4-FFF2-40B4-BE49-F238E27FC236}">
+                <a16:creationId xmlns:a16="http://schemas.microsoft.com/office/drawing/2014/main" id="{9D772BFA-FD06-4969-8750-173702A2211C}"/>
+              </a:ext>
+            </a:extLst>
+          </p:cNvPr>
+          <p:cNvCxnSpPr/>
+          <p:nvPr/>
+        </p:nvCxnSpPr>
+        <p:spPr>
+          <a:xfrm>
+            <a:off x="5173057" y="6400273"/>
+            <a:ext cx="0" cy="0"/>
+          </a:xfrm>
+          <a:prstGeom prst="line">
+            <a:avLst/>
+          </a:prstGeom>
+        </p:spPr>
+        <p:style>
+          <a:lnRef idx="1">
+            <a:schemeClr val="accent1"/>
+          </a:lnRef>
+          <a:fillRef idx="0">
+            <a:schemeClr val="accent1"/>
+          </a:fillRef>
+          <a:effectRef idx="0">
+            <a:schemeClr val="accent1"/>
+          </a:effectRef>
+          <a:fontRef idx="minor">
+            <a:schemeClr val="tx1"/>
+          </a:fontRef>
+        </p:style>
+      </p:cxnSp>
+      <p:sp>
+        <p:nvSpPr>
+          <p:cNvPr id="23" name="Oval 19">
+            <a:extLst>
+              <a:ext uri="{FF2B5EF4-FFF2-40B4-BE49-F238E27FC236}">
+                <a16:creationId xmlns:a16="http://schemas.microsoft.com/office/drawing/2014/main" id="{5EABDCE4-25F4-4906-B056-83504247FAE5}"/>
+              </a:ext>
+            </a:extLst>
+          </p:cNvPr>
+          <p:cNvSpPr/>
+          <p:nvPr/>
+        </p:nvSpPr>
+        <p:spPr>
+          <a:xfrm>
+            <a:off x="4953000" y="5975263"/>
+            <a:ext cx="283335" cy="283335"/>
+          </a:xfrm>
+          <a:prstGeom prst="ellipse">
             <a:avLst/>
           </a:prstGeom>
           <a:noFill/>
-          <a:ln w="28575">
-            <a:solidFill>
-              <a:srgbClr val="FF0000"/>
-            </a:solidFill>
-            <a:prstDash val="lgDash"/>
-          </a:ln>
-        </p:spPr>
-        <p:txBody>
-          <a:bodyPr wrap="none" rtlCol="0">
-            <a:spAutoFit/>
-          </a:bodyPr>
-          <a:lstStyle/>
-          <a:p>
-            <a:r>
-              <a:rPr lang="es-ES" sz="8000" dirty="0">
-                <a:solidFill>
-                  <a:srgbClr val="FF0000"/>
-                </a:solidFill>
-              </a:rPr>
-              <a:t>REVISAR</a:t>
-            </a:r>
-            <a:endParaRPr lang="fr-FR" sz="8000" dirty="0">
-              <a:solidFill>
-                <a:srgbClr val="FF0000"/>
-              </a:solidFill>
-            </a:endParaRPr>
-          </a:p>
-        </p:txBody>
-      </p:sp>
-    </p:spTree>
-    <p:extLst>
-      <p:ext uri="{BB962C8B-B14F-4D97-AF65-F5344CB8AC3E}">
-        <p14:creationId xmlns:p14="http://schemas.microsoft.com/office/powerpoint/2010/main" val="497631323"/>
-      </p:ext>
-    </p:extLst>
-  </p:cSld>
-  <p:clrMapOvr>
-    <a:masterClrMapping/>
-  </p:clrMapOvr>
-</p:sld>
-</file>
-
-<file path=ppt/slides/slide15.xml><?xml version="1.0" encoding="utf-8"?>
-<p:sld xmlns:a="http://schemas.openxmlformats.org/drawingml/2006/main" xmlns:r="http://schemas.openxmlformats.org/officeDocument/2006/relationships" xmlns:p="http://schemas.openxmlformats.org/presentationml/2006/main">
-  <p:cSld>
-    <p:spTree>
-      <p:nvGrpSpPr>
-        <p:cNvPr id="1" name=""/>
-        <p:cNvGrpSpPr/>
-        <p:nvPr/>
-      </p:nvGrpSpPr>
-      <p:grpSpPr>
-        <a:xfrm>
-          <a:off x="0" y="0"/>
-          <a:ext cx="0" cy="0"/>
-          <a:chOff x="0" y="0"/>
-          <a:chExt cx="0" cy="0"/>
-        </a:xfrm>
-      </p:grpSpPr>
-      <p:sp>
-        <p:nvSpPr>
-          <p:cNvPr id="5" name="Rectangle 4">
-            <a:extLst>
-              <a:ext uri="{FF2B5EF4-FFF2-40B4-BE49-F238E27FC236}">
-                <a16:creationId xmlns:a16="http://schemas.microsoft.com/office/drawing/2014/main" id="{A00233D2-38CE-441F-90C9-32F91999758A}"/>
-              </a:ext>
-            </a:extLst>
-          </p:cNvPr>
-          <p:cNvSpPr/>
-          <p:nvPr/>
-        </p:nvSpPr>
-        <p:spPr>
-          <a:xfrm>
-            <a:off x="0" y="6400273"/>
-            <a:ext cx="12192000" cy="457727"/>
-          </a:xfrm>
-          <a:prstGeom prst="rect">
-            <a:avLst/>
-          </a:prstGeom>
-          <a:solidFill>
-            <a:srgbClr val="7451EB"/>
-          </a:solidFill>
           <a:ln>
             <a:solidFill>
-              <a:srgbClr val="7451EB"/>
+              <a:schemeClr val="bg1"/>
             </a:solidFill>
           </a:ln>
+          <a:effectLst>
+            <a:outerShdw blurRad="50800" dist="38100" dir="2700000" algn="tl" rotWithShape="0">
+              <a:prstClr val="black">
+                <a:alpha val="40000"/>
+              </a:prstClr>
+            </a:outerShdw>
+          </a:effectLst>
         </p:spPr>
         <p:style>
           <a:lnRef idx="2">
@@ -10725,176 +13284,43 @@
           <a:lstStyle/>
           <a:p>
             <a:pPr algn="ctr"/>
-            <a:endParaRPr lang="en-US" dirty="0"/>
-          </a:p>
-        </p:txBody>
-      </p:sp>
-      <p:sp>
-        <p:nvSpPr>
-          <p:cNvPr id="15" name="TextBox 3">
-            <a:extLst>
-              <a:ext uri="{FF2B5EF4-FFF2-40B4-BE49-F238E27FC236}">
-                <a16:creationId xmlns:a16="http://schemas.microsoft.com/office/drawing/2014/main" id="{47FC2DCC-BDE9-485D-AF79-4177B5479110}"/>
-              </a:ext>
-            </a:extLst>
-          </p:cNvPr>
-          <p:cNvSpPr txBox="1"/>
-          <p:nvPr/>
-        </p:nvSpPr>
-        <p:spPr>
-          <a:xfrm>
-            <a:off x="10543592" y="6475247"/>
-            <a:ext cx="1648408" cy="307777"/>
-          </a:xfrm>
-          <a:prstGeom prst="rect">
+            <a:endParaRPr lang="en-US"/>
+          </a:p>
+        </p:txBody>
+      </p:sp>
+      <p:sp>
+        <p:nvSpPr>
+          <p:cNvPr id="24" name="Oval 20">
+            <a:extLst>
+              <a:ext uri="{FF2B5EF4-FFF2-40B4-BE49-F238E27FC236}">
+                <a16:creationId xmlns:a16="http://schemas.microsoft.com/office/drawing/2014/main" id="{512C0315-9795-4E2C-9006-13FC246DB519}"/>
+              </a:ext>
+            </a:extLst>
+          </p:cNvPr>
+          <p:cNvSpPr/>
+          <p:nvPr/>
+        </p:nvSpPr>
+        <p:spPr>
+          <a:xfrm>
+            <a:off x="5620555" y="5975262"/>
+            <a:ext cx="283335" cy="283335"/>
+          </a:xfrm>
+          <a:prstGeom prst="ellipse">
             <a:avLst/>
           </a:prstGeom>
           <a:noFill/>
-        </p:spPr>
-        <p:txBody>
-          <a:bodyPr wrap="square" rtlCol="0">
-            <a:spAutoFit/>
-          </a:bodyPr>
-          <a:lstStyle/>
-          <a:p>
-            <a:pPr algn="r"/>
-            <a:r>
-              <a:rPr lang="es-CO" sz="1400" b="1" i="1" dirty="0" err="1">
-                <a:ln>
-                  <a:solidFill>
-                    <a:schemeClr val="bg1"/>
-                  </a:solidFill>
-                </a:ln>
-                <a:solidFill>
-                  <a:schemeClr val="bg1"/>
-                </a:solidFill>
-                <a:latin typeface="+mj-lt"/>
-              </a:rPr>
-              <a:t>OpenClassrooms</a:t>
-            </a:r>
-            <a:endParaRPr lang="en-US" sz="1400" b="1" i="1" dirty="0">
-              <a:ln>
-                <a:solidFill>
-                  <a:schemeClr val="bg1"/>
-                </a:solidFill>
-              </a:ln>
-              <a:solidFill>
-                <a:schemeClr val="bg1"/>
-              </a:solidFill>
-              <a:latin typeface="+mj-lt"/>
-            </a:endParaRPr>
-          </a:p>
-        </p:txBody>
-      </p:sp>
-      <p:sp>
-        <p:nvSpPr>
-          <p:cNvPr id="10" name="Titre 1">
-            <a:extLst>
-              <a:ext uri="{FF2B5EF4-FFF2-40B4-BE49-F238E27FC236}">
-                <a16:creationId xmlns:a16="http://schemas.microsoft.com/office/drawing/2014/main" id="{224E5C7D-3656-459F-9C01-61200508167F}"/>
-              </a:ext>
-            </a:extLst>
-          </p:cNvPr>
-          <p:cNvSpPr txBox="1">
-            <a:spLocks/>
-          </p:cNvSpPr>
-          <p:nvPr/>
-        </p:nvSpPr>
-        <p:spPr>
-          <a:xfrm>
-            <a:off x="279916" y="432794"/>
-            <a:ext cx="11112333" cy="820048"/>
-          </a:xfrm>
-          <a:prstGeom prst="rect">
-            <a:avLst/>
-          </a:prstGeom>
-        </p:spPr>
-        <p:txBody>
-          <a:bodyPr vert="horz" lIns="91440" tIns="45720" rIns="91440" bIns="45720" rtlCol="0" anchor="ctr">
-            <a:noAutofit/>
-          </a:bodyPr>
-          <a:lstStyle>
-            <a:lvl1pPr algn="l" defTabSz="914400" rtl="0" eaLnBrk="1" latinLnBrk="0" hangingPunct="1">
-              <a:lnSpc>
-                <a:spcPct val="90000"/>
-              </a:lnSpc>
-              <a:spcBef>
-                <a:spcPct val="0"/>
-              </a:spcBef>
-              <a:buNone/>
-              <a:defRPr sz="4400" kern="1200">
-                <a:solidFill>
-                  <a:schemeClr val="tx1"/>
-                </a:solidFill>
-                <a:latin typeface="+mj-lt"/>
-                <a:ea typeface="+mj-ea"/>
-                <a:cs typeface="+mj-cs"/>
-              </a:defRPr>
-            </a:lvl1pPr>
-          </a:lstStyle>
-          <a:p>
-            <a:r>
-              <a:rPr lang="fr-FR" sz="4000" b="1" dirty="0">
-                <a:ln>
-                  <a:solidFill>
-                    <a:srgbClr val="7451EB"/>
-                  </a:solidFill>
-                </a:ln>
-                <a:solidFill>
-                  <a:srgbClr val="7451EB"/>
-                </a:solidFill>
-                <a:latin typeface="Google Sans"/>
-              </a:rPr>
-              <a:t>Avez-vous des questions ?</a:t>
-            </a:r>
-            <a:endParaRPr lang="es-419" sz="4000" b="1" u="sng" dirty="0">
-              <a:ln>
-                <a:solidFill>
-                  <a:srgbClr val="7451EB"/>
-                </a:solidFill>
-              </a:ln>
-              <a:solidFill>
-                <a:srgbClr val="7451EB"/>
-              </a:solidFill>
-              <a:effectLst>
-                <a:outerShdw blurRad="38100" dist="38100" dir="2700000" algn="tl">
-                  <a:srgbClr val="000000">
-                    <a:alpha val="43137"/>
-                  </a:srgbClr>
-                </a:outerShdw>
-              </a:effectLst>
-            </a:endParaRPr>
-          </a:p>
-        </p:txBody>
-      </p:sp>
-      <p:sp>
-        <p:nvSpPr>
-          <p:cNvPr id="11" name="Rectángulo 4">
-            <a:extLst>
-              <a:ext uri="{FF2B5EF4-FFF2-40B4-BE49-F238E27FC236}">
-                <a16:creationId xmlns:a16="http://schemas.microsoft.com/office/drawing/2014/main" id="{B84F0FDC-2C73-4C87-9CC7-F9F129B3A699}"/>
-              </a:ext>
-            </a:extLst>
-          </p:cNvPr>
-          <p:cNvSpPr/>
-          <p:nvPr/>
-        </p:nvSpPr>
-        <p:spPr>
-          <a:xfrm>
-            <a:off x="377906" y="378794"/>
-            <a:ext cx="366721" cy="54000"/>
-          </a:xfrm>
-          <a:prstGeom prst="rect">
-            <a:avLst/>
-          </a:prstGeom>
-          <a:solidFill>
-            <a:srgbClr val="7451EB"/>
-          </a:solidFill>
           <a:ln>
             <a:solidFill>
-              <a:srgbClr val="7451EB"/>
+              <a:schemeClr val="bg1"/>
             </a:solidFill>
           </a:ln>
+          <a:effectLst>
+            <a:outerShdw blurRad="50800" dist="38100" dir="2700000" algn="tl" rotWithShape="0">
+              <a:prstClr val="black">
+                <a:alpha val="40000"/>
+              </a:prstClr>
+            </a:outerShdw>
+          </a:effectLst>
         </p:spPr>
         <p:style>
           <a:lnRef idx="2">
@@ -10917,61 +13343,468 @@
           <a:lstStyle/>
           <a:p>
             <a:pPr algn="ctr"/>
-            <a:endParaRPr lang="es-AR">
-              <a:ln>
-                <a:solidFill>
-                  <a:srgbClr val="7451EB"/>
-                </a:solidFill>
-              </a:ln>
-              <a:solidFill>
-                <a:srgbClr val="7451EB"/>
-              </a:solidFill>
-            </a:endParaRPr>
-          </a:p>
-        </p:txBody>
-      </p:sp>
-      <p:pic>
-        <p:nvPicPr>
-          <p:cNvPr id="17" name="Image 16">
-            <a:extLst>
-              <a:ext uri="{FF2B5EF4-FFF2-40B4-BE49-F238E27FC236}">
-                <a16:creationId xmlns:a16="http://schemas.microsoft.com/office/drawing/2014/main" id="{0C190DD1-771B-47D2-995B-97EE291D94F0}"/>
-              </a:ext>
-            </a:extLst>
-          </p:cNvPr>
-          <p:cNvPicPr>
-            <a:picLocks noChangeAspect="1"/>
-          </p:cNvPicPr>
-          <p:nvPr/>
-        </p:nvPicPr>
-        <p:blipFill>
-          <a:blip r:embed="rId3">
-            <a:extLst>
-              <a:ext uri="{28A0092B-C50C-407E-A947-70E740481C1C}">
-                <a14:useLocalDpi xmlns:a14="http://schemas.microsoft.com/office/drawing/2010/main" val="0"/>
-              </a:ext>
-            </a:extLst>
-          </a:blip>
-          <a:stretch>
-            <a:fillRect/>
-          </a:stretch>
-        </p:blipFill>
-        <p:spPr>
-          <a:xfrm>
-            <a:off x="2909481" y="1447892"/>
-            <a:ext cx="6373038" cy="4412022"/>
-          </a:xfrm>
-          <a:prstGeom prst="rect">
-            <a:avLst/>
-          </a:prstGeom>
-        </p:spPr>
-      </p:pic>
-      <p:sp>
-        <p:nvSpPr>
-          <p:cNvPr id="8" name="TextBox 3">
-            <a:extLst>
-              <a:ext uri="{FF2B5EF4-FFF2-40B4-BE49-F238E27FC236}">
-                <a16:creationId xmlns:a16="http://schemas.microsoft.com/office/drawing/2014/main" id="{0AFF44D2-3358-41B3-A92A-E7F6B210DA94}"/>
+            <a:endParaRPr lang="en-US"/>
+          </a:p>
+        </p:txBody>
+      </p:sp>
+      <p:cxnSp>
+        <p:nvCxnSpPr>
+          <p:cNvPr id="25" name="Straight Connector 22">
+            <a:extLst>
+              <a:ext uri="{FF2B5EF4-FFF2-40B4-BE49-F238E27FC236}">
+                <a16:creationId xmlns:a16="http://schemas.microsoft.com/office/drawing/2014/main" id="{42E1430E-A5D8-48A3-A23B-DA8F964B8073}"/>
+              </a:ext>
+            </a:extLst>
+          </p:cNvPr>
+          <p:cNvCxnSpPr>
+            <a:stCxn id="23" idx="6"/>
+            <a:endCxn id="24" idx="2"/>
+          </p:cNvCxnSpPr>
+          <p:nvPr/>
+        </p:nvCxnSpPr>
+        <p:spPr>
+          <a:xfrm flipV="1">
+            <a:off x="5236335" y="6116929"/>
+            <a:ext cx="384220" cy="0"/>
+          </a:xfrm>
+          <a:prstGeom prst="line">
+            <a:avLst/>
+          </a:prstGeom>
+          <a:ln>
+            <a:solidFill>
+              <a:schemeClr val="bg1"/>
+            </a:solidFill>
+          </a:ln>
+        </p:spPr>
+        <p:style>
+          <a:lnRef idx="2">
+            <a:schemeClr val="dk1"/>
+          </a:lnRef>
+          <a:fillRef idx="0">
+            <a:schemeClr val="dk1"/>
+          </a:fillRef>
+          <a:effectRef idx="1">
+            <a:schemeClr val="dk1"/>
+          </a:effectRef>
+          <a:fontRef idx="minor">
+            <a:schemeClr val="tx1"/>
+          </a:fontRef>
+        </p:style>
+      </p:cxnSp>
+      <p:sp>
+        <p:nvSpPr>
+          <p:cNvPr id="26" name="Oval 23">
+            <a:extLst>
+              <a:ext uri="{FF2B5EF4-FFF2-40B4-BE49-F238E27FC236}">
+                <a16:creationId xmlns:a16="http://schemas.microsoft.com/office/drawing/2014/main" id="{60F09E99-5A1C-452D-9F4E-F52D1B038539}"/>
+              </a:ext>
+            </a:extLst>
+          </p:cNvPr>
+          <p:cNvSpPr/>
+          <p:nvPr/>
+        </p:nvSpPr>
+        <p:spPr>
+          <a:xfrm>
+            <a:off x="6288110" y="5975261"/>
+            <a:ext cx="283335" cy="283335"/>
+          </a:xfrm>
+          <a:prstGeom prst="ellipse">
+            <a:avLst/>
+          </a:prstGeom>
+          <a:noFill/>
+          <a:ln>
+            <a:solidFill>
+              <a:schemeClr val="bg1"/>
+            </a:solidFill>
+          </a:ln>
+          <a:effectLst>
+            <a:outerShdw blurRad="50800" dist="38100" dir="2700000" algn="tl" rotWithShape="0">
+              <a:prstClr val="black">
+                <a:alpha val="40000"/>
+              </a:prstClr>
+            </a:outerShdw>
+          </a:effectLst>
+        </p:spPr>
+        <p:style>
+          <a:lnRef idx="2">
+            <a:schemeClr val="accent1">
+              <a:shade val="50000"/>
+            </a:schemeClr>
+          </a:lnRef>
+          <a:fillRef idx="1">
+            <a:schemeClr val="accent1"/>
+          </a:fillRef>
+          <a:effectRef idx="0">
+            <a:schemeClr val="accent1"/>
+          </a:effectRef>
+          <a:fontRef idx="minor">
+            <a:schemeClr val="lt1"/>
+          </a:fontRef>
+        </p:style>
+        <p:txBody>
+          <a:bodyPr rtlCol="0" anchor="ctr"/>
+          <a:lstStyle/>
+          <a:p>
+            <a:pPr algn="ctr"/>
+            <a:endParaRPr lang="en-US" dirty="0"/>
+          </a:p>
+        </p:txBody>
+      </p:sp>
+      <p:cxnSp>
+        <p:nvCxnSpPr>
+          <p:cNvPr id="27" name="Straight Connector 24">
+            <a:extLst>
+              <a:ext uri="{FF2B5EF4-FFF2-40B4-BE49-F238E27FC236}">
+                <a16:creationId xmlns:a16="http://schemas.microsoft.com/office/drawing/2014/main" id="{19DFCA57-5B97-470B-82CB-98D8255F61CD}"/>
+              </a:ext>
+            </a:extLst>
+          </p:cNvPr>
+          <p:cNvCxnSpPr>
+            <a:endCxn id="26" idx="2"/>
+          </p:cNvCxnSpPr>
+          <p:nvPr/>
+        </p:nvCxnSpPr>
+        <p:spPr>
+          <a:xfrm flipV="1">
+            <a:off x="5903890" y="6116928"/>
+            <a:ext cx="384220" cy="0"/>
+          </a:xfrm>
+          <a:prstGeom prst="line">
+            <a:avLst/>
+          </a:prstGeom>
+          <a:ln>
+            <a:solidFill>
+              <a:schemeClr val="bg1"/>
+            </a:solidFill>
+          </a:ln>
+        </p:spPr>
+        <p:style>
+          <a:lnRef idx="2">
+            <a:schemeClr val="dk1"/>
+          </a:lnRef>
+          <a:fillRef idx="0">
+            <a:schemeClr val="dk1"/>
+          </a:fillRef>
+          <a:effectRef idx="1">
+            <a:schemeClr val="dk1"/>
+          </a:effectRef>
+          <a:fontRef idx="minor">
+            <a:schemeClr val="tx1"/>
+          </a:fontRef>
+        </p:style>
+      </p:cxnSp>
+      <p:sp>
+        <p:nvSpPr>
+          <p:cNvPr id="28" name="Oval 11">
+            <a:extLst>
+              <a:ext uri="{FF2B5EF4-FFF2-40B4-BE49-F238E27FC236}">
+                <a16:creationId xmlns:a16="http://schemas.microsoft.com/office/drawing/2014/main" id="{180292A4-ADAF-4FE2-B3E3-3C27F7E87B72}"/>
+              </a:ext>
+            </a:extLst>
+          </p:cNvPr>
+          <p:cNvSpPr/>
+          <p:nvPr/>
+        </p:nvSpPr>
+        <p:spPr>
+          <a:xfrm>
+            <a:off x="4285445" y="5985995"/>
+            <a:ext cx="283335" cy="283335"/>
+          </a:xfrm>
+          <a:prstGeom prst="ellipse">
+            <a:avLst/>
+          </a:prstGeom>
+          <a:noFill/>
+          <a:ln>
+            <a:solidFill>
+              <a:schemeClr val="bg1"/>
+            </a:solidFill>
+          </a:ln>
+          <a:effectLst>
+            <a:outerShdw blurRad="50800" dist="38100" dir="2700000" algn="tl" rotWithShape="0">
+              <a:prstClr val="black">
+                <a:alpha val="40000"/>
+              </a:prstClr>
+            </a:outerShdw>
+          </a:effectLst>
+        </p:spPr>
+        <p:style>
+          <a:lnRef idx="2">
+            <a:schemeClr val="accent1">
+              <a:shade val="50000"/>
+            </a:schemeClr>
+          </a:lnRef>
+          <a:fillRef idx="1">
+            <a:schemeClr val="accent1"/>
+          </a:fillRef>
+          <a:effectRef idx="0">
+            <a:schemeClr val="accent1"/>
+          </a:effectRef>
+          <a:fontRef idx="minor">
+            <a:schemeClr val="lt1"/>
+          </a:fontRef>
+        </p:style>
+        <p:txBody>
+          <a:bodyPr rtlCol="0" anchor="ctr"/>
+          <a:lstStyle/>
+          <a:p>
+            <a:pPr algn="ctr"/>
+            <a:endParaRPr lang="en-US"/>
+          </a:p>
+        </p:txBody>
+      </p:sp>
+      <p:cxnSp>
+        <p:nvCxnSpPr>
+          <p:cNvPr id="29" name="Straight Connector 16">
+            <a:extLst>
+              <a:ext uri="{FF2B5EF4-FFF2-40B4-BE49-F238E27FC236}">
+                <a16:creationId xmlns:a16="http://schemas.microsoft.com/office/drawing/2014/main" id="{80D2EAF9-5043-4959-9A04-D1F76931EAFE}"/>
+              </a:ext>
+            </a:extLst>
+          </p:cNvPr>
+          <p:cNvCxnSpPr/>
+          <p:nvPr/>
+        </p:nvCxnSpPr>
+        <p:spPr>
+          <a:xfrm flipV="1">
+            <a:off x="4568780" y="6127662"/>
+            <a:ext cx="384220" cy="0"/>
+          </a:xfrm>
+          <a:prstGeom prst="line">
+            <a:avLst/>
+          </a:prstGeom>
+          <a:ln>
+            <a:solidFill>
+              <a:schemeClr val="bg1"/>
+            </a:solidFill>
+          </a:ln>
+        </p:spPr>
+        <p:style>
+          <a:lnRef idx="2">
+            <a:schemeClr val="dk1"/>
+          </a:lnRef>
+          <a:fillRef idx="0">
+            <a:schemeClr val="dk1"/>
+          </a:fillRef>
+          <a:effectRef idx="1">
+            <a:schemeClr val="dk1"/>
+          </a:effectRef>
+          <a:fontRef idx="minor">
+            <a:schemeClr val="tx1"/>
+          </a:fontRef>
+        </p:style>
+      </p:cxnSp>
+      <p:sp>
+        <p:nvSpPr>
+          <p:cNvPr id="30" name="Oval 23">
+            <a:extLst>
+              <a:ext uri="{FF2B5EF4-FFF2-40B4-BE49-F238E27FC236}">
+                <a16:creationId xmlns:a16="http://schemas.microsoft.com/office/drawing/2014/main" id="{99D0252E-38E4-46D4-82EE-DD155EF1C2EF}"/>
+              </a:ext>
+            </a:extLst>
+          </p:cNvPr>
+          <p:cNvSpPr/>
+          <p:nvPr/>
+        </p:nvSpPr>
+        <p:spPr>
+          <a:xfrm>
+            <a:off x="6955665" y="5994398"/>
+            <a:ext cx="283335" cy="283335"/>
+          </a:xfrm>
+          <a:prstGeom prst="ellipse">
+            <a:avLst/>
+          </a:prstGeom>
+          <a:noFill/>
+          <a:ln>
+            <a:solidFill>
+              <a:schemeClr val="bg1"/>
+            </a:solidFill>
+          </a:ln>
+          <a:effectLst>
+            <a:outerShdw blurRad="50800" dist="38100" dir="2700000" algn="tl" rotWithShape="0">
+              <a:prstClr val="black">
+                <a:alpha val="40000"/>
+              </a:prstClr>
+            </a:outerShdw>
+          </a:effectLst>
+        </p:spPr>
+        <p:style>
+          <a:lnRef idx="2">
+            <a:schemeClr val="accent1">
+              <a:shade val="50000"/>
+            </a:schemeClr>
+          </a:lnRef>
+          <a:fillRef idx="1">
+            <a:schemeClr val="accent1"/>
+          </a:fillRef>
+          <a:effectRef idx="0">
+            <a:schemeClr val="accent1"/>
+          </a:effectRef>
+          <a:fontRef idx="minor">
+            <a:schemeClr val="lt1"/>
+          </a:fontRef>
+        </p:style>
+        <p:txBody>
+          <a:bodyPr rtlCol="0" anchor="ctr"/>
+          <a:lstStyle/>
+          <a:p>
+            <a:pPr algn="ctr"/>
+            <a:endParaRPr lang="en-US"/>
+          </a:p>
+        </p:txBody>
+      </p:sp>
+      <p:cxnSp>
+        <p:nvCxnSpPr>
+          <p:cNvPr id="31" name="Straight Connector 24">
+            <a:extLst>
+              <a:ext uri="{FF2B5EF4-FFF2-40B4-BE49-F238E27FC236}">
+                <a16:creationId xmlns:a16="http://schemas.microsoft.com/office/drawing/2014/main" id="{5C219C4F-F054-4ABC-A8EE-01F61A8D68F2}"/>
+              </a:ext>
+            </a:extLst>
+          </p:cNvPr>
+          <p:cNvCxnSpPr>
+            <a:endCxn id="30" idx="2"/>
+          </p:cNvCxnSpPr>
+          <p:nvPr/>
+        </p:nvCxnSpPr>
+        <p:spPr>
+          <a:xfrm flipV="1">
+            <a:off x="6571445" y="6136065"/>
+            <a:ext cx="384220" cy="0"/>
+          </a:xfrm>
+          <a:prstGeom prst="line">
+            <a:avLst/>
+          </a:prstGeom>
+          <a:ln>
+            <a:solidFill>
+              <a:schemeClr val="bg1"/>
+            </a:solidFill>
+          </a:ln>
+        </p:spPr>
+        <p:style>
+          <a:lnRef idx="2">
+            <a:schemeClr val="dk1"/>
+          </a:lnRef>
+          <a:fillRef idx="0">
+            <a:schemeClr val="dk1"/>
+          </a:fillRef>
+          <a:effectRef idx="1">
+            <a:schemeClr val="dk1"/>
+          </a:effectRef>
+          <a:fontRef idx="minor">
+            <a:schemeClr val="tx1"/>
+          </a:fontRef>
+        </p:style>
+      </p:cxnSp>
+      <p:sp>
+        <p:nvSpPr>
+          <p:cNvPr id="32" name="Oval 23">
+            <a:extLst>
+              <a:ext uri="{FF2B5EF4-FFF2-40B4-BE49-F238E27FC236}">
+                <a16:creationId xmlns:a16="http://schemas.microsoft.com/office/drawing/2014/main" id="{9E1C98B6-C4D3-49BC-A06C-5C19A6D9A88E}"/>
+              </a:ext>
+            </a:extLst>
+          </p:cNvPr>
+          <p:cNvSpPr/>
+          <p:nvPr/>
+        </p:nvSpPr>
+        <p:spPr>
+          <a:xfrm>
+            <a:off x="7623220" y="5989665"/>
+            <a:ext cx="283335" cy="283335"/>
+          </a:xfrm>
+          <a:prstGeom prst="ellipse">
+            <a:avLst/>
+          </a:prstGeom>
+          <a:solidFill>
+            <a:srgbClr val="FFFFFF"/>
+          </a:solidFill>
+          <a:ln>
+            <a:solidFill>
+              <a:schemeClr val="bg1"/>
+            </a:solidFill>
+          </a:ln>
+          <a:effectLst>
+            <a:outerShdw blurRad="50800" dist="38100" dir="2700000" algn="tl" rotWithShape="0">
+              <a:prstClr val="black">
+                <a:alpha val="40000"/>
+              </a:prstClr>
+            </a:outerShdw>
+          </a:effectLst>
+        </p:spPr>
+        <p:style>
+          <a:lnRef idx="2">
+            <a:schemeClr val="accent1">
+              <a:shade val="50000"/>
+            </a:schemeClr>
+          </a:lnRef>
+          <a:fillRef idx="1">
+            <a:schemeClr val="accent1"/>
+          </a:fillRef>
+          <a:effectRef idx="0">
+            <a:schemeClr val="accent1"/>
+          </a:effectRef>
+          <a:fontRef idx="minor">
+            <a:schemeClr val="lt1"/>
+          </a:fontRef>
+        </p:style>
+        <p:txBody>
+          <a:bodyPr rtlCol="0" anchor="ctr"/>
+          <a:lstStyle/>
+          <a:p>
+            <a:pPr algn="ctr"/>
+            <a:endParaRPr lang="en-US"/>
+          </a:p>
+        </p:txBody>
+      </p:sp>
+      <p:cxnSp>
+        <p:nvCxnSpPr>
+          <p:cNvPr id="33" name="Straight Connector 24">
+            <a:extLst>
+              <a:ext uri="{FF2B5EF4-FFF2-40B4-BE49-F238E27FC236}">
+                <a16:creationId xmlns:a16="http://schemas.microsoft.com/office/drawing/2014/main" id="{4D6277CC-0437-4E68-830E-F02BE018C427}"/>
+              </a:ext>
+            </a:extLst>
+          </p:cNvPr>
+          <p:cNvCxnSpPr>
+            <a:endCxn id="32" idx="2"/>
+          </p:cNvCxnSpPr>
+          <p:nvPr/>
+        </p:nvCxnSpPr>
+        <p:spPr>
+          <a:xfrm flipV="1">
+            <a:off x="7239000" y="6131332"/>
+            <a:ext cx="384220" cy="0"/>
+          </a:xfrm>
+          <a:prstGeom prst="line">
+            <a:avLst/>
+          </a:prstGeom>
+          <a:ln>
+            <a:solidFill>
+              <a:schemeClr val="bg1"/>
+            </a:solidFill>
+          </a:ln>
+        </p:spPr>
+        <p:style>
+          <a:lnRef idx="2">
+            <a:schemeClr val="dk1"/>
+          </a:lnRef>
+          <a:fillRef idx="0">
+            <a:schemeClr val="dk1"/>
+          </a:fillRef>
+          <a:effectRef idx="1">
+            <a:schemeClr val="dk1"/>
+          </a:effectRef>
+          <a:fontRef idx="minor">
+            <a:schemeClr val="tx1"/>
+          </a:fontRef>
+        </p:style>
+      </p:cxnSp>
+      <p:sp>
+        <p:nvSpPr>
+          <p:cNvPr id="20" name="TextBox 3">
+            <a:extLst>
+              <a:ext uri="{FF2B5EF4-FFF2-40B4-BE49-F238E27FC236}">
+                <a16:creationId xmlns:a16="http://schemas.microsoft.com/office/drawing/2014/main" id="{F8DF3F0C-1A91-4934-AC35-7EA174396FA6}"/>
               </a:ext>
             </a:extLst>
           </p:cNvPr>
@@ -10981,7 +13814,7 @@
         <p:spPr>
           <a:xfrm>
             <a:off x="0" y="6475247"/>
-            <a:ext cx="8982635" cy="307777"/>
+            <a:ext cx="6096000" cy="307777"/>
           </a:xfrm>
           <a:prstGeom prst="rect">
             <a:avLst/>
@@ -10995,51 +13828,26 @@
           <a:lstStyle/>
           <a:p>
             <a:r>
-              <a:rPr lang="es-CO" sz="1400" dirty="0">
-                <a:ln>
-                  <a:solidFill>
-                    <a:schemeClr val="bg1"/>
-                  </a:solidFill>
-                </a:ln>
-                <a:solidFill>
-                  <a:schemeClr val="bg1"/>
-                </a:solidFill>
-                <a:latin typeface="+mj-lt"/>
-              </a:rPr>
-              <a:t>Project 6 – </a:t>
-            </a:r>
-            <a:r>
               <a:rPr lang="fr-FR" sz="1400" dirty="0">
                 <a:ln>
                   <a:solidFill>
-                    <a:schemeClr val="bg1"/>
+                    <a:srgbClr val="7451EB"/>
                   </a:solidFill>
                 </a:ln>
                 <a:solidFill>
-                  <a:schemeClr val="bg1"/>
-                </a:solidFill>
-                <a:latin typeface="+mj-lt"/>
+                  <a:srgbClr val="7451EB"/>
+                </a:solidFill>
+                <a:latin typeface="Calibri Light (En-têtes)"/>
               </a:rPr>
-              <a:t>Classification automatique des biens de consommation</a:t>
-            </a:r>
-            <a:endParaRPr lang="en-US" sz="1400" dirty="0">
-              <a:ln>
-                <a:solidFill>
-                  <a:schemeClr val="bg1"/>
-                </a:solidFill>
-              </a:ln>
-              <a:solidFill>
-                <a:schemeClr val="bg1"/>
-              </a:solidFill>
-              <a:latin typeface="+mj-lt"/>
-            </a:endParaRPr>
+              <a:t>Project 6 – Classification automatique des biens de consommation</a:t>
+            </a:r>
           </a:p>
         </p:txBody>
       </p:sp>
     </p:spTree>
     <p:extLst>
       <p:ext uri="{BB962C8B-B14F-4D97-AF65-F5344CB8AC3E}">
-        <p14:creationId xmlns:p14="http://schemas.microsoft.com/office/powerpoint/2010/main" val="432935334"/>
+        <p14:creationId xmlns:p14="http://schemas.microsoft.com/office/powerpoint/2010/main" val="714227470"/>
       </p:ext>
     </p:extLst>
   </p:cSld>
@@ -11066,12 +13874,42 @@
           <a:chExt cx="0" cy="0"/>
         </a:xfrm>
       </p:grpSpPr>
-      <p:sp>
-        <p:nvSpPr>
-          <p:cNvPr id="10" name="Rectángulo 1">
-            <a:extLst>
-              <a:ext uri="{FF2B5EF4-FFF2-40B4-BE49-F238E27FC236}">
-                <a16:creationId xmlns:a16="http://schemas.microsoft.com/office/drawing/2014/main" id="{EC6BC2CE-B281-4F18-889E-16BEFF6CC2C6}"/>
+      <p:pic>
+        <p:nvPicPr>
+          <p:cNvPr id="3" name="Image 2">
+            <a:extLst>
+              <a:ext uri="{FF2B5EF4-FFF2-40B4-BE49-F238E27FC236}">
+                <a16:creationId xmlns:a16="http://schemas.microsoft.com/office/drawing/2014/main" id="{B08E4FDB-B292-445C-B63F-7C9A04FFFB31}"/>
+              </a:ext>
+            </a:extLst>
+          </p:cNvPr>
+          <p:cNvPicPr>
+            <a:picLocks noChangeAspect="1"/>
+          </p:cNvPicPr>
+          <p:nvPr/>
+        </p:nvPicPr>
+        <p:blipFill>
+          <a:blip r:embed="rId3"/>
+          <a:stretch>
+            <a:fillRect/>
+          </a:stretch>
+        </p:blipFill>
+        <p:spPr>
+          <a:xfrm>
+            <a:off x="6596147" y="2789595"/>
+            <a:ext cx="5246206" cy="2326529"/>
+          </a:xfrm>
+          <a:prstGeom prst="rect">
+            <a:avLst/>
+          </a:prstGeom>
+        </p:spPr>
+      </p:pic>
+      <p:sp>
+        <p:nvSpPr>
+          <p:cNvPr id="5" name="Rectangle 4">
+            <a:extLst>
+              <a:ext uri="{FF2B5EF4-FFF2-40B4-BE49-F238E27FC236}">
+                <a16:creationId xmlns:a16="http://schemas.microsoft.com/office/drawing/2014/main" id="{A00233D2-38CE-441F-90C9-32F91999758A}"/>
               </a:ext>
             </a:extLst>
           </p:cNvPr>
@@ -11080,8 +13918,8 @@
         </p:nvSpPr>
         <p:spPr>
           <a:xfrm>
-            <a:off x="-72007" y="0"/>
-            <a:ext cx="7296540" cy="6858000"/>
+            <a:off x="0" y="6400273"/>
+            <a:ext cx="12192000" cy="457727"/>
           </a:xfrm>
           <a:prstGeom prst="rect">
             <a:avLst/>
@@ -11116,16 +13954,73 @@
           <a:lstStyle/>
           <a:p>
             <a:pPr algn="ctr"/>
-            <a:endParaRPr lang="es-AR"/>
-          </a:p>
-        </p:txBody>
-      </p:sp>
-      <p:sp>
-        <p:nvSpPr>
-          <p:cNvPr id="36" name="Rectángulo 4">
-            <a:extLst>
-              <a:ext uri="{FF2B5EF4-FFF2-40B4-BE49-F238E27FC236}">
-                <a16:creationId xmlns:a16="http://schemas.microsoft.com/office/drawing/2014/main" id="{3D7BED2F-80EC-4813-AFFE-DF338008BEBB}"/>
+            <a:endParaRPr lang="en-US" dirty="0"/>
+          </a:p>
+        </p:txBody>
+      </p:sp>
+      <p:sp>
+        <p:nvSpPr>
+          <p:cNvPr id="15" name="TextBox 3">
+            <a:extLst>
+              <a:ext uri="{FF2B5EF4-FFF2-40B4-BE49-F238E27FC236}">
+                <a16:creationId xmlns:a16="http://schemas.microsoft.com/office/drawing/2014/main" id="{47FC2DCC-BDE9-485D-AF79-4177B5479110}"/>
+              </a:ext>
+            </a:extLst>
+          </p:cNvPr>
+          <p:cNvSpPr txBox="1"/>
+          <p:nvPr/>
+        </p:nvSpPr>
+        <p:spPr>
+          <a:xfrm>
+            <a:off x="10543592" y="6475247"/>
+            <a:ext cx="1648408" cy="307777"/>
+          </a:xfrm>
+          <a:prstGeom prst="rect">
+            <a:avLst/>
+          </a:prstGeom>
+          <a:noFill/>
+        </p:spPr>
+        <p:txBody>
+          <a:bodyPr wrap="square" rtlCol="0">
+            <a:spAutoFit/>
+          </a:bodyPr>
+          <a:lstStyle/>
+          <a:p>
+            <a:pPr algn="r"/>
+            <a:r>
+              <a:rPr lang="es-CO" sz="1400" b="1" i="1" dirty="0" err="1">
+                <a:ln>
+                  <a:solidFill>
+                    <a:schemeClr val="bg1"/>
+                  </a:solidFill>
+                </a:ln>
+                <a:solidFill>
+                  <a:schemeClr val="bg1"/>
+                </a:solidFill>
+                <a:latin typeface="+mj-lt"/>
+              </a:rPr>
+              <a:t>OpenClassrooms</a:t>
+            </a:r>
+            <a:endParaRPr lang="en-US" sz="1400" b="1" i="1" dirty="0">
+              <a:ln>
+                <a:solidFill>
+                  <a:schemeClr val="bg1"/>
+                </a:solidFill>
+              </a:ln>
+              <a:solidFill>
+                <a:schemeClr val="bg1"/>
+              </a:solidFill>
+              <a:latin typeface="+mj-lt"/>
+            </a:endParaRPr>
+          </a:p>
+        </p:txBody>
+      </p:sp>
+      <p:sp>
+        <p:nvSpPr>
+          <p:cNvPr id="11" name="Rectángulo 4">
+            <a:extLst>
+              <a:ext uri="{FF2B5EF4-FFF2-40B4-BE49-F238E27FC236}">
+                <a16:creationId xmlns:a16="http://schemas.microsoft.com/office/drawing/2014/main" id="{B84F0FDC-2C73-4C87-9CC7-F9F129B3A699}"/>
               </a:ext>
             </a:extLst>
           </p:cNvPr>
@@ -11134,18 +14029,18 @@
         </p:nvSpPr>
         <p:spPr>
           <a:xfrm>
-            <a:off x="377906" y="1683233"/>
+            <a:off x="377906" y="378794"/>
             <a:ext cx="366721" cy="54000"/>
           </a:xfrm>
           <a:prstGeom prst="rect">
             <a:avLst/>
           </a:prstGeom>
           <a:solidFill>
-            <a:schemeClr val="bg1"/>
+            <a:srgbClr val="7451EB"/>
           </a:solidFill>
           <a:ln>
             <a:solidFill>
-              <a:schemeClr val="bg1"/>
+              <a:srgbClr val="7451EB"/>
             </a:solidFill>
           </a:ln>
         </p:spPr>
@@ -11170,273 +14065,278 @@
           <a:lstStyle/>
           <a:p>
             <a:pPr algn="ctr"/>
-            <a:endParaRPr lang="es-AR"/>
-          </a:p>
-        </p:txBody>
-      </p:sp>
-      <p:sp>
-        <p:nvSpPr>
-          <p:cNvPr id="30" name="ZoneTexte 29">
-            <a:extLst>
-              <a:ext uri="{FF2B5EF4-FFF2-40B4-BE49-F238E27FC236}">
-                <a16:creationId xmlns:a16="http://schemas.microsoft.com/office/drawing/2014/main" id="{1C59DD88-0231-4DD6-B63A-00DE1EDF79C4}"/>
-              </a:ext>
-            </a:extLst>
-          </p:cNvPr>
-          <p:cNvSpPr txBox="1"/>
-          <p:nvPr/>
-        </p:nvSpPr>
-        <p:spPr>
-          <a:xfrm>
-            <a:off x="279917" y="1737233"/>
-            <a:ext cx="6592692" cy="3939540"/>
+            <a:endParaRPr lang="es-AR">
+              <a:ln>
+                <a:solidFill>
+                  <a:srgbClr val="7451EB"/>
+                </a:solidFill>
+              </a:ln>
+              <a:solidFill>
+                <a:srgbClr val="7451EB"/>
+              </a:solidFill>
+            </a:endParaRPr>
+          </a:p>
+        </p:txBody>
+      </p:sp>
+      <p:sp>
+        <p:nvSpPr>
+          <p:cNvPr id="44" name="Titre 1">
+            <a:extLst>
+              <a:ext uri="{FF2B5EF4-FFF2-40B4-BE49-F238E27FC236}">
+                <a16:creationId xmlns:a16="http://schemas.microsoft.com/office/drawing/2014/main" id="{B9734C05-D195-437B-8AD5-CA5353F78FB4}"/>
+              </a:ext>
+            </a:extLst>
+          </p:cNvPr>
+          <p:cNvSpPr txBox="1">
+            <a:spLocks/>
+          </p:cNvSpPr>
+          <p:nvPr/>
+        </p:nvSpPr>
+        <p:spPr>
+          <a:xfrm>
+            <a:off x="279918" y="432794"/>
+            <a:ext cx="10470144" cy="820048"/>
           </a:xfrm>
           <a:prstGeom prst="rect">
             <a:avLst/>
           </a:prstGeom>
-          <a:noFill/>
-        </p:spPr>
-        <p:txBody>
-          <a:bodyPr wrap="square">
-            <a:spAutoFit/>
+        </p:spPr>
+        <p:txBody>
+          <a:bodyPr vert="horz" lIns="91440" tIns="45720" rIns="91440" bIns="45720" rtlCol="0" anchor="ctr">
+            <a:noAutofit/>
           </a:bodyPr>
-          <a:lstStyle/>
-          <a:p>
-            <a:r>
-              <a:rPr lang="fr-FR" sz="4800" b="1" i="1" dirty="0">
+          <a:lstStyle>
+            <a:lvl1pPr algn="l" defTabSz="914400" rtl="0" eaLnBrk="1" latinLnBrk="0" hangingPunct="1">
+              <a:lnSpc>
+                <a:spcPct val="90000"/>
+              </a:lnSpc>
+              <a:spcBef>
+                <a:spcPct val="0"/>
+              </a:spcBef>
+              <a:buNone/>
+              <a:defRPr sz="4400" kern="1200">
+                <a:solidFill>
+                  <a:schemeClr val="tx1"/>
+                </a:solidFill>
+                <a:latin typeface="+mj-lt"/>
+                <a:ea typeface="+mj-ea"/>
+                <a:cs typeface="+mj-cs"/>
+              </a:defRPr>
+            </a:lvl1pPr>
+          </a:lstStyle>
+          <a:p>
+            <a:r>
+              <a:rPr lang="fr-FR" sz="4000" b="1" dirty="0">
                 <a:ln>
                   <a:solidFill>
-                    <a:schemeClr val="bg1"/>
+                    <a:srgbClr val="7451EB"/>
                   </a:solidFill>
                 </a:ln>
                 <a:solidFill>
-                  <a:schemeClr val="bg1"/>
+                  <a:srgbClr val="7451EB"/>
                 </a:solidFill>
                 <a:latin typeface="Google Sans"/>
               </a:rPr>
-              <a:t>MERCI</a:t>
-            </a:r>
-          </a:p>
-          <a:p>
-            <a:endParaRPr lang="fr-FR" sz="3200" b="1" dirty="0">
-              <a:ln>
-                <a:solidFill>
-                  <a:schemeClr val="bg1"/>
-                </a:solidFill>
-              </a:ln>
-              <a:solidFill>
-                <a:schemeClr val="bg1"/>
-              </a:solidFill>
-              <a:latin typeface="Google Sans"/>
-            </a:endParaRPr>
-          </a:p>
-          <a:p>
-            <a:endParaRPr lang="fr-FR" sz="3200" b="1" dirty="0">
-              <a:ln>
-                <a:solidFill>
-                  <a:schemeClr val="bg1"/>
-                </a:solidFill>
-              </a:ln>
-              <a:solidFill>
-                <a:schemeClr val="bg1"/>
-              </a:solidFill>
-              <a:latin typeface="Google Sans"/>
-            </a:endParaRPr>
-          </a:p>
-          <a:p>
-            <a:r>
-              <a:rPr lang="fr-FR" sz="2000" dirty="0">
-                <a:ln>
-                  <a:solidFill>
-                    <a:schemeClr val="bg1"/>
-                  </a:solidFill>
-                </a:ln>
-                <a:solidFill>
-                  <a:schemeClr val="bg1"/>
-                </a:solidFill>
-                <a:latin typeface="Google Sans"/>
-              </a:rPr>
-              <a:t>Soutenance de Projet</a:t>
-            </a:r>
-          </a:p>
-          <a:p>
-            <a:r>
-              <a:rPr lang="fr-FR" sz="3200" dirty="0">
-                <a:ln>
-                  <a:solidFill>
-                    <a:schemeClr val="bg1"/>
-                  </a:solidFill>
-                </a:ln>
-                <a:solidFill>
-                  <a:schemeClr val="bg1"/>
-                </a:solidFill>
-                <a:latin typeface="Google Sans"/>
-              </a:rPr>
-              <a:t>Samir HINOJOSA</a:t>
-            </a:r>
-          </a:p>
-          <a:p>
-            <a:endParaRPr lang="fr-FR" sz="3600" dirty="0">
-              <a:ln>
-                <a:solidFill>
-                  <a:schemeClr val="bg1"/>
-                </a:solidFill>
-              </a:ln>
-              <a:solidFill>
-                <a:schemeClr val="bg1"/>
-              </a:solidFill>
-              <a:latin typeface="Google Sans"/>
-            </a:endParaRPr>
-          </a:p>
-          <a:p>
-            <a:endParaRPr lang="fr-FR" sz="3600" dirty="0">
-              <a:ln>
-                <a:solidFill>
-                  <a:schemeClr val="bg1"/>
-                </a:solidFill>
-              </a:ln>
-              <a:solidFill>
-                <a:schemeClr val="bg1"/>
-              </a:solidFill>
-              <a:latin typeface="Google Sans"/>
-            </a:endParaRPr>
-          </a:p>
-          <a:p>
-            <a:r>
-              <a:rPr lang="es-ES" sz="1400" dirty="0">
-                <a:ln>
-                  <a:solidFill>
-                    <a:schemeClr val="bg1"/>
-                  </a:solidFill>
-                </a:ln>
-                <a:solidFill>
-                  <a:schemeClr val="bg1"/>
-                </a:solidFill>
-                <a:latin typeface="Google Sans"/>
-              </a:rPr>
-              <a:t>27 octubre 2021</a:t>
+              <a:t>Les conclusions de la mission</a:t>
             </a:r>
           </a:p>
         </p:txBody>
       </p:sp>
       <p:pic>
         <p:nvPicPr>
-          <p:cNvPr id="8" name="Picture 2" descr="OpenClassrooms — Wikipédia">
-            <a:extLst>
-              <a:ext uri="{FF2B5EF4-FFF2-40B4-BE49-F238E27FC236}">
-                <a16:creationId xmlns:a16="http://schemas.microsoft.com/office/drawing/2014/main" id="{18FA7543-C255-47CA-9E0D-0DB0A858BA5A}"/>
+          <p:cNvPr id="10" name="Image 9">
+            <a:extLst>
+              <a:ext uri="{FF2B5EF4-FFF2-40B4-BE49-F238E27FC236}">
+                <a16:creationId xmlns:a16="http://schemas.microsoft.com/office/drawing/2014/main" id="{E15B49B5-6196-4448-9E70-7E2664D9ACD7}"/>
               </a:ext>
             </a:extLst>
           </p:cNvPr>
           <p:cNvPicPr>
-            <a:picLocks noChangeAspect="1" noChangeArrowheads="1"/>
+            <a:picLocks noChangeAspect="1"/>
           </p:cNvPicPr>
           <p:nvPr/>
         </p:nvPicPr>
         <p:blipFill>
-          <a:blip r:embed="rId2">
+          <a:blip r:embed="rId4">
+            <a:duotone>
+              <a:schemeClr val="accent6">
+                <a:shade val="45000"/>
+                <a:satMod val="135000"/>
+              </a:schemeClr>
+              <a:prstClr val="white"/>
+            </a:duotone>
             <a:extLst>
               <a:ext uri="{28A0092B-C50C-407E-A947-70E740481C1C}">
                 <a14:useLocalDpi xmlns:a14="http://schemas.microsoft.com/office/drawing/2010/main" val="0"/>
               </a:ext>
             </a:extLst>
           </a:blip>
-          <a:srcRect/>
           <a:stretch>
             <a:fillRect/>
           </a:stretch>
         </p:blipFill>
-        <p:spPr bwMode="auto">
-          <a:xfrm>
-            <a:off x="7492481" y="5029141"/>
-            <a:ext cx="876456" cy="876456"/>
+        <p:spPr>
+          <a:xfrm>
+            <a:off x="377906" y="2029853"/>
+            <a:ext cx="457727" cy="427272"/>
           </a:xfrm>
           <a:prstGeom prst="rect">
             <a:avLst/>
           </a:prstGeom>
-          <a:ln>
-            <a:noFill/>
-          </a:ln>
-          <a:effectLst>
-            <a:outerShdw blurRad="292100" dist="139700" dir="2700000" algn="tl" rotWithShape="0">
-              <a:srgbClr val="333333">
-                <a:alpha val="65000"/>
-              </a:srgbClr>
-            </a:outerShdw>
-          </a:effectLst>
-          <a:extLst>
-            <a:ext uri="{909E8E84-426E-40DD-AFC4-6F175D3DCCD1}">
-              <a14:hiddenFill xmlns:a14="http://schemas.microsoft.com/office/drawing/2010/main">
-                <a:solidFill>
-                  <a:srgbClr val="FFFFFF"/>
-                </a:solidFill>
-              </a14:hiddenFill>
-            </a:ext>
-          </a:extLst>
         </p:spPr>
       </p:pic>
+      <p:sp>
+        <p:nvSpPr>
+          <p:cNvPr id="12" name="ZoneTexte 11">
+            <a:extLst>
+              <a:ext uri="{FF2B5EF4-FFF2-40B4-BE49-F238E27FC236}">
+                <a16:creationId xmlns:a16="http://schemas.microsoft.com/office/drawing/2014/main" id="{65FB4105-0128-4D6E-8B74-FA687B51CD43}"/>
+              </a:ext>
+            </a:extLst>
+          </p:cNvPr>
+          <p:cNvSpPr txBox="1"/>
+          <p:nvPr/>
+        </p:nvSpPr>
+        <p:spPr>
+          <a:xfrm>
+            <a:off x="844895" y="2024702"/>
+            <a:ext cx="10341550" cy="707886"/>
+          </a:xfrm>
+          <a:prstGeom prst="rect">
+            <a:avLst/>
+          </a:prstGeom>
+          <a:noFill/>
+        </p:spPr>
+        <p:txBody>
+          <a:bodyPr wrap="square">
+            <a:spAutoFit/>
+          </a:bodyPr>
+          <a:lstStyle/>
+          <a:p>
+            <a:r>
+              <a:rPr lang="fr-FR" sz="2000" dirty="0">
+                <a:latin typeface="Google Sans"/>
+              </a:rPr>
+              <a:t>Il est nécessaire de prendre en compte plus de variable pour identifier chaque type de clients selon ses comportements d'achat. </a:t>
+            </a:r>
+            <a:r>
+              <a:rPr lang="fr-FR" sz="1400" i="1" dirty="0">
+                <a:solidFill>
+                  <a:schemeClr val="bg1">
+                    <a:lumMod val="50000"/>
+                  </a:schemeClr>
+                </a:solidFill>
+                <a:latin typeface="Google Sans"/>
+              </a:rPr>
+              <a:t>Par exemple, si c'est une promotion, l’anniversaire du client.</a:t>
+            </a:r>
+          </a:p>
+        </p:txBody>
+      </p:sp>
       <p:pic>
         <p:nvPicPr>
-          <p:cNvPr id="9" name="Picture 2" descr="Des parcours diplômants et des cours gratuits 100% en ligne - OpenClassrooms">
-            <a:extLst>
-              <a:ext uri="{FF2B5EF4-FFF2-40B4-BE49-F238E27FC236}">
-                <a16:creationId xmlns:a16="http://schemas.microsoft.com/office/drawing/2014/main" id="{D8D22BE0-298E-44EE-A4A3-A03C472D083B}"/>
+          <p:cNvPr id="13" name="Image 12">
+            <a:extLst>
+              <a:ext uri="{FF2B5EF4-FFF2-40B4-BE49-F238E27FC236}">
+                <a16:creationId xmlns:a16="http://schemas.microsoft.com/office/drawing/2014/main" id="{C270C0AE-97C7-41A5-A56E-4477D983919A}"/>
               </a:ext>
             </a:extLst>
           </p:cNvPr>
           <p:cNvPicPr>
-            <a:picLocks noChangeAspect="1" noChangeArrowheads="1"/>
+            <a:picLocks noChangeAspect="1"/>
           </p:cNvPicPr>
           <p:nvPr/>
         </p:nvPicPr>
         <p:blipFill>
-          <a:blip r:embed="rId3">
+          <a:blip r:embed="rId4">
+            <a:duotone>
+              <a:schemeClr val="accent6">
+                <a:shade val="45000"/>
+                <a:satMod val="135000"/>
+              </a:schemeClr>
+              <a:prstClr val="white"/>
+            </a:duotone>
             <a:extLst>
               <a:ext uri="{28A0092B-C50C-407E-A947-70E740481C1C}">
                 <a14:useLocalDpi xmlns:a14="http://schemas.microsoft.com/office/drawing/2010/main" val="0"/>
               </a:ext>
             </a:extLst>
           </a:blip>
-          <a:srcRect/>
           <a:stretch>
             <a:fillRect/>
           </a:stretch>
         </p:blipFill>
-        <p:spPr bwMode="auto">
-          <a:xfrm>
-            <a:off x="7492481" y="6062502"/>
-            <a:ext cx="3899769" cy="467038"/>
+        <p:spPr>
+          <a:xfrm>
+            <a:off x="349647" y="2903159"/>
+            <a:ext cx="457727" cy="427272"/>
           </a:xfrm>
           <a:prstGeom prst="rect">
             <a:avLst/>
           </a:prstGeom>
-          <a:ln>
-            <a:noFill/>
-          </a:ln>
-          <a:effectLst>
-            <a:outerShdw blurRad="292100" dist="139700" dir="2700000" algn="tl" rotWithShape="0">
-              <a:srgbClr val="333333">
-                <a:alpha val="65000"/>
-              </a:srgbClr>
-            </a:outerShdw>
-          </a:effectLst>
-          <a:extLst>
-            <a:ext uri="{909E8E84-426E-40DD-AFC4-6F175D3DCCD1}">
-              <a14:hiddenFill xmlns:a14="http://schemas.microsoft.com/office/drawing/2010/main">
-                <a:solidFill>
-                  <a:srgbClr val="FFFFFF"/>
-                </a:solidFill>
-              </a14:hiddenFill>
-            </a:ext>
-          </a:extLst>
         </p:spPr>
       </p:pic>
       <p:sp>
         <p:nvSpPr>
-          <p:cNvPr id="7" name="Rectangle 6">
-            <a:extLst>
-              <a:ext uri="{FF2B5EF4-FFF2-40B4-BE49-F238E27FC236}">
-                <a16:creationId xmlns:a16="http://schemas.microsoft.com/office/drawing/2014/main" id="{23E093D0-5D26-406D-A395-D727A0AB7C77}"/>
+          <p:cNvPr id="16" name="ZoneTexte 15">
+            <a:extLst>
+              <a:ext uri="{FF2B5EF4-FFF2-40B4-BE49-F238E27FC236}">
+                <a16:creationId xmlns:a16="http://schemas.microsoft.com/office/drawing/2014/main" id="{7C62ECFC-42D2-44B4-80B5-B00E91E30057}"/>
+              </a:ext>
+            </a:extLst>
+          </p:cNvPr>
+          <p:cNvSpPr txBox="1"/>
+          <p:nvPr/>
+        </p:nvSpPr>
+        <p:spPr>
+          <a:xfrm>
+            <a:off x="816636" y="2898008"/>
+            <a:ext cx="5863133" cy="1538883"/>
+          </a:xfrm>
+          <a:prstGeom prst="rect">
+            <a:avLst/>
+          </a:prstGeom>
+          <a:noFill/>
+        </p:spPr>
+        <p:txBody>
+          <a:bodyPr wrap="square">
+            <a:spAutoFit/>
+          </a:bodyPr>
+          <a:lstStyle/>
+          <a:p>
+            <a:r>
+              <a:rPr lang="fr-FR" sz="2000" dirty="0">
+                <a:latin typeface="Google Sans"/>
+              </a:rPr>
+              <a:t>Il faut utiliser la variable « </a:t>
+            </a:r>
+            <a:r>
+              <a:rPr lang="fr-FR" sz="2000" dirty="0"/>
+              <a:t>order_purchase_timestamp » ainsi que les catégories pour savoir s’il y a des clients qui achètent uniquement à certaines périodes de l’année.</a:t>
+            </a:r>
+            <a:br>
+              <a:rPr lang="fr-FR" sz="2000" dirty="0"/>
+            </a:br>
+            <a:r>
+              <a:rPr lang="fr-FR" sz="1400" i="1" dirty="0">
+                <a:solidFill>
+                  <a:schemeClr val="bg1">
+                    <a:lumMod val="50000"/>
+                  </a:schemeClr>
+                </a:solidFill>
+                <a:latin typeface="Google Sans"/>
+              </a:rPr>
+              <a:t>Par exemple, des achats pour la fête de Noé.</a:t>
+            </a:r>
+          </a:p>
+        </p:txBody>
+      </p:sp>
+      <p:sp>
+        <p:nvSpPr>
+          <p:cNvPr id="17" name="Rectangle 16">
+            <a:extLst>
+              <a:ext uri="{FF2B5EF4-FFF2-40B4-BE49-F238E27FC236}">
+                <a16:creationId xmlns:a16="http://schemas.microsoft.com/office/drawing/2014/main" id="{A75FE1A5-7CA4-43E7-8851-A42732D66A95}"/>
               </a:ext>
             </a:extLst>
           </p:cNvPr>
@@ -11445,18 +14345,18 @@
         </p:nvSpPr>
         <p:spPr>
           <a:xfrm>
-            <a:off x="279917" y="5184716"/>
-            <a:ext cx="1724734" cy="565306"/>
+            <a:off x="0" y="1352931"/>
+            <a:ext cx="5083629" cy="336947"/>
           </a:xfrm>
           <a:prstGeom prst="rect">
             <a:avLst/>
           </a:prstGeom>
           <a:solidFill>
-            <a:srgbClr val="FF0000"/>
+            <a:schemeClr val="accent5"/>
           </a:solidFill>
           <a:ln>
             <a:solidFill>
-              <a:srgbClr val="FF0000"/>
+              <a:srgbClr val="5B9BD5"/>
             </a:solidFill>
           </a:ln>
         </p:spPr>
@@ -11480,6 +14380,1121 @@
           <a:bodyPr rtlCol="0" anchor="ctr"/>
           <a:lstStyle/>
           <a:p>
+            <a:pPr algn="r"/>
+            <a:endParaRPr lang="en-US" dirty="0">
+              <a:ln>
+                <a:solidFill>
+                  <a:srgbClr val="70AD47"/>
+                </a:solidFill>
+              </a:ln>
+              <a:solidFill>
+                <a:srgbClr val="70AD47"/>
+              </a:solidFill>
+            </a:endParaRPr>
+          </a:p>
+        </p:txBody>
+      </p:sp>
+      <p:sp>
+        <p:nvSpPr>
+          <p:cNvPr id="18" name="ZoneTexte 17">
+            <a:extLst>
+              <a:ext uri="{FF2B5EF4-FFF2-40B4-BE49-F238E27FC236}">
+                <a16:creationId xmlns:a16="http://schemas.microsoft.com/office/drawing/2014/main" id="{741D8C44-1D96-4131-B963-A05738BD7171}"/>
+              </a:ext>
+            </a:extLst>
+          </p:cNvPr>
+          <p:cNvSpPr txBox="1"/>
+          <p:nvPr/>
+        </p:nvSpPr>
+        <p:spPr>
+          <a:xfrm>
+            <a:off x="0" y="1351324"/>
+            <a:ext cx="5083629" cy="338554"/>
+          </a:xfrm>
+          <a:prstGeom prst="rect">
+            <a:avLst/>
+          </a:prstGeom>
+          <a:noFill/>
+        </p:spPr>
+        <p:txBody>
+          <a:bodyPr wrap="square">
+            <a:spAutoFit/>
+          </a:bodyPr>
+          <a:lstStyle/>
+          <a:p>
+            <a:r>
+              <a:rPr lang="fr-FR" sz="1600" i="1" u="none" strike="noStrike" dirty="0">
+                <a:ln>
+                  <a:solidFill>
+                    <a:schemeClr val="bg1"/>
+                  </a:solidFill>
+                </a:ln>
+                <a:solidFill>
+                  <a:schemeClr val="bg1"/>
+                </a:solidFill>
+                <a:effectLst/>
+                <a:latin typeface="Google Sans"/>
+              </a:rPr>
+              <a:t>Basé sur la segmentation du comportement et de la valeur</a:t>
+            </a:r>
+          </a:p>
+        </p:txBody>
+      </p:sp>
+      <p:pic>
+        <p:nvPicPr>
+          <p:cNvPr id="20" name="Image 19">
+            <a:extLst>
+              <a:ext uri="{FF2B5EF4-FFF2-40B4-BE49-F238E27FC236}">
+                <a16:creationId xmlns:a16="http://schemas.microsoft.com/office/drawing/2014/main" id="{3B795763-D073-4810-A6E7-E35C58797032}"/>
+              </a:ext>
+            </a:extLst>
+          </p:cNvPr>
+          <p:cNvPicPr>
+            <a:picLocks noChangeAspect="1"/>
+          </p:cNvPicPr>
+          <p:nvPr/>
+        </p:nvPicPr>
+        <p:blipFill>
+          <a:blip r:embed="rId4">
+            <a:duotone>
+              <a:schemeClr val="accent6">
+                <a:shade val="45000"/>
+                <a:satMod val="135000"/>
+              </a:schemeClr>
+              <a:prstClr val="white"/>
+            </a:duotone>
+            <a:extLst>
+              <a:ext uri="{28A0092B-C50C-407E-A947-70E740481C1C}">
+                <a14:useLocalDpi xmlns:a14="http://schemas.microsoft.com/office/drawing/2010/main" val="0"/>
+              </a:ext>
+            </a:extLst>
+          </a:blip>
+          <a:stretch>
+            <a:fillRect/>
+          </a:stretch>
+        </p:blipFill>
+        <p:spPr>
+          <a:xfrm>
+            <a:off x="349647" y="4644949"/>
+            <a:ext cx="457727" cy="427272"/>
+          </a:xfrm>
+          <a:prstGeom prst="rect">
+            <a:avLst/>
+          </a:prstGeom>
+        </p:spPr>
+      </p:pic>
+      <p:sp>
+        <p:nvSpPr>
+          <p:cNvPr id="22" name="ZoneTexte 21">
+            <a:extLst>
+              <a:ext uri="{FF2B5EF4-FFF2-40B4-BE49-F238E27FC236}">
+                <a16:creationId xmlns:a16="http://schemas.microsoft.com/office/drawing/2014/main" id="{D68452BE-730E-48A4-A8E9-FE3EDF328EC5}"/>
+              </a:ext>
+            </a:extLst>
+          </p:cNvPr>
+          <p:cNvSpPr txBox="1"/>
+          <p:nvPr/>
+        </p:nvSpPr>
+        <p:spPr>
+          <a:xfrm>
+            <a:off x="816636" y="4639798"/>
+            <a:ext cx="5779512" cy="1323439"/>
+          </a:xfrm>
+          <a:prstGeom prst="rect">
+            <a:avLst/>
+          </a:prstGeom>
+          <a:noFill/>
+        </p:spPr>
+        <p:txBody>
+          <a:bodyPr wrap="square">
+            <a:spAutoFit/>
+          </a:bodyPr>
+          <a:lstStyle/>
+          <a:p>
+            <a:r>
+              <a:rPr lang="fr-FR" sz="2000" dirty="0">
+                <a:latin typeface="Google Sans"/>
+              </a:rPr>
+              <a:t>Explorez d'autres types de réduction de dimension tels que UMAP, ISOMAP, etc., et aussi d’autres types d’algorithmes de clustering tels que DBSCAN, </a:t>
+            </a:r>
+            <a:r>
+              <a:rPr lang="fr-FR" sz="2000" dirty="0" err="1">
+                <a:latin typeface="Google Sans"/>
+              </a:rPr>
+              <a:t>MiniBatchKMeans</a:t>
+            </a:r>
+            <a:r>
+              <a:rPr lang="fr-FR" sz="2000" dirty="0">
+                <a:latin typeface="Google Sans"/>
+              </a:rPr>
+              <a:t>, etc. </a:t>
+            </a:r>
+            <a:endParaRPr lang="fr-FR" sz="1400" i="1" dirty="0">
+              <a:solidFill>
+                <a:schemeClr val="bg1">
+                  <a:lumMod val="50000"/>
+                </a:schemeClr>
+              </a:solidFill>
+              <a:latin typeface="Google Sans"/>
+            </a:endParaRPr>
+          </a:p>
+        </p:txBody>
+      </p:sp>
+      <p:sp>
+        <p:nvSpPr>
+          <p:cNvPr id="19" name="TextBox 3">
+            <a:extLst>
+              <a:ext uri="{FF2B5EF4-FFF2-40B4-BE49-F238E27FC236}">
+                <a16:creationId xmlns:a16="http://schemas.microsoft.com/office/drawing/2014/main" id="{D6ECA8AA-524D-44CE-8A87-473A589873A0}"/>
+              </a:ext>
+            </a:extLst>
+          </p:cNvPr>
+          <p:cNvSpPr txBox="1"/>
+          <p:nvPr/>
+        </p:nvSpPr>
+        <p:spPr>
+          <a:xfrm>
+            <a:off x="0" y="6475247"/>
+            <a:ext cx="8982635" cy="307777"/>
+          </a:xfrm>
+          <a:prstGeom prst="rect">
+            <a:avLst/>
+          </a:prstGeom>
+          <a:noFill/>
+        </p:spPr>
+        <p:txBody>
+          <a:bodyPr wrap="square" rtlCol="0">
+            <a:spAutoFit/>
+          </a:bodyPr>
+          <a:lstStyle/>
+          <a:p>
+            <a:r>
+              <a:rPr lang="es-CO" sz="1400" dirty="0">
+                <a:ln>
+                  <a:solidFill>
+                    <a:schemeClr val="bg1"/>
+                  </a:solidFill>
+                </a:ln>
+                <a:solidFill>
+                  <a:schemeClr val="bg1"/>
+                </a:solidFill>
+                <a:latin typeface="+mj-lt"/>
+              </a:rPr>
+              <a:t>Project 6 – </a:t>
+            </a:r>
+            <a:r>
+              <a:rPr lang="fr-FR" sz="1400" dirty="0">
+                <a:ln>
+                  <a:solidFill>
+                    <a:schemeClr val="bg1"/>
+                  </a:solidFill>
+                </a:ln>
+                <a:solidFill>
+                  <a:schemeClr val="bg1"/>
+                </a:solidFill>
+                <a:latin typeface="+mj-lt"/>
+              </a:rPr>
+              <a:t>Classification automatique des biens de consommation</a:t>
+            </a:r>
+            <a:endParaRPr lang="en-US" sz="1400" dirty="0">
+              <a:ln>
+                <a:solidFill>
+                  <a:schemeClr val="bg1"/>
+                </a:solidFill>
+              </a:ln>
+              <a:solidFill>
+                <a:schemeClr val="bg1"/>
+              </a:solidFill>
+              <a:latin typeface="+mj-lt"/>
+            </a:endParaRPr>
+          </a:p>
+        </p:txBody>
+      </p:sp>
+      <p:sp>
+        <p:nvSpPr>
+          <p:cNvPr id="2" name="ZoneTexte 1">
+            <a:extLst>
+              <a:ext uri="{FF2B5EF4-FFF2-40B4-BE49-F238E27FC236}">
+                <a16:creationId xmlns:a16="http://schemas.microsoft.com/office/drawing/2014/main" id="{10A238F6-22DD-4D61-993F-2305861F78EF}"/>
+              </a:ext>
+            </a:extLst>
+          </p:cNvPr>
+          <p:cNvSpPr txBox="1"/>
+          <p:nvPr/>
+        </p:nvSpPr>
+        <p:spPr>
+          <a:xfrm rot="19919388">
+            <a:off x="7202495" y="1028159"/>
+            <a:ext cx="3698961" cy="1323439"/>
+          </a:xfrm>
+          <a:prstGeom prst="rect">
+            <a:avLst/>
+          </a:prstGeom>
+          <a:noFill/>
+          <a:ln w="28575">
+            <a:solidFill>
+              <a:srgbClr val="FF0000"/>
+            </a:solidFill>
+            <a:prstDash val="lgDash"/>
+          </a:ln>
+        </p:spPr>
+        <p:txBody>
+          <a:bodyPr wrap="none" rtlCol="0">
+            <a:spAutoFit/>
+          </a:bodyPr>
+          <a:lstStyle/>
+          <a:p>
+            <a:r>
+              <a:rPr lang="es-ES" sz="8000" dirty="0">
+                <a:solidFill>
+                  <a:srgbClr val="FF0000"/>
+                </a:solidFill>
+              </a:rPr>
+              <a:t>REVISAR</a:t>
+            </a:r>
+            <a:endParaRPr lang="fr-FR" sz="8000" dirty="0">
+              <a:solidFill>
+                <a:srgbClr val="FF0000"/>
+              </a:solidFill>
+            </a:endParaRPr>
+          </a:p>
+        </p:txBody>
+      </p:sp>
+    </p:spTree>
+    <p:extLst>
+      <p:ext uri="{BB962C8B-B14F-4D97-AF65-F5344CB8AC3E}">
+        <p14:creationId xmlns:p14="http://schemas.microsoft.com/office/powerpoint/2010/main" val="497631323"/>
+      </p:ext>
+    </p:extLst>
+  </p:cSld>
+  <p:clrMapOvr>
+    <a:masterClrMapping/>
+  </p:clrMapOvr>
+</p:sld>
+</file>
+
+<file path=ppt/slides/slide17.xml><?xml version="1.0" encoding="utf-8"?>
+<p:sld xmlns:a="http://schemas.openxmlformats.org/drawingml/2006/main" xmlns:r="http://schemas.openxmlformats.org/officeDocument/2006/relationships" xmlns:p="http://schemas.openxmlformats.org/presentationml/2006/main">
+  <p:cSld>
+    <p:spTree>
+      <p:nvGrpSpPr>
+        <p:cNvPr id="1" name=""/>
+        <p:cNvGrpSpPr/>
+        <p:nvPr/>
+      </p:nvGrpSpPr>
+      <p:grpSpPr>
+        <a:xfrm>
+          <a:off x="0" y="0"/>
+          <a:ext cx="0" cy="0"/>
+          <a:chOff x="0" y="0"/>
+          <a:chExt cx="0" cy="0"/>
+        </a:xfrm>
+      </p:grpSpPr>
+      <p:sp>
+        <p:nvSpPr>
+          <p:cNvPr id="5" name="Rectangle 4">
+            <a:extLst>
+              <a:ext uri="{FF2B5EF4-FFF2-40B4-BE49-F238E27FC236}">
+                <a16:creationId xmlns:a16="http://schemas.microsoft.com/office/drawing/2014/main" id="{A00233D2-38CE-441F-90C9-32F91999758A}"/>
+              </a:ext>
+            </a:extLst>
+          </p:cNvPr>
+          <p:cNvSpPr/>
+          <p:nvPr/>
+        </p:nvSpPr>
+        <p:spPr>
+          <a:xfrm>
+            <a:off x="0" y="6400273"/>
+            <a:ext cx="12192000" cy="457727"/>
+          </a:xfrm>
+          <a:prstGeom prst="rect">
+            <a:avLst/>
+          </a:prstGeom>
+          <a:solidFill>
+            <a:srgbClr val="7451EB"/>
+          </a:solidFill>
+          <a:ln>
+            <a:solidFill>
+              <a:srgbClr val="7451EB"/>
+            </a:solidFill>
+          </a:ln>
+        </p:spPr>
+        <p:style>
+          <a:lnRef idx="2">
+            <a:schemeClr val="accent1">
+              <a:shade val="50000"/>
+            </a:schemeClr>
+          </a:lnRef>
+          <a:fillRef idx="1">
+            <a:schemeClr val="accent1"/>
+          </a:fillRef>
+          <a:effectRef idx="0">
+            <a:schemeClr val="accent1"/>
+          </a:effectRef>
+          <a:fontRef idx="minor">
+            <a:schemeClr val="lt1"/>
+          </a:fontRef>
+        </p:style>
+        <p:txBody>
+          <a:bodyPr rtlCol="0" anchor="ctr"/>
+          <a:lstStyle/>
+          <a:p>
+            <a:pPr algn="ctr"/>
+            <a:endParaRPr lang="en-US" dirty="0"/>
+          </a:p>
+        </p:txBody>
+      </p:sp>
+      <p:sp>
+        <p:nvSpPr>
+          <p:cNvPr id="15" name="TextBox 3">
+            <a:extLst>
+              <a:ext uri="{FF2B5EF4-FFF2-40B4-BE49-F238E27FC236}">
+                <a16:creationId xmlns:a16="http://schemas.microsoft.com/office/drawing/2014/main" id="{47FC2DCC-BDE9-485D-AF79-4177B5479110}"/>
+              </a:ext>
+            </a:extLst>
+          </p:cNvPr>
+          <p:cNvSpPr txBox="1"/>
+          <p:nvPr/>
+        </p:nvSpPr>
+        <p:spPr>
+          <a:xfrm>
+            <a:off x="10543592" y="6475247"/>
+            <a:ext cx="1648408" cy="307777"/>
+          </a:xfrm>
+          <a:prstGeom prst="rect">
+            <a:avLst/>
+          </a:prstGeom>
+          <a:noFill/>
+        </p:spPr>
+        <p:txBody>
+          <a:bodyPr wrap="square" rtlCol="0">
+            <a:spAutoFit/>
+          </a:bodyPr>
+          <a:lstStyle/>
+          <a:p>
+            <a:pPr algn="r"/>
+            <a:r>
+              <a:rPr lang="es-CO" sz="1400" b="1" i="1" dirty="0" err="1">
+                <a:ln>
+                  <a:solidFill>
+                    <a:schemeClr val="bg1"/>
+                  </a:solidFill>
+                </a:ln>
+                <a:solidFill>
+                  <a:schemeClr val="bg1"/>
+                </a:solidFill>
+                <a:latin typeface="+mj-lt"/>
+              </a:rPr>
+              <a:t>OpenClassrooms</a:t>
+            </a:r>
+            <a:endParaRPr lang="en-US" sz="1400" b="1" i="1" dirty="0">
+              <a:ln>
+                <a:solidFill>
+                  <a:schemeClr val="bg1"/>
+                </a:solidFill>
+              </a:ln>
+              <a:solidFill>
+                <a:schemeClr val="bg1"/>
+              </a:solidFill>
+              <a:latin typeface="+mj-lt"/>
+            </a:endParaRPr>
+          </a:p>
+        </p:txBody>
+      </p:sp>
+      <p:sp>
+        <p:nvSpPr>
+          <p:cNvPr id="10" name="Titre 1">
+            <a:extLst>
+              <a:ext uri="{FF2B5EF4-FFF2-40B4-BE49-F238E27FC236}">
+                <a16:creationId xmlns:a16="http://schemas.microsoft.com/office/drawing/2014/main" id="{224E5C7D-3656-459F-9C01-61200508167F}"/>
+              </a:ext>
+            </a:extLst>
+          </p:cNvPr>
+          <p:cNvSpPr txBox="1">
+            <a:spLocks/>
+          </p:cNvSpPr>
+          <p:nvPr/>
+        </p:nvSpPr>
+        <p:spPr>
+          <a:xfrm>
+            <a:off x="279916" y="432794"/>
+            <a:ext cx="11112333" cy="820048"/>
+          </a:xfrm>
+          <a:prstGeom prst="rect">
+            <a:avLst/>
+          </a:prstGeom>
+        </p:spPr>
+        <p:txBody>
+          <a:bodyPr vert="horz" lIns="91440" tIns="45720" rIns="91440" bIns="45720" rtlCol="0" anchor="ctr">
+            <a:noAutofit/>
+          </a:bodyPr>
+          <a:lstStyle>
+            <a:lvl1pPr algn="l" defTabSz="914400" rtl="0" eaLnBrk="1" latinLnBrk="0" hangingPunct="1">
+              <a:lnSpc>
+                <a:spcPct val="90000"/>
+              </a:lnSpc>
+              <a:spcBef>
+                <a:spcPct val="0"/>
+              </a:spcBef>
+              <a:buNone/>
+              <a:defRPr sz="4400" kern="1200">
+                <a:solidFill>
+                  <a:schemeClr val="tx1"/>
+                </a:solidFill>
+                <a:latin typeface="+mj-lt"/>
+                <a:ea typeface="+mj-ea"/>
+                <a:cs typeface="+mj-cs"/>
+              </a:defRPr>
+            </a:lvl1pPr>
+          </a:lstStyle>
+          <a:p>
+            <a:r>
+              <a:rPr lang="fr-FR" sz="4000" b="1" dirty="0">
+                <a:ln>
+                  <a:solidFill>
+                    <a:srgbClr val="7451EB"/>
+                  </a:solidFill>
+                </a:ln>
+                <a:solidFill>
+                  <a:srgbClr val="7451EB"/>
+                </a:solidFill>
+                <a:latin typeface="Google Sans"/>
+              </a:rPr>
+              <a:t>Avez-vous des questions ?</a:t>
+            </a:r>
+            <a:endParaRPr lang="es-419" sz="4000" b="1" u="sng" dirty="0">
+              <a:ln>
+                <a:solidFill>
+                  <a:srgbClr val="7451EB"/>
+                </a:solidFill>
+              </a:ln>
+              <a:solidFill>
+                <a:srgbClr val="7451EB"/>
+              </a:solidFill>
+              <a:effectLst>
+                <a:outerShdw blurRad="38100" dist="38100" dir="2700000" algn="tl">
+                  <a:srgbClr val="000000">
+                    <a:alpha val="43137"/>
+                  </a:srgbClr>
+                </a:outerShdw>
+              </a:effectLst>
+            </a:endParaRPr>
+          </a:p>
+        </p:txBody>
+      </p:sp>
+      <p:sp>
+        <p:nvSpPr>
+          <p:cNvPr id="11" name="Rectángulo 4">
+            <a:extLst>
+              <a:ext uri="{FF2B5EF4-FFF2-40B4-BE49-F238E27FC236}">
+                <a16:creationId xmlns:a16="http://schemas.microsoft.com/office/drawing/2014/main" id="{B84F0FDC-2C73-4C87-9CC7-F9F129B3A699}"/>
+              </a:ext>
+            </a:extLst>
+          </p:cNvPr>
+          <p:cNvSpPr/>
+          <p:nvPr/>
+        </p:nvSpPr>
+        <p:spPr>
+          <a:xfrm>
+            <a:off x="377906" y="378794"/>
+            <a:ext cx="366721" cy="54000"/>
+          </a:xfrm>
+          <a:prstGeom prst="rect">
+            <a:avLst/>
+          </a:prstGeom>
+          <a:solidFill>
+            <a:srgbClr val="7451EB"/>
+          </a:solidFill>
+          <a:ln>
+            <a:solidFill>
+              <a:srgbClr val="7451EB"/>
+            </a:solidFill>
+          </a:ln>
+        </p:spPr>
+        <p:style>
+          <a:lnRef idx="2">
+            <a:schemeClr val="accent1">
+              <a:shade val="50000"/>
+            </a:schemeClr>
+          </a:lnRef>
+          <a:fillRef idx="1">
+            <a:schemeClr val="accent1"/>
+          </a:fillRef>
+          <a:effectRef idx="0">
+            <a:schemeClr val="accent1"/>
+          </a:effectRef>
+          <a:fontRef idx="minor">
+            <a:schemeClr val="lt1"/>
+          </a:fontRef>
+        </p:style>
+        <p:txBody>
+          <a:bodyPr rtlCol="0" anchor="ctr"/>
+          <a:lstStyle/>
+          <a:p>
+            <a:pPr algn="ctr"/>
+            <a:endParaRPr lang="es-AR">
+              <a:ln>
+                <a:solidFill>
+                  <a:srgbClr val="7451EB"/>
+                </a:solidFill>
+              </a:ln>
+              <a:solidFill>
+                <a:srgbClr val="7451EB"/>
+              </a:solidFill>
+            </a:endParaRPr>
+          </a:p>
+        </p:txBody>
+      </p:sp>
+      <p:pic>
+        <p:nvPicPr>
+          <p:cNvPr id="17" name="Image 16">
+            <a:extLst>
+              <a:ext uri="{FF2B5EF4-FFF2-40B4-BE49-F238E27FC236}">
+                <a16:creationId xmlns:a16="http://schemas.microsoft.com/office/drawing/2014/main" id="{0C190DD1-771B-47D2-995B-97EE291D94F0}"/>
+              </a:ext>
+            </a:extLst>
+          </p:cNvPr>
+          <p:cNvPicPr>
+            <a:picLocks noChangeAspect="1"/>
+          </p:cNvPicPr>
+          <p:nvPr/>
+        </p:nvPicPr>
+        <p:blipFill>
+          <a:blip r:embed="rId3">
+            <a:extLst>
+              <a:ext uri="{28A0092B-C50C-407E-A947-70E740481C1C}">
+                <a14:useLocalDpi xmlns:a14="http://schemas.microsoft.com/office/drawing/2010/main" val="0"/>
+              </a:ext>
+            </a:extLst>
+          </a:blip>
+          <a:stretch>
+            <a:fillRect/>
+          </a:stretch>
+        </p:blipFill>
+        <p:spPr>
+          <a:xfrm>
+            <a:off x="2909481" y="1447892"/>
+            <a:ext cx="6373038" cy="4412022"/>
+          </a:xfrm>
+          <a:prstGeom prst="rect">
+            <a:avLst/>
+          </a:prstGeom>
+        </p:spPr>
+      </p:pic>
+      <p:sp>
+        <p:nvSpPr>
+          <p:cNvPr id="8" name="TextBox 3">
+            <a:extLst>
+              <a:ext uri="{FF2B5EF4-FFF2-40B4-BE49-F238E27FC236}">
+                <a16:creationId xmlns:a16="http://schemas.microsoft.com/office/drawing/2014/main" id="{0AFF44D2-3358-41B3-A92A-E7F6B210DA94}"/>
+              </a:ext>
+            </a:extLst>
+          </p:cNvPr>
+          <p:cNvSpPr txBox="1"/>
+          <p:nvPr/>
+        </p:nvSpPr>
+        <p:spPr>
+          <a:xfrm>
+            <a:off x="0" y="6475247"/>
+            <a:ext cx="8982635" cy="307777"/>
+          </a:xfrm>
+          <a:prstGeom prst="rect">
+            <a:avLst/>
+          </a:prstGeom>
+          <a:noFill/>
+        </p:spPr>
+        <p:txBody>
+          <a:bodyPr wrap="square" rtlCol="0">
+            <a:spAutoFit/>
+          </a:bodyPr>
+          <a:lstStyle/>
+          <a:p>
+            <a:r>
+              <a:rPr lang="es-CO" sz="1400" dirty="0">
+                <a:ln>
+                  <a:solidFill>
+                    <a:schemeClr val="bg1"/>
+                  </a:solidFill>
+                </a:ln>
+                <a:solidFill>
+                  <a:schemeClr val="bg1"/>
+                </a:solidFill>
+                <a:latin typeface="+mj-lt"/>
+              </a:rPr>
+              <a:t>Project 6 – </a:t>
+            </a:r>
+            <a:r>
+              <a:rPr lang="fr-FR" sz="1400" dirty="0">
+                <a:ln>
+                  <a:solidFill>
+                    <a:schemeClr val="bg1"/>
+                  </a:solidFill>
+                </a:ln>
+                <a:solidFill>
+                  <a:schemeClr val="bg1"/>
+                </a:solidFill>
+                <a:latin typeface="+mj-lt"/>
+              </a:rPr>
+              <a:t>Classification automatique des biens de consommation</a:t>
+            </a:r>
+            <a:endParaRPr lang="en-US" sz="1400" dirty="0">
+              <a:ln>
+                <a:solidFill>
+                  <a:schemeClr val="bg1"/>
+                </a:solidFill>
+              </a:ln>
+              <a:solidFill>
+                <a:schemeClr val="bg1"/>
+              </a:solidFill>
+              <a:latin typeface="+mj-lt"/>
+            </a:endParaRPr>
+          </a:p>
+        </p:txBody>
+      </p:sp>
+    </p:spTree>
+    <p:extLst>
+      <p:ext uri="{BB962C8B-B14F-4D97-AF65-F5344CB8AC3E}">
+        <p14:creationId xmlns:p14="http://schemas.microsoft.com/office/powerpoint/2010/main" val="432935334"/>
+      </p:ext>
+    </p:extLst>
+  </p:cSld>
+  <p:clrMapOvr>
+    <a:masterClrMapping/>
+  </p:clrMapOvr>
+</p:sld>
+</file>
+
+<file path=ppt/slides/slide18.xml><?xml version="1.0" encoding="utf-8"?>
+<p:sld xmlns:a="http://schemas.openxmlformats.org/drawingml/2006/main" xmlns:r="http://schemas.openxmlformats.org/officeDocument/2006/relationships" xmlns:p="http://schemas.openxmlformats.org/presentationml/2006/main">
+  <p:cSld>
+    <p:spTree>
+      <p:nvGrpSpPr>
+        <p:cNvPr id="1" name=""/>
+        <p:cNvGrpSpPr/>
+        <p:nvPr/>
+      </p:nvGrpSpPr>
+      <p:grpSpPr>
+        <a:xfrm>
+          <a:off x="0" y="0"/>
+          <a:ext cx="0" cy="0"/>
+          <a:chOff x="0" y="0"/>
+          <a:chExt cx="0" cy="0"/>
+        </a:xfrm>
+      </p:grpSpPr>
+      <p:sp>
+        <p:nvSpPr>
+          <p:cNvPr id="10" name="Rectángulo 1">
+            <a:extLst>
+              <a:ext uri="{FF2B5EF4-FFF2-40B4-BE49-F238E27FC236}">
+                <a16:creationId xmlns:a16="http://schemas.microsoft.com/office/drawing/2014/main" id="{EC6BC2CE-B281-4F18-889E-16BEFF6CC2C6}"/>
+              </a:ext>
+            </a:extLst>
+          </p:cNvPr>
+          <p:cNvSpPr/>
+          <p:nvPr/>
+        </p:nvSpPr>
+        <p:spPr>
+          <a:xfrm>
+            <a:off x="-72007" y="0"/>
+            <a:ext cx="7296540" cy="6858000"/>
+          </a:xfrm>
+          <a:prstGeom prst="rect">
+            <a:avLst/>
+          </a:prstGeom>
+          <a:solidFill>
+            <a:srgbClr val="7451EB"/>
+          </a:solidFill>
+          <a:ln>
+            <a:solidFill>
+              <a:srgbClr val="7451EB"/>
+            </a:solidFill>
+          </a:ln>
+        </p:spPr>
+        <p:style>
+          <a:lnRef idx="2">
+            <a:schemeClr val="accent1">
+              <a:shade val="50000"/>
+            </a:schemeClr>
+          </a:lnRef>
+          <a:fillRef idx="1">
+            <a:schemeClr val="accent1"/>
+          </a:fillRef>
+          <a:effectRef idx="0">
+            <a:schemeClr val="accent1"/>
+          </a:effectRef>
+          <a:fontRef idx="minor">
+            <a:schemeClr val="lt1"/>
+          </a:fontRef>
+        </p:style>
+        <p:txBody>
+          <a:bodyPr rtlCol="0" anchor="ctr"/>
+          <a:lstStyle/>
+          <a:p>
+            <a:pPr algn="ctr"/>
+            <a:endParaRPr lang="es-AR"/>
+          </a:p>
+        </p:txBody>
+      </p:sp>
+      <p:sp>
+        <p:nvSpPr>
+          <p:cNvPr id="36" name="Rectángulo 4">
+            <a:extLst>
+              <a:ext uri="{FF2B5EF4-FFF2-40B4-BE49-F238E27FC236}">
+                <a16:creationId xmlns:a16="http://schemas.microsoft.com/office/drawing/2014/main" id="{3D7BED2F-80EC-4813-AFFE-DF338008BEBB}"/>
+              </a:ext>
+            </a:extLst>
+          </p:cNvPr>
+          <p:cNvSpPr/>
+          <p:nvPr/>
+        </p:nvSpPr>
+        <p:spPr>
+          <a:xfrm>
+            <a:off x="377906" y="1683233"/>
+            <a:ext cx="366721" cy="54000"/>
+          </a:xfrm>
+          <a:prstGeom prst="rect">
+            <a:avLst/>
+          </a:prstGeom>
+          <a:solidFill>
+            <a:schemeClr val="bg1"/>
+          </a:solidFill>
+          <a:ln>
+            <a:solidFill>
+              <a:schemeClr val="bg1"/>
+            </a:solidFill>
+          </a:ln>
+        </p:spPr>
+        <p:style>
+          <a:lnRef idx="2">
+            <a:schemeClr val="accent1">
+              <a:shade val="50000"/>
+            </a:schemeClr>
+          </a:lnRef>
+          <a:fillRef idx="1">
+            <a:schemeClr val="accent1"/>
+          </a:fillRef>
+          <a:effectRef idx="0">
+            <a:schemeClr val="accent1"/>
+          </a:effectRef>
+          <a:fontRef idx="minor">
+            <a:schemeClr val="lt1"/>
+          </a:fontRef>
+        </p:style>
+        <p:txBody>
+          <a:bodyPr rtlCol="0" anchor="ctr"/>
+          <a:lstStyle/>
+          <a:p>
+            <a:pPr algn="ctr"/>
+            <a:endParaRPr lang="es-AR"/>
+          </a:p>
+        </p:txBody>
+      </p:sp>
+      <p:sp>
+        <p:nvSpPr>
+          <p:cNvPr id="30" name="ZoneTexte 29">
+            <a:extLst>
+              <a:ext uri="{FF2B5EF4-FFF2-40B4-BE49-F238E27FC236}">
+                <a16:creationId xmlns:a16="http://schemas.microsoft.com/office/drawing/2014/main" id="{1C59DD88-0231-4DD6-B63A-00DE1EDF79C4}"/>
+              </a:ext>
+            </a:extLst>
+          </p:cNvPr>
+          <p:cNvSpPr txBox="1"/>
+          <p:nvPr/>
+        </p:nvSpPr>
+        <p:spPr>
+          <a:xfrm>
+            <a:off x="279917" y="1737233"/>
+            <a:ext cx="6592692" cy="3939540"/>
+          </a:xfrm>
+          <a:prstGeom prst="rect">
+            <a:avLst/>
+          </a:prstGeom>
+          <a:noFill/>
+        </p:spPr>
+        <p:txBody>
+          <a:bodyPr wrap="square">
+            <a:spAutoFit/>
+          </a:bodyPr>
+          <a:lstStyle/>
+          <a:p>
+            <a:r>
+              <a:rPr lang="fr-FR" sz="4800" b="1" i="1" dirty="0">
+                <a:ln>
+                  <a:solidFill>
+                    <a:schemeClr val="bg1"/>
+                  </a:solidFill>
+                </a:ln>
+                <a:solidFill>
+                  <a:schemeClr val="bg1"/>
+                </a:solidFill>
+                <a:latin typeface="Google Sans"/>
+              </a:rPr>
+              <a:t>MERCI</a:t>
+            </a:r>
+          </a:p>
+          <a:p>
+            <a:endParaRPr lang="fr-FR" sz="3200" b="1" dirty="0">
+              <a:ln>
+                <a:solidFill>
+                  <a:schemeClr val="bg1"/>
+                </a:solidFill>
+              </a:ln>
+              <a:solidFill>
+                <a:schemeClr val="bg1"/>
+              </a:solidFill>
+              <a:latin typeface="Google Sans"/>
+            </a:endParaRPr>
+          </a:p>
+          <a:p>
+            <a:endParaRPr lang="fr-FR" sz="3200" b="1" dirty="0">
+              <a:ln>
+                <a:solidFill>
+                  <a:schemeClr val="bg1"/>
+                </a:solidFill>
+              </a:ln>
+              <a:solidFill>
+                <a:schemeClr val="bg1"/>
+              </a:solidFill>
+              <a:latin typeface="Google Sans"/>
+            </a:endParaRPr>
+          </a:p>
+          <a:p>
+            <a:r>
+              <a:rPr lang="fr-FR" sz="2000" dirty="0">
+                <a:ln>
+                  <a:solidFill>
+                    <a:schemeClr val="bg1"/>
+                  </a:solidFill>
+                </a:ln>
+                <a:solidFill>
+                  <a:schemeClr val="bg1"/>
+                </a:solidFill>
+                <a:latin typeface="Google Sans"/>
+              </a:rPr>
+              <a:t>Soutenance de Projet</a:t>
+            </a:r>
+          </a:p>
+          <a:p>
+            <a:r>
+              <a:rPr lang="fr-FR" sz="3200" dirty="0">
+                <a:ln>
+                  <a:solidFill>
+                    <a:schemeClr val="bg1"/>
+                  </a:solidFill>
+                </a:ln>
+                <a:solidFill>
+                  <a:schemeClr val="bg1"/>
+                </a:solidFill>
+                <a:latin typeface="Google Sans"/>
+              </a:rPr>
+              <a:t>Samir HINOJOSA</a:t>
+            </a:r>
+          </a:p>
+          <a:p>
+            <a:endParaRPr lang="fr-FR" sz="3600" dirty="0">
+              <a:ln>
+                <a:solidFill>
+                  <a:schemeClr val="bg1"/>
+                </a:solidFill>
+              </a:ln>
+              <a:solidFill>
+                <a:schemeClr val="bg1"/>
+              </a:solidFill>
+              <a:latin typeface="Google Sans"/>
+            </a:endParaRPr>
+          </a:p>
+          <a:p>
+            <a:endParaRPr lang="fr-FR" sz="3600" dirty="0">
+              <a:ln>
+                <a:solidFill>
+                  <a:schemeClr val="bg1"/>
+                </a:solidFill>
+              </a:ln>
+              <a:solidFill>
+                <a:schemeClr val="bg1"/>
+              </a:solidFill>
+              <a:latin typeface="Google Sans"/>
+            </a:endParaRPr>
+          </a:p>
+          <a:p>
+            <a:r>
+              <a:rPr lang="es-ES" sz="1400" dirty="0">
+                <a:ln>
+                  <a:solidFill>
+                    <a:schemeClr val="bg1"/>
+                  </a:solidFill>
+                </a:ln>
+                <a:solidFill>
+                  <a:schemeClr val="bg1"/>
+                </a:solidFill>
+                <a:latin typeface="Google Sans"/>
+              </a:rPr>
+              <a:t>27 octubre 2021</a:t>
+            </a:r>
+          </a:p>
+        </p:txBody>
+      </p:sp>
+      <p:pic>
+        <p:nvPicPr>
+          <p:cNvPr id="8" name="Picture 2" descr="OpenClassrooms — Wikipédia">
+            <a:extLst>
+              <a:ext uri="{FF2B5EF4-FFF2-40B4-BE49-F238E27FC236}">
+                <a16:creationId xmlns:a16="http://schemas.microsoft.com/office/drawing/2014/main" id="{18FA7543-C255-47CA-9E0D-0DB0A858BA5A}"/>
+              </a:ext>
+            </a:extLst>
+          </p:cNvPr>
+          <p:cNvPicPr>
+            <a:picLocks noChangeAspect="1" noChangeArrowheads="1"/>
+          </p:cNvPicPr>
+          <p:nvPr/>
+        </p:nvPicPr>
+        <p:blipFill>
+          <a:blip r:embed="rId2">
+            <a:extLst>
+              <a:ext uri="{28A0092B-C50C-407E-A947-70E740481C1C}">
+                <a14:useLocalDpi xmlns:a14="http://schemas.microsoft.com/office/drawing/2010/main" val="0"/>
+              </a:ext>
+            </a:extLst>
+          </a:blip>
+          <a:srcRect/>
+          <a:stretch>
+            <a:fillRect/>
+          </a:stretch>
+        </p:blipFill>
+        <p:spPr bwMode="auto">
+          <a:xfrm>
+            <a:off x="7492481" y="5029141"/>
+            <a:ext cx="876456" cy="876456"/>
+          </a:xfrm>
+          <a:prstGeom prst="rect">
+            <a:avLst/>
+          </a:prstGeom>
+          <a:ln>
+            <a:noFill/>
+          </a:ln>
+          <a:effectLst>
+            <a:outerShdw blurRad="292100" dist="139700" dir="2700000" algn="tl" rotWithShape="0">
+              <a:srgbClr val="333333">
+                <a:alpha val="65000"/>
+              </a:srgbClr>
+            </a:outerShdw>
+          </a:effectLst>
+          <a:extLst>
+            <a:ext uri="{909E8E84-426E-40DD-AFC4-6F175D3DCCD1}">
+              <a14:hiddenFill xmlns:a14="http://schemas.microsoft.com/office/drawing/2010/main">
+                <a:solidFill>
+                  <a:srgbClr val="FFFFFF"/>
+                </a:solidFill>
+              </a14:hiddenFill>
+            </a:ext>
+          </a:extLst>
+        </p:spPr>
+      </p:pic>
+      <p:pic>
+        <p:nvPicPr>
+          <p:cNvPr id="9" name="Picture 2" descr="Des parcours diplômants et des cours gratuits 100% en ligne - OpenClassrooms">
+            <a:extLst>
+              <a:ext uri="{FF2B5EF4-FFF2-40B4-BE49-F238E27FC236}">
+                <a16:creationId xmlns:a16="http://schemas.microsoft.com/office/drawing/2014/main" id="{D8D22BE0-298E-44EE-A4A3-A03C472D083B}"/>
+              </a:ext>
+            </a:extLst>
+          </p:cNvPr>
+          <p:cNvPicPr>
+            <a:picLocks noChangeAspect="1" noChangeArrowheads="1"/>
+          </p:cNvPicPr>
+          <p:nvPr/>
+        </p:nvPicPr>
+        <p:blipFill>
+          <a:blip r:embed="rId3">
+            <a:extLst>
+              <a:ext uri="{28A0092B-C50C-407E-A947-70E740481C1C}">
+                <a14:useLocalDpi xmlns:a14="http://schemas.microsoft.com/office/drawing/2010/main" val="0"/>
+              </a:ext>
+            </a:extLst>
+          </a:blip>
+          <a:srcRect/>
+          <a:stretch>
+            <a:fillRect/>
+          </a:stretch>
+        </p:blipFill>
+        <p:spPr bwMode="auto">
+          <a:xfrm>
+            <a:off x="7492481" y="6062502"/>
+            <a:ext cx="3899769" cy="467038"/>
+          </a:xfrm>
+          <a:prstGeom prst="rect">
+            <a:avLst/>
+          </a:prstGeom>
+          <a:ln>
+            <a:noFill/>
+          </a:ln>
+          <a:effectLst>
+            <a:outerShdw blurRad="292100" dist="139700" dir="2700000" algn="tl" rotWithShape="0">
+              <a:srgbClr val="333333">
+                <a:alpha val="65000"/>
+              </a:srgbClr>
+            </a:outerShdw>
+          </a:effectLst>
+          <a:extLst>
+            <a:ext uri="{909E8E84-426E-40DD-AFC4-6F175D3DCCD1}">
+              <a14:hiddenFill xmlns:a14="http://schemas.microsoft.com/office/drawing/2010/main">
+                <a:solidFill>
+                  <a:srgbClr val="FFFFFF"/>
+                </a:solidFill>
+              </a14:hiddenFill>
+            </a:ext>
+          </a:extLst>
+        </p:spPr>
+      </p:pic>
+      <p:sp>
+        <p:nvSpPr>
+          <p:cNvPr id="7" name="Rectangle 6">
+            <a:extLst>
+              <a:ext uri="{FF2B5EF4-FFF2-40B4-BE49-F238E27FC236}">
+                <a16:creationId xmlns:a16="http://schemas.microsoft.com/office/drawing/2014/main" id="{23E093D0-5D26-406D-A395-D727A0AB7C77}"/>
+              </a:ext>
+            </a:extLst>
+          </p:cNvPr>
+          <p:cNvSpPr/>
+          <p:nvPr/>
+        </p:nvSpPr>
+        <p:spPr>
+          <a:xfrm>
+            <a:off x="279917" y="5184716"/>
+            <a:ext cx="1724734" cy="565306"/>
+          </a:xfrm>
+          <a:prstGeom prst="rect">
+            <a:avLst/>
+          </a:prstGeom>
+          <a:solidFill>
+            <a:srgbClr val="FF0000"/>
+          </a:solidFill>
+          <a:ln>
+            <a:solidFill>
+              <a:srgbClr val="FF0000"/>
+            </a:solidFill>
+          </a:ln>
+        </p:spPr>
+        <p:style>
+          <a:lnRef idx="2">
+            <a:schemeClr val="accent1">
+              <a:shade val="50000"/>
+            </a:schemeClr>
+          </a:lnRef>
+          <a:fillRef idx="1">
+            <a:schemeClr val="accent1"/>
+          </a:fillRef>
+          <a:effectRef idx="0">
+            <a:schemeClr val="accent1"/>
+          </a:effectRef>
+          <a:fontRef idx="minor">
+            <a:schemeClr val="lt1"/>
+          </a:fontRef>
+        </p:style>
+        <p:txBody>
+          <a:bodyPr rtlCol="0" anchor="ctr"/>
+          <a:lstStyle/>
+          <a:p>
             <a:pPr algn="ctr"/>
             <a:endParaRPr lang="fr-FR" dirty="0"/>
           </a:p>
@@ -11498,7 +15513,7 @@
 </p:sld>
 </file>
 
-<file path=ppt/slides/slide17.xml><?xml version="1.0" encoding="utf-8"?>
+<file path=ppt/slides/slide19.xml><?xml version="1.0" encoding="utf-8"?>
 <p:sld xmlns:a="http://schemas.openxmlformats.org/drawingml/2006/main" xmlns:r="http://schemas.openxmlformats.org/officeDocument/2006/relationships" xmlns:p="http://schemas.openxmlformats.org/presentationml/2006/main">
   <p:cSld>
     <p:bg>

--- a/supports/P6_presentation_final.pptx
+++ b/supports/P6_presentation_final.pptx
@@ -22878,8 +22878,8 @@
         </p:nvSpPr>
         <p:spPr>
           <a:xfrm>
-            <a:off x="3" y="5196003"/>
-            <a:ext cx="3907306" cy="1015663"/>
+            <a:off x="0" y="4812820"/>
+            <a:ext cx="3907305" cy="1015663"/>
           </a:xfrm>
           <a:prstGeom prst="rect">
             <a:avLst/>
